--- a/experiments/CGP.pptx
+++ b/experiments/CGP.pptx
@@ -4,8 +4,15 @@
   <p:sldMasterIdLst>
     <p:sldMasterId id="2147483648" r:id="rId1"/>
   </p:sldMasterIdLst>
+  <p:notesMasterIdLst>
+    <p:notesMasterId r:id="rId7"/>
+  </p:notesMasterIdLst>
   <p:sldIdLst>
-    <p:sldId id="256" r:id="rId2"/>
+    <p:sldId id="260" r:id="rId2"/>
+    <p:sldId id="259" r:id="rId3"/>
+    <p:sldId id="258" r:id="rId4"/>
+    <p:sldId id="256" r:id="rId5"/>
+    <p:sldId id="257" r:id="rId6"/>
   </p:sldIdLst>
   <p:sldSz cx="12192000" cy="6858000"/>
   <p:notesSz cx="6858000" cy="9144000"/>
@@ -112,6 +119,568 @@
 </p:presentation>
 </file>
 
+<file path=ppt/notesMasters/notesMaster1.xml><?xml version="1.0" encoding="utf-8"?>
+<p:notesMaster xmlns:a="http://schemas.openxmlformats.org/drawingml/2006/main" xmlns:r="http://schemas.openxmlformats.org/officeDocument/2006/relationships" xmlns:p="http://schemas.openxmlformats.org/presentationml/2006/main">
+  <p:cSld>
+    <p:bg>
+      <p:bgRef idx="1001">
+        <a:schemeClr val="bg1"/>
+      </p:bgRef>
+    </p:bg>
+    <p:spTree>
+      <p:nvGrpSpPr>
+        <p:cNvPr id="1" name=""/>
+        <p:cNvGrpSpPr/>
+        <p:nvPr/>
+      </p:nvGrpSpPr>
+      <p:grpSpPr>
+        <a:xfrm>
+          <a:off x="0" y="0"/>
+          <a:ext cx="0" cy="0"/>
+          <a:chOff x="0" y="0"/>
+          <a:chExt cx="0" cy="0"/>
+        </a:xfrm>
+      </p:grpSpPr>
+      <p:sp>
+        <p:nvSpPr>
+          <p:cNvPr id="2" name="Header Placeholder 1"/>
+          <p:cNvSpPr>
+            <a:spLocks noGrp="1"/>
+          </p:cNvSpPr>
+          <p:nvPr>
+            <p:ph type="hdr" sz="quarter"/>
+          </p:nvPr>
+        </p:nvSpPr>
+        <p:spPr>
+          <a:xfrm>
+            <a:off x="0" y="0"/>
+            <a:ext cx="2971800" cy="458788"/>
+          </a:xfrm>
+          <a:prstGeom prst="rect">
+            <a:avLst/>
+          </a:prstGeom>
+        </p:spPr>
+        <p:txBody>
+          <a:bodyPr vert="horz" lIns="91440" tIns="45720" rIns="91440" bIns="45720" rtlCol="0"/>
+          <a:lstStyle>
+            <a:lvl1pPr algn="l">
+              <a:defRPr sz="1200"/>
+            </a:lvl1pPr>
+          </a:lstStyle>
+          <a:p>
+            <a:endParaRPr lang="en-SG"/>
+          </a:p>
+        </p:txBody>
+      </p:sp>
+      <p:sp>
+        <p:nvSpPr>
+          <p:cNvPr id="3" name="Date Placeholder 2"/>
+          <p:cNvSpPr>
+            <a:spLocks noGrp="1"/>
+          </p:cNvSpPr>
+          <p:nvPr>
+            <p:ph type="dt" idx="1"/>
+          </p:nvPr>
+        </p:nvSpPr>
+        <p:spPr>
+          <a:xfrm>
+            <a:off x="3884613" y="0"/>
+            <a:ext cx="2971800" cy="458788"/>
+          </a:xfrm>
+          <a:prstGeom prst="rect">
+            <a:avLst/>
+          </a:prstGeom>
+        </p:spPr>
+        <p:txBody>
+          <a:bodyPr vert="horz" lIns="91440" tIns="45720" rIns="91440" bIns="45720" rtlCol="0"/>
+          <a:lstStyle>
+            <a:lvl1pPr algn="r">
+              <a:defRPr sz="1200"/>
+            </a:lvl1pPr>
+          </a:lstStyle>
+          <a:p>
+            <a:fld id="{AE16BDA9-A43C-41B0-8B98-AE9BBEC45597}" type="datetimeFigureOut">
+              <a:rPr lang="en-SG" smtClean="0"/>
+              <a:t>6/9/2021</a:t>
+            </a:fld>
+            <a:endParaRPr lang="en-SG"/>
+          </a:p>
+        </p:txBody>
+      </p:sp>
+      <p:sp>
+        <p:nvSpPr>
+          <p:cNvPr id="4" name="Slide Image Placeholder 3"/>
+          <p:cNvSpPr>
+            <a:spLocks noGrp="1" noRot="1" noChangeAspect="1"/>
+          </p:cNvSpPr>
+          <p:nvPr>
+            <p:ph type="sldImg" idx="2"/>
+          </p:nvPr>
+        </p:nvSpPr>
+        <p:spPr>
+          <a:xfrm>
+            <a:off x="685800" y="1143000"/>
+            <a:ext cx="5486400" cy="3086100"/>
+          </a:xfrm>
+          <a:prstGeom prst="rect">
+            <a:avLst/>
+          </a:prstGeom>
+          <a:noFill/>
+          <a:ln w="12700">
+            <a:solidFill>
+              <a:prstClr val="black"/>
+            </a:solidFill>
+          </a:ln>
+        </p:spPr>
+        <p:txBody>
+          <a:bodyPr vert="horz" lIns="91440" tIns="45720" rIns="91440" bIns="45720" rtlCol="0" anchor="ctr"/>
+          <a:lstStyle/>
+          <a:p>
+            <a:endParaRPr lang="en-SG"/>
+          </a:p>
+        </p:txBody>
+      </p:sp>
+      <p:sp>
+        <p:nvSpPr>
+          <p:cNvPr id="5" name="Notes Placeholder 4"/>
+          <p:cNvSpPr>
+            <a:spLocks noGrp="1"/>
+          </p:cNvSpPr>
+          <p:nvPr>
+            <p:ph type="body" sz="quarter" idx="3"/>
+          </p:nvPr>
+        </p:nvSpPr>
+        <p:spPr>
+          <a:xfrm>
+            <a:off x="685800" y="4400550"/>
+            <a:ext cx="5486400" cy="3600450"/>
+          </a:xfrm>
+          <a:prstGeom prst="rect">
+            <a:avLst/>
+          </a:prstGeom>
+        </p:spPr>
+        <p:txBody>
+          <a:bodyPr vert="horz" lIns="91440" tIns="45720" rIns="91440" bIns="45720" rtlCol="0"/>
+          <a:lstStyle/>
+          <a:p>
+            <a:pPr lvl="0"/>
+            <a:r>
+              <a:rPr lang="en-US"/>
+              <a:t>Click to edit Master text styles</a:t>
+            </a:r>
+          </a:p>
+          <a:p>
+            <a:pPr lvl="1"/>
+            <a:r>
+              <a:rPr lang="en-US"/>
+              <a:t>Second level</a:t>
+            </a:r>
+          </a:p>
+          <a:p>
+            <a:pPr lvl="2"/>
+            <a:r>
+              <a:rPr lang="en-US"/>
+              <a:t>Third level</a:t>
+            </a:r>
+          </a:p>
+          <a:p>
+            <a:pPr lvl="3"/>
+            <a:r>
+              <a:rPr lang="en-US"/>
+              <a:t>Fourth level</a:t>
+            </a:r>
+          </a:p>
+          <a:p>
+            <a:pPr lvl="4"/>
+            <a:r>
+              <a:rPr lang="en-US"/>
+              <a:t>Fifth level</a:t>
+            </a:r>
+            <a:endParaRPr lang="en-SG"/>
+          </a:p>
+        </p:txBody>
+      </p:sp>
+      <p:sp>
+        <p:nvSpPr>
+          <p:cNvPr id="6" name="Footer Placeholder 5"/>
+          <p:cNvSpPr>
+            <a:spLocks noGrp="1"/>
+          </p:cNvSpPr>
+          <p:nvPr>
+            <p:ph type="ftr" sz="quarter" idx="4"/>
+          </p:nvPr>
+        </p:nvSpPr>
+        <p:spPr>
+          <a:xfrm>
+            <a:off x="0" y="8685213"/>
+            <a:ext cx="2971800" cy="458787"/>
+          </a:xfrm>
+          <a:prstGeom prst="rect">
+            <a:avLst/>
+          </a:prstGeom>
+        </p:spPr>
+        <p:txBody>
+          <a:bodyPr vert="horz" lIns="91440" tIns="45720" rIns="91440" bIns="45720" rtlCol="0" anchor="b"/>
+          <a:lstStyle>
+            <a:lvl1pPr algn="l">
+              <a:defRPr sz="1200"/>
+            </a:lvl1pPr>
+          </a:lstStyle>
+          <a:p>
+            <a:endParaRPr lang="en-SG"/>
+          </a:p>
+        </p:txBody>
+      </p:sp>
+      <p:sp>
+        <p:nvSpPr>
+          <p:cNvPr id="7" name="Slide Number Placeholder 6"/>
+          <p:cNvSpPr>
+            <a:spLocks noGrp="1"/>
+          </p:cNvSpPr>
+          <p:nvPr>
+            <p:ph type="sldNum" sz="quarter" idx="5"/>
+          </p:nvPr>
+        </p:nvSpPr>
+        <p:spPr>
+          <a:xfrm>
+            <a:off x="3884613" y="8685213"/>
+            <a:ext cx="2971800" cy="458787"/>
+          </a:xfrm>
+          <a:prstGeom prst="rect">
+            <a:avLst/>
+          </a:prstGeom>
+        </p:spPr>
+        <p:txBody>
+          <a:bodyPr vert="horz" lIns="91440" tIns="45720" rIns="91440" bIns="45720" rtlCol="0" anchor="b"/>
+          <a:lstStyle>
+            <a:lvl1pPr algn="r">
+              <a:defRPr sz="1200"/>
+            </a:lvl1pPr>
+          </a:lstStyle>
+          <a:p>
+            <a:fld id="{31278423-CF54-4AC7-89CB-0D6D6F8CEECC}" type="slidenum">
+              <a:rPr lang="en-SG" smtClean="0"/>
+              <a:t>‹#›</a:t>
+            </a:fld>
+            <a:endParaRPr lang="en-SG"/>
+          </a:p>
+        </p:txBody>
+      </p:sp>
+    </p:spTree>
+    <p:extLst>
+      <p:ext uri="{BB962C8B-B14F-4D97-AF65-F5344CB8AC3E}">
+        <p14:creationId xmlns:p14="http://schemas.microsoft.com/office/powerpoint/2010/main" val="2055757600"/>
+      </p:ext>
+    </p:extLst>
+  </p:cSld>
+  <p:clrMap bg1="lt1" tx1="dk1" bg2="lt2" tx2="dk2" accent1="accent1" accent2="accent2" accent3="accent3" accent4="accent4" accent5="accent5" accent6="accent6" hlink="hlink" folHlink="folHlink"/>
+  <p:notesStyle>
+    <a:lvl1pPr marL="0" algn="l" defTabSz="914400" rtl="0" eaLnBrk="1" latinLnBrk="0" hangingPunct="1">
+      <a:defRPr sz="1200" kern="1200">
+        <a:solidFill>
+          <a:schemeClr val="tx1"/>
+        </a:solidFill>
+        <a:latin typeface="+mn-lt"/>
+        <a:ea typeface="+mn-ea"/>
+        <a:cs typeface="+mn-cs"/>
+      </a:defRPr>
+    </a:lvl1pPr>
+    <a:lvl2pPr marL="457200" algn="l" defTabSz="914400" rtl="0" eaLnBrk="1" latinLnBrk="0" hangingPunct="1">
+      <a:defRPr sz="1200" kern="1200">
+        <a:solidFill>
+          <a:schemeClr val="tx1"/>
+        </a:solidFill>
+        <a:latin typeface="+mn-lt"/>
+        <a:ea typeface="+mn-ea"/>
+        <a:cs typeface="+mn-cs"/>
+      </a:defRPr>
+    </a:lvl2pPr>
+    <a:lvl3pPr marL="914400" algn="l" defTabSz="914400" rtl="0" eaLnBrk="1" latinLnBrk="0" hangingPunct="1">
+      <a:defRPr sz="1200" kern="1200">
+        <a:solidFill>
+          <a:schemeClr val="tx1"/>
+        </a:solidFill>
+        <a:latin typeface="+mn-lt"/>
+        <a:ea typeface="+mn-ea"/>
+        <a:cs typeface="+mn-cs"/>
+      </a:defRPr>
+    </a:lvl3pPr>
+    <a:lvl4pPr marL="1371600" algn="l" defTabSz="914400" rtl="0" eaLnBrk="1" latinLnBrk="0" hangingPunct="1">
+      <a:defRPr sz="1200" kern="1200">
+        <a:solidFill>
+          <a:schemeClr val="tx1"/>
+        </a:solidFill>
+        <a:latin typeface="+mn-lt"/>
+        <a:ea typeface="+mn-ea"/>
+        <a:cs typeface="+mn-cs"/>
+      </a:defRPr>
+    </a:lvl4pPr>
+    <a:lvl5pPr marL="1828800" algn="l" defTabSz="914400" rtl="0" eaLnBrk="1" latinLnBrk="0" hangingPunct="1">
+      <a:defRPr sz="1200" kern="1200">
+        <a:solidFill>
+          <a:schemeClr val="tx1"/>
+        </a:solidFill>
+        <a:latin typeface="+mn-lt"/>
+        <a:ea typeface="+mn-ea"/>
+        <a:cs typeface="+mn-cs"/>
+      </a:defRPr>
+    </a:lvl5pPr>
+    <a:lvl6pPr marL="2286000" algn="l" defTabSz="914400" rtl="0" eaLnBrk="1" latinLnBrk="0" hangingPunct="1">
+      <a:defRPr sz="1200" kern="1200">
+        <a:solidFill>
+          <a:schemeClr val="tx1"/>
+        </a:solidFill>
+        <a:latin typeface="+mn-lt"/>
+        <a:ea typeface="+mn-ea"/>
+        <a:cs typeface="+mn-cs"/>
+      </a:defRPr>
+    </a:lvl6pPr>
+    <a:lvl7pPr marL="2743200" algn="l" defTabSz="914400" rtl="0" eaLnBrk="1" latinLnBrk="0" hangingPunct="1">
+      <a:defRPr sz="1200" kern="1200">
+        <a:solidFill>
+          <a:schemeClr val="tx1"/>
+        </a:solidFill>
+        <a:latin typeface="+mn-lt"/>
+        <a:ea typeface="+mn-ea"/>
+        <a:cs typeface="+mn-cs"/>
+      </a:defRPr>
+    </a:lvl7pPr>
+    <a:lvl8pPr marL="3200400" algn="l" defTabSz="914400" rtl="0" eaLnBrk="1" latinLnBrk="0" hangingPunct="1">
+      <a:defRPr sz="1200" kern="1200">
+        <a:solidFill>
+          <a:schemeClr val="tx1"/>
+        </a:solidFill>
+        <a:latin typeface="+mn-lt"/>
+        <a:ea typeface="+mn-ea"/>
+        <a:cs typeface="+mn-cs"/>
+      </a:defRPr>
+    </a:lvl8pPr>
+    <a:lvl9pPr marL="3657600" algn="l" defTabSz="914400" rtl="0" eaLnBrk="1" latinLnBrk="0" hangingPunct="1">
+      <a:defRPr sz="1200" kern="1200">
+        <a:solidFill>
+          <a:schemeClr val="tx1"/>
+        </a:solidFill>
+        <a:latin typeface="+mn-lt"/>
+        <a:ea typeface="+mn-ea"/>
+        <a:cs typeface="+mn-cs"/>
+      </a:defRPr>
+    </a:lvl9pPr>
+  </p:notesStyle>
+</p:notesMaster>
+</file>
+
+<file path=ppt/notesSlides/notesSlide1.xml><?xml version="1.0" encoding="utf-8"?>
+<p:notes xmlns:a="http://schemas.openxmlformats.org/drawingml/2006/main" xmlns:r="http://schemas.openxmlformats.org/officeDocument/2006/relationships" xmlns:p="http://schemas.openxmlformats.org/presentationml/2006/main">
+  <p:cSld>
+    <p:spTree>
+      <p:nvGrpSpPr>
+        <p:cNvPr id="1" name=""/>
+        <p:cNvGrpSpPr/>
+        <p:nvPr/>
+      </p:nvGrpSpPr>
+      <p:grpSpPr>
+        <a:xfrm>
+          <a:off x="0" y="0"/>
+          <a:ext cx="0" cy="0"/>
+          <a:chOff x="0" y="0"/>
+          <a:chExt cx="0" cy="0"/>
+        </a:xfrm>
+      </p:grpSpPr>
+      <p:sp>
+        <p:nvSpPr>
+          <p:cNvPr id="2" name="Slide Image Placeholder 1"/>
+          <p:cNvSpPr>
+            <a:spLocks noGrp="1" noRot="1" noChangeAspect="1"/>
+          </p:cNvSpPr>
+          <p:nvPr>
+            <p:ph type="sldImg"/>
+          </p:nvPr>
+        </p:nvSpPr>
+        <p:spPr/>
+      </p:sp>
+      <p:sp>
+        <p:nvSpPr>
+          <p:cNvPr id="3" name="Notes Placeholder 2"/>
+          <p:cNvSpPr>
+            <a:spLocks noGrp="1"/>
+          </p:cNvSpPr>
+          <p:nvPr>
+            <p:ph type="body" idx="1"/>
+          </p:nvPr>
+        </p:nvSpPr>
+        <p:spPr/>
+        <p:txBody>
+          <a:bodyPr/>
+          <a:lstStyle/>
+          <a:p>
+            <a:pPr algn="l"/>
+            <a:r>
+              <a:rPr lang="en-SG" sz="1800" b="0" i="0" u="none" strike="noStrike" baseline="0" dirty="0">
+                <a:latin typeface="AdvPSSAB-R"/>
+              </a:rPr>
+              <a:t>Precision is the ratio of correctly inferred connections over the total number of positive Predictions</a:t>
+            </a:r>
+          </a:p>
+          <a:p>
+            <a:pPr algn="l"/>
+            <a:endParaRPr lang="en-SG" sz="1800" b="0" i="0" u="none" strike="noStrike" baseline="0" dirty="0">
+              <a:latin typeface="AdvPSSAB-R"/>
+            </a:endParaRPr>
+          </a:p>
+          <a:p>
+            <a:pPr algn="l"/>
+            <a:r>
+              <a:rPr lang="en-SG" sz="1800" b="0" i="0" u="none" strike="noStrike" baseline="0" dirty="0">
+                <a:latin typeface="AdvPSSAB-R"/>
+              </a:rPr>
+              <a:t>Recall is the ratio of true predicted connections over the total number of actual connections</a:t>
+            </a:r>
+            <a:endParaRPr lang="en-SG" dirty="0"/>
+          </a:p>
+        </p:txBody>
+      </p:sp>
+      <p:sp>
+        <p:nvSpPr>
+          <p:cNvPr id="4" name="Slide Number Placeholder 3"/>
+          <p:cNvSpPr>
+            <a:spLocks noGrp="1"/>
+          </p:cNvSpPr>
+          <p:nvPr>
+            <p:ph type="sldNum" sz="quarter" idx="5"/>
+          </p:nvPr>
+        </p:nvSpPr>
+        <p:spPr/>
+        <p:txBody>
+          <a:bodyPr/>
+          <a:lstStyle/>
+          <a:p>
+            <a:fld id="{31278423-CF54-4AC7-89CB-0D6D6F8CEECC}" type="slidenum">
+              <a:rPr lang="en-SG" smtClean="0"/>
+              <a:t>2</a:t>
+            </a:fld>
+            <a:endParaRPr lang="en-SG"/>
+          </a:p>
+        </p:txBody>
+      </p:sp>
+    </p:spTree>
+    <p:extLst>
+      <p:ext uri="{BB962C8B-B14F-4D97-AF65-F5344CB8AC3E}">
+        <p14:creationId xmlns:p14="http://schemas.microsoft.com/office/powerpoint/2010/main" val="3902672867"/>
+      </p:ext>
+    </p:extLst>
+  </p:cSld>
+  <p:clrMapOvr>
+    <a:masterClrMapping/>
+  </p:clrMapOvr>
+</p:notes>
+</file>
+
+<file path=ppt/notesSlides/notesSlide2.xml><?xml version="1.0" encoding="utf-8"?>
+<p:notes xmlns:a="http://schemas.openxmlformats.org/drawingml/2006/main" xmlns:r="http://schemas.openxmlformats.org/officeDocument/2006/relationships" xmlns:p="http://schemas.openxmlformats.org/presentationml/2006/main">
+  <p:cSld>
+    <p:spTree>
+      <p:nvGrpSpPr>
+        <p:cNvPr id="1" name=""/>
+        <p:cNvGrpSpPr/>
+        <p:nvPr/>
+      </p:nvGrpSpPr>
+      <p:grpSpPr>
+        <a:xfrm>
+          <a:off x="0" y="0"/>
+          <a:ext cx="0" cy="0"/>
+          <a:chOff x="0" y="0"/>
+          <a:chExt cx="0" cy="0"/>
+        </a:xfrm>
+      </p:grpSpPr>
+      <p:sp>
+        <p:nvSpPr>
+          <p:cNvPr id="2" name="Slide Image Placeholder 1"/>
+          <p:cNvSpPr>
+            <a:spLocks noGrp="1" noRot="1" noChangeAspect="1"/>
+          </p:cNvSpPr>
+          <p:nvPr>
+            <p:ph type="sldImg"/>
+          </p:nvPr>
+        </p:nvSpPr>
+        <p:spPr/>
+      </p:sp>
+      <p:sp>
+        <p:nvSpPr>
+          <p:cNvPr id="3" name="Notes Placeholder 2"/>
+          <p:cNvSpPr>
+            <a:spLocks noGrp="1"/>
+          </p:cNvSpPr>
+          <p:nvPr>
+            <p:ph type="body" idx="1"/>
+          </p:nvPr>
+        </p:nvSpPr>
+        <p:spPr/>
+        <p:txBody>
+          <a:bodyPr/>
+          <a:lstStyle/>
+          <a:p>
+            <a:pPr algn="l"/>
+            <a:r>
+              <a:rPr lang="en-SG" sz="1800" b="0" i="0" u="none" strike="noStrike" baseline="0" dirty="0">
+                <a:latin typeface="AdvPSSAB-R"/>
+              </a:rPr>
+              <a:t>Structural accuracy is the ratio of correct predictions out of all predictions</a:t>
+            </a:r>
+          </a:p>
+          <a:p>
+            <a:pPr algn="l"/>
+            <a:endParaRPr lang="en-SG" sz="1800" b="0" i="0" u="none" strike="noStrike" baseline="0" dirty="0">
+              <a:latin typeface="AdvPSSAB-R"/>
+            </a:endParaRPr>
+          </a:p>
+          <a:p>
+            <a:pPr algn="l"/>
+            <a:r>
+              <a:rPr lang="en-SG" sz="1800" b="0" i="0" u="none" strike="noStrike" baseline="0" dirty="0">
+                <a:latin typeface="AdvPSSAB-R"/>
+              </a:rPr>
+              <a:t>average of gene-wise dynamics consistency over all genes</a:t>
+            </a:r>
+            <a:endParaRPr lang="en-SG" dirty="0"/>
+          </a:p>
+        </p:txBody>
+      </p:sp>
+      <p:sp>
+        <p:nvSpPr>
+          <p:cNvPr id="4" name="Slide Number Placeholder 3"/>
+          <p:cNvSpPr>
+            <a:spLocks noGrp="1"/>
+          </p:cNvSpPr>
+          <p:nvPr>
+            <p:ph type="sldNum" sz="quarter" idx="5"/>
+          </p:nvPr>
+        </p:nvSpPr>
+        <p:spPr/>
+        <p:txBody>
+          <a:bodyPr/>
+          <a:lstStyle/>
+          <a:p>
+            <a:fld id="{31278423-CF54-4AC7-89CB-0D6D6F8CEECC}" type="slidenum">
+              <a:rPr lang="en-SG" smtClean="0"/>
+              <a:t>3</a:t>
+            </a:fld>
+            <a:endParaRPr lang="en-SG"/>
+          </a:p>
+        </p:txBody>
+      </p:sp>
+    </p:spTree>
+    <p:extLst>
+      <p:ext uri="{BB962C8B-B14F-4D97-AF65-F5344CB8AC3E}">
+        <p14:creationId xmlns:p14="http://schemas.microsoft.com/office/powerpoint/2010/main" val="1480056556"/>
+      </p:ext>
+    </p:extLst>
+  </p:cSld>
+  <p:clrMapOvr>
+    <a:masterClrMapping/>
+  </p:clrMapOvr>
+</p:notes>
+</file>
+
 <file path=ppt/slideLayouts/slideLayout1.xml><?xml version="1.0" encoding="utf-8"?>
 <p:sldLayout xmlns:a="http://schemas.openxmlformats.org/drawingml/2006/main" xmlns:r="http://schemas.openxmlformats.org/officeDocument/2006/relationships" xmlns:p="http://schemas.openxmlformats.org/presentationml/2006/main" type="title" preserve="1">
   <p:cSld name="Title Slide">
@@ -261,7 +830,7 @@
           <a:p>
             <a:fld id="{3140C0BA-8046-41EB-B1C2-56BD65E25AD0}" type="datetimeFigureOut">
               <a:rPr lang="en-SG" smtClean="0"/>
-              <a:t>4/9/2021</a:t>
+              <a:t>6/9/2021</a:t>
             </a:fld>
             <a:endParaRPr lang="en-SG"/>
           </a:p>
@@ -461,7 +1030,7 @@
           <a:p>
             <a:fld id="{3140C0BA-8046-41EB-B1C2-56BD65E25AD0}" type="datetimeFigureOut">
               <a:rPr lang="en-SG" smtClean="0"/>
-              <a:t>4/9/2021</a:t>
+              <a:t>6/9/2021</a:t>
             </a:fld>
             <a:endParaRPr lang="en-SG"/>
           </a:p>
@@ -671,7 +1240,7 @@
           <a:p>
             <a:fld id="{3140C0BA-8046-41EB-B1C2-56BD65E25AD0}" type="datetimeFigureOut">
               <a:rPr lang="en-SG" smtClean="0"/>
-              <a:t>4/9/2021</a:t>
+              <a:t>6/9/2021</a:t>
             </a:fld>
             <a:endParaRPr lang="en-SG"/>
           </a:p>
@@ -871,7 +1440,7 @@
           <a:p>
             <a:fld id="{3140C0BA-8046-41EB-B1C2-56BD65E25AD0}" type="datetimeFigureOut">
               <a:rPr lang="en-SG" smtClean="0"/>
-              <a:t>4/9/2021</a:t>
+              <a:t>6/9/2021</a:t>
             </a:fld>
             <a:endParaRPr lang="en-SG"/>
           </a:p>
@@ -1147,7 +1716,7 @@
           <a:p>
             <a:fld id="{3140C0BA-8046-41EB-B1C2-56BD65E25AD0}" type="datetimeFigureOut">
               <a:rPr lang="en-SG" smtClean="0"/>
-              <a:t>4/9/2021</a:t>
+              <a:t>6/9/2021</a:t>
             </a:fld>
             <a:endParaRPr lang="en-SG"/>
           </a:p>
@@ -1415,7 +1984,7 @@
           <a:p>
             <a:fld id="{3140C0BA-8046-41EB-B1C2-56BD65E25AD0}" type="datetimeFigureOut">
               <a:rPr lang="en-SG" smtClean="0"/>
-              <a:t>4/9/2021</a:t>
+              <a:t>6/9/2021</a:t>
             </a:fld>
             <a:endParaRPr lang="en-SG"/>
           </a:p>
@@ -1830,7 +2399,7 @@
           <a:p>
             <a:fld id="{3140C0BA-8046-41EB-B1C2-56BD65E25AD0}" type="datetimeFigureOut">
               <a:rPr lang="en-SG" smtClean="0"/>
-              <a:t>4/9/2021</a:t>
+              <a:t>6/9/2021</a:t>
             </a:fld>
             <a:endParaRPr lang="en-SG"/>
           </a:p>
@@ -1972,7 +2541,7 @@
           <a:p>
             <a:fld id="{3140C0BA-8046-41EB-B1C2-56BD65E25AD0}" type="datetimeFigureOut">
               <a:rPr lang="en-SG" smtClean="0"/>
-              <a:t>4/9/2021</a:t>
+              <a:t>6/9/2021</a:t>
             </a:fld>
             <a:endParaRPr lang="en-SG"/>
           </a:p>
@@ -2085,7 +2654,7 @@
           <a:p>
             <a:fld id="{3140C0BA-8046-41EB-B1C2-56BD65E25AD0}" type="datetimeFigureOut">
               <a:rPr lang="en-SG" smtClean="0"/>
-              <a:t>4/9/2021</a:t>
+              <a:t>6/9/2021</a:t>
             </a:fld>
             <a:endParaRPr lang="en-SG"/>
           </a:p>
@@ -2398,7 +2967,7 @@
           <a:p>
             <a:fld id="{3140C0BA-8046-41EB-B1C2-56BD65E25AD0}" type="datetimeFigureOut">
               <a:rPr lang="en-SG" smtClean="0"/>
-              <a:t>4/9/2021</a:t>
+              <a:t>6/9/2021</a:t>
             </a:fld>
             <a:endParaRPr lang="en-SG"/>
           </a:p>
@@ -2687,7 +3256,7 @@
           <a:p>
             <a:fld id="{3140C0BA-8046-41EB-B1C2-56BD65E25AD0}" type="datetimeFigureOut">
               <a:rPr lang="en-SG" smtClean="0"/>
-              <a:t>4/9/2021</a:t>
+              <a:t>6/9/2021</a:t>
             </a:fld>
             <a:endParaRPr lang="en-SG"/>
           </a:p>
@@ -2930,7 +3499,7 @@
           <a:p>
             <a:fld id="{3140C0BA-8046-41EB-B1C2-56BD65E25AD0}" type="datetimeFigureOut">
               <a:rPr lang="en-SG" smtClean="0"/>
-              <a:t>4/9/2021</a:t>
+              <a:t>6/9/2021</a:t>
             </a:fld>
             <a:endParaRPr lang="en-SG"/>
           </a:p>
@@ -3349,6 +3918,4166 @@
       </p:grpSpPr>
       <p:graphicFrame>
         <p:nvGraphicFramePr>
+          <p:cNvPr id="6" name="Table 6">
+            <a:extLst>
+              <a:ext uri="{FF2B5EF4-FFF2-40B4-BE49-F238E27FC236}">
+                <a16:creationId xmlns:a16="http://schemas.microsoft.com/office/drawing/2014/main" id="{1A115674-5750-4A91-B02B-0B5FD3BA9774}"/>
+              </a:ext>
+            </a:extLst>
+          </p:cNvPr>
+          <p:cNvGraphicFramePr>
+            <a:graphicFrameLocks noGrp="1"/>
+          </p:cNvGraphicFramePr>
+          <p:nvPr>
+            <p:extLst>
+              <p:ext uri="{D42A27DB-BD31-4B8C-83A1-F6EECF244321}">
+                <p14:modId xmlns:p14="http://schemas.microsoft.com/office/powerpoint/2010/main" val="3778662000"/>
+              </p:ext>
+            </p:extLst>
+          </p:nvPr>
+        </p:nvGraphicFramePr>
+        <p:xfrm>
+          <a:off x="2032000" y="1191614"/>
+          <a:ext cx="8128000" cy="1483360"/>
+        </p:xfrm>
+        <a:graphic>
+          <a:graphicData uri="http://schemas.openxmlformats.org/drawingml/2006/table">
+            <a:tbl>
+              <a:tblPr firstRow="1" bandRow="1">
+                <a:tableStyleId>{5C22544A-7EE6-4342-B048-85BDC9FD1C3A}</a:tableStyleId>
+              </a:tblPr>
+              <a:tblGrid>
+                <a:gridCol w="1625600">
+                  <a:extLst>
+                    <a:ext uri="{9D8B030D-6E8A-4147-A177-3AD203B41FA5}">
+                      <a16:colId xmlns:a16="http://schemas.microsoft.com/office/drawing/2014/main" val="2341769299"/>
+                    </a:ext>
+                  </a:extLst>
+                </a:gridCol>
+                <a:gridCol w="1625600">
+                  <a:extLst>
+                    <a:ext uri="{9D8B030D-6E8A-4147-A177-3AD203B41FA5}">
+                      <a16:colId xmlns:a16="http://schemas.microsoft.com/office/drawing/2014/main" val="855739485"/>
+                    </a:ext>
+                  </a:extLst>
+                </a:gridCol>
+                <a:gridCol w="1625600">
+                  <a:extLst>
+                    <a:ext uri="{9D8B030D-6E8A-4147-A177-3AD203B41FA5}">
+                      <a16:colId xmlns:a16="http://schemas.microsoft.com/office/drawing/2014/main" val="2723143775"/>
+                    </a:ext>
+                  </a:extLst>
+                </a:gridCol>
+                <a:gridCol w="1625600">
+                  <a:extLst>
+                    <a:ext uri="{9D8B030D-6E8A-4147-A177-3AD203B41FA5}">
+                      <a16:colId xmlns:a16="http://schemas.microsoft.com/office/drawing/2014/main" val="369771862"/>
+                    </a:ext>
+                  </a:extLst>
+                </a:gridCol>
+                <a:gridCol w="1625600">
+                  <a:extLst>
+                    <a:ext uri="{9D8B030D-6E8A-4147-A177-3AD203B41FA5}">
+                      <a16:colId xmlns:a16="http://schemas.microsoft.com/office/drawing/2014/main" val="1615960179"/>
+                    </a:ext>
+                  </a:extLst>
+                </a:gridCol>
+              </a:tblGrid>
+              <a:tr h="370840">
+                <a:tc>
+                  <a:txBody>
+                    <a:bodyPr/>
+                    <a:lstStyle/>
+                    <a:p>
+                      <a:r>
+                        <a:rPr lang="en-US" dirty="0"/>
+                        <a:t>TP</a:t>
+                      </a:r>
+                      <a:endParaRPr lang="en-SG" dirty="0"/>
+                    </a:p>
+                  </a:txBody>
+                  <a:tcPr/>
+                </a:tc>
+                <a:tc>
+                  <a:txBody>
+                    <a:bodyPr/>
+                    <a:lstStyle/>
+                    <a:p>
+                      <a:r>
+                        <a:rPr lang="en-US" dirty="0"/>
+                        <a:t>Max</a:t>
+                      </a:r>
+                      <a:endParaRPr lang="en-SG" dirty="0"/>
+                    </a:p>
+                  </a:txBody>
+                  <a:tcPr/>
+                </a:tc>
+                <a:tc>
+                  <a:txBody>
+                    <a:bodyPr/>
+                    <a:lstStyle/>
+                    <a:p>
+                      <a:r>
+                        <a:rPr lang="en-US" dirty="0"/>
+                        <a:t>Min</a:t>
+                      </a:r>
+                      <a:endParaRPr lang="en-SG" dirty="0"/>
+                    </a:p>
+                  </a:txBody>
+                  <a:tcPr/>
+                </a:tc>
+                <a:tc>
+                  <a:txBody>
+                    <a:bodyPr/>
+                    <a:lstStyle/>
+                    <a:p>
+                      <a:r>
+                        <a:rPr lang="en-US" dirty="0"/>
+                        <a:t>Mean</a:t>
+                      </a:r>
+                      <a:endParaRPr lang="en-SG" dirty="0"/>
+                    </a:p>
+                  </a:txBody>
+                  <a:tcPr/>
+                </a:tc>
+                <a:tc>
+                  <a:txBody>
+                    <a:bodyPr/>
+                    <a:lstStyle/>
+                    <a:p>
+                      <a:r>
+                        <a:rPr lang="en-US" dirty="0"/>
+                        <a:t>Var</a:t>
+                      </a:r>
+                      <a:endParaRPr lang="en-SG" dirty="0"/>
+                    </a:p>
+                  </a:txBody>
+                  <a:tcPr/>
+                </a:tc>
+                <a:extLst>
+                  <a:ext uri="{0D108BD9-81ED-4DB2-BD59-A6C34878D82A}">
+                    <a16:rowId xmlns:a16="http://schemas.microsoft.com/office/drawing/2014/main" val="301508271"/>
+                  </a:ext>
+                </a:extLst>
+              </a:tr>
+              <a:tr h="370840">
+                <a:tc>
+                  <a:txBody>
+                    <a:bodyPr/>
+                    <a:lstStyle/>
+                    <a:p>
+                      <a:r>
+                        <a:rPr lang="en-US" dirty="0"/>
+                        <a:t>STD</a:t>
+                      </a:r>
+                      <a:endParaRPr lang="en-SG" dirty="0"/>
+                    </a:p>
+                  </a:txBody>
+                  <a:tcPr/>
+                </a:tc>
+                <a:tc>
+                  <a:txBody>
+                    <a:bodyPr/>
+                    <a:lstStyle/>
+                    <a:p>
+                      <a:pPr marL="0" marR="0" lvl="0" indent="0" algn="l" defTabSz="914400" rtl="0" eaLnBrk="1" fontAlgn="auto" latinLnBrk="0" hangingPunct="1">
+                        <a:lnSpc>
+                          <a:spcPct val="100000"/>
+                        </a:lnSpc>
+                        <a:spcBef>
+                          <a:spcPts val="0"/>
+                        </a:spcBef>
+                        <a:spcAft>
+                          <a:spcPts val="0"/>
+                        </a:spcAft>
+                        <a:buClrTx/>
+                        <a:buSzTx/>
+                        <a:buFontTx/>
+                        <a:buNone/>
+                        <a:tabLst/>
+                        <a:defRPr/>
+                      </a:pPr>
+                      <a:r>
+                        <a:rPr lang="en-SG" sz="1800" b="0" kern="1200" dirty="0">
+                          <a:solidFill>
+                            <a:schemeClr val="tx1"/>
+                          </a:solidFill>
+                          <a:effectLst/>
+                          <a:latin typeface="+mn-lt"/>
+                          <a:ea typeface="+mn-ea"/>
+                          <a:cs typeface="+mn-cs"/>
+                        </a:rPr>
+                        <a:t>6</a:t>
+                      </a:r>
+                    </a:p>
+                  </a:txBody>
+                  <a:tcPr/>
+                </a:tc>
+                <a:tc>
+                  <a:txBody>
+                    <a:bodyPr/>
+                    <a:lstStyle/>
+                    <a:p>
+                      <a:pPr marL="0" marR="0" lvl="0" indent="0" algn="l" defTabSz="914400" rtl="0" eaLnBrk="1" fontAlgn="auto" latinLnBrk="0" hangingPunct="1">
+                        <a:lnSpc>
+                          <a:spcPct val="100000"/>
+                        </a:lnSpc>
+                        <a:spcBef>
+                          <a:spcPts val="0"/>
+                        </a:spcBef>
+                        <a:spcAft>
+                          <a:spcPts val="0"/>
+                        </a:spcAft>
+                        <a:buClrTx/>
+                        <a:buSzTx/>
+                        <a:buFontTx/>
+                        <a:buNone/>
+                        <a:tabLst/>
+                        <a:defRPr/>
+                      </a:pPr>
+                      <a:r>
+                        <a:rPr lang="en-SG" sz="1800" b="0" kern="1200" dirty="0">
+                          <a:solidFill>
+                            <a:schemeClr val="dk1"/>
+                          </a:solidFill>
+                          <a:effectLst/>
+                          <a:latin typeface="+mn-lt"/>
+                          <a:ea typeface="+mn-ea"/>
+                          <a:cs typeface="+mn-cs"/>
+                        </a:rPr>
+                        <a:t>0</a:t>
+                      </a:r>
+                    </a:p>
+                  </a:txBody>
+                  <a:tcPr/>
+                </a:tc>
+                <a:tc>
+                  <a:txBody>
+                    <a:bodyPr/>
+                    <a:lstStyle/>
+                    <a:p>
+                      <a:pPr marL="0" marR="0" lvl="0" indent="0" algn="l" defTabSz="914400" rtl="0" eaLnBrk="1" fontAlgn="auto" latinLnBrk="0" hangingPunct="1">
+                        <a:lnSpc>
+                          <a:spcPct val="100000"/>
+                        </a:lnSpc>
+                        <a:spcBef>
+                          <a:spcPts val="0"/>
+                        </a:spcBef>
+                        <a:spcAft>
+                          <a:spcPts val="0"/>
+                        </a:spcAft>
+                        <a:buClrTx/>
+                        <a:buSzTx/>
+                        <a:buFontTx/>
+                        <a:buNone/>
+                        <a:tabLst/>
+                        <a:defRPr/>
+                      </a:pPr>
+                      <a:r>
+                        <a:rPr lang="en-SG" sz="1800" b="0" kern="1200" dirty="0">
+                          <a:solidFill>
+                            <a:schemeClr val="tx1"/>
+                          </a:solidFill>
+                          <a:effectLst/>
+                          <a:latin typeface="+mn-lt"/>
+                          <a:ea typeface="+mn-ea"/>
+                          <a:cs typeface="+mn-cs"/>
+                        </a:rPr>
+                        <a:t>3.2666</a:t>
+                      </a:r>
+                    </a:p>
+                  </a:txBody>
+                  <a:tcPr/>
+                </a:tc>
+                <a:tc>
+                  <a:txBody>
+                    <a:bodyPr/>
+                    <a:lstStyle/>
+                    <a:p>
+                      <a:pPr marL="0" marR="0" lvl="0" indent="0" algn="l" defTabSz="914400" rtl="0" eaLnBrk="1" fontAlgn="auto" latinLnBrk="0" hangingPunct="1">
+                        <a:lnSpc>
+                          <a:spcPct val="100000"/>
+                        </a:lnSpc>
+                        <a:spcBef>
+                          <a:spcPts val="0"/>
+                        </a:spcBef>
+                        <a:spcAft>
+                          <a:spcPts val="0"/>
+                        </a:spcAft>
+                        <a:buClrTx/>
+                        <a:buSzTx/>
+                        <a:buFontTx/>
+                        <a:buNone/>
+                        <a:tabLst/>
+                        <a:defRPr/>
+                      </a:pPr>
+                      <a:r>
+                        <a:rPr lang="en-SG" sz="1800" b="0" kern="1200" dirty="0">
+                          <a:solidFill>
+                            <a:schemeClr val="dk1"/>
+                          </a:solidFill>
+                          <a:effectLst/>
+                          <a:latin typeface="+mn-lt"/>
+                          <a:ea typeface="+mn-ea"/>
+                          <a:cs typeface="+mn-cs"/>
+                        </a:rPr>
+                        <a:t>2.6850</a:t>
+                      </a:r>
+                    </a:p>
+                  </a:txBody>
+                  <a:tcPr/>
+                </a:tc>
+                <a:extLst>
+                  <a:ext uri="{0D108BD9-81ED-4DB2-BD59-A6C34878D82A}">
+                    <a16:rowId xmlns:a16="http://schemas.microsoft.com/office/drawing/2014/main" val="220390494"/>
+                  </a:ext>
+                </a:extLst>
+              </a:tr>
+              <a:tr h="370840">
+                <a:tc>
+                  <a:txBody>
+                    <a:bodyPr/>
+                    <a:lstStyle/>
+                    <a:p>
+                      <a:r>
+                        <a:rPr lang="en-US" dirty="0"/>
+                        <a:t>FIT</a:t>
+                      </a:r>
+                      <a:endParaRPr lang="en-SG" dirty="0"/>
+                    </a:p>
+                  </a:txBody>
+                  <a:tcPr/>
+                </a:tc>
+                <a:tc>
+                  <a:txBody>
+                    <a:bodyPr/>
+                    <a:lstStyle/>
+                    <a:p>
+                      <a:pPr marL="0" marR="0" lvl="0" indent="0" algn="l" defTabSz="914400" rtl="0" eaLnBrk="1" fontAlgn="auto" latinLnBrk="0" hangingPunct="1">
+                        <a:lnSpc>
+                          <a:spcPct val="100000"/>
+                        </a:lnSpc>
+                        <a:spcBef>
+                          <a:spcPts val="0"/>
+                        </a:spcBef>
+                        <a:spcAft>
+                          <a:spcPts val="0"/>
+                        </a:spcAft>
+                        <a:buClrTx/>
+                        <a:buSzTx/>
+                        <a:buFontTx/>
+                        <a:buNone/>
+                        <a:tabLst/>
+                        <a:defRPr/>
+                      </a:pPr>
+                      <a:r>
+                        <a:rPr lang="en-SG" sz="1800" b="0" kern="1200" dirty="0">
+                          <a:solidFill>
+                            <a:schemeClr val="dk1"/>
+                          </a:solidFill>
+                          <a:effectLst/>
+                          <a:latin typeface="+mn-lt"/>
+                          <a:ea typeface="+mn-ea"/>
+                          <a:cs typeface="+mn-cs"/>
+                        </a:rPr>
+                        <a:t>6</a:t>
+                      </a:r>
+                    </a:p>
+                  </a:txBody>
+                  <a:tcPr/>
+                </a:tc>
+                <a:tc>
+                  <a:txBody>
+                    <a:bodyPr/>
+                    <a:lstStyle/>
+                    <a:p>
+                      <a:pPr marL="0" marR="0" lvl="0" indent="0" algn="l" defTabSz="914400" rtl="0" eaLnBrk="1" fontAlgn="auto" latinLnBrk="0" hangingPunct="1">
+                        <a:lnSpc>
+                          <a:spcPct val="100000"/>
+                        </a:lnSpc>
+                        <a:spcBef>
+                          <a:spcPts val="0"/>
+                        </a:spcBef>
+                        <a:spcAft>
+                          <a:spcPts val="0"/>
+                        </a:spcAft>
+                        <a:buClrTx/>
+                        <a:buSzTx/>
+                        <a:buFontTx/>
+                        <a:buNone/>
+                        <a:tabLst/>
+                        <a:defRPr/>
+                      </a:pPr>
+                      <a:r>
+                        <a:rPr lang="en-SG" sz="1800" b="0" kern="1200" dirty="0">
+                          <a:solidFill>
+                            <a:schemeClr val="tx1"/>
+                          </a:solidFill>
+                          <a:effectLst/>
+                          <a:latin typeface="+mn-lt"/>
+                          <a:ea typeface="+mn-ea"/>
+                          <a:cs typeface="+mn-cs"/>
+                        </a:rPr>
+                        <a:t>1</a:t>
+                      </a:r>
+                    </a:p>
+                  </a:txBody>
+                  <a:tcPr/>
+                </a:tc>
+                <a:tc>
+                  <a:txBody>
+                    <a:bodyPr/>
+                    <a:lstStyle/>
+                    <a:p>
+                      <a:pPr marL="0" marR="0" lvl="0" indent="0" algn="l" defTabSz="914400" rtl="0" eaLnBrk="1" fontAlgn="auto" latinLnBrk="0" hangingPunct="1">
+                        <a:lnSpc>
+                          <a:spcPct val="100000"/>
+                        </a:lnSpc>
+                        <a:spcBef>
+                          <a:spcPts val="0"/>
+                        </a:spcBef>
+                        <a:spcAft>
+                          <a:spcPts val="0"/>
+                        </a:spcAft>
+                        <a:buClrTx/>
+                        <a:buSzTx/>
+                        <a:buFontTx/>
+                        <a:buNone/>
+                        <a:tabLst/>
+                        <a:defRPr/>
+                      </a:pPr>
+                      <a:r>
+                        <a:rPr lang="en-SG" sz="1800" b="0" kern="1200" dirty="0">
+                          <a:solidFill>
+                            <a:schemeClr val="dk1"/>
+                          </a:solidFill>
+                          <a:effectLst/>
+                          <a:latin typeface="+mn-lt"/>
+                          <a:ea typeface="+mn-ea"/>
+                          <a:cs typeface="+mn-cs"/>
+                        </a:rPr>
+                        <a:t>3.6333</a:t>
+                      </a:r>
+                    </a:p>
+                  </a:txBody>
+                  <a:tcPr/>
+                </a:tc>
+                <a:tc>
+                  <a:txBody>
+                    <a:bodyPr/>
+                    <a:lstStyle/>
+                    <a:p>
+                      <a:pPr marL="0" marR="0" lvl="0" indent="0" algn="l" defTabSz="914400" rtl="0" eaLnBrk="1" fontAlgn="auto" latinLnBrk="0" hangingPunct="1">
+                        <a:lnSpc>
+                          <a:spcPct val="100000"/>
+                        </a:lnSpc>
+                        <a:spcBef>
+                          <a:spcPts val="0"/>
+                        </a:spcBef>
+                        <a:spcAft>
+                          <a:spcPts val="0"/>
+                        </a:spcAft>
+                        <a:buClrTx/>
+                        <a:buSzTx/>
+                        <a:buFontTx/>
+                        <a:buNone/>
+                        <a:tabLst/>
+                        <a:defRPr/>
+                      </a:pPr>
+                      <a:r>
+                        <a:rPr lang="en-SG" sz="1800" b="0" kern="1200" dirty="0">
+                          <a:solidFill>
+                            <a:srgbClr val="FF0000"/>
+                          </a:solidFill>
+                          <a:effectLst/>
+                          <a:latin typeface="+mn-lt"/>
+                          <a:ea typeface="+mn-ea"/>
+                          <a:cs typeface="+mn-cs"/>
+                        </a:rPr>
+                        <a:t>1.6195</a:t>
+                      </a:r>
+                    </a:p>
+                  </a:txBody>
+                  <a:tcPr/>
+                </a:tc>
+                <a:extLst>
+                  <a:ext uri="{0D108BD9-81ED-4DB2-BD59-A6C34878D82A}">
+                    <a16:rowId xmlns:a16="http://schemas.microsoft.com/office/drawing/2014/main" val="3614287947"/>
+                  </a:ext>
+                </a:extLst>
+              </a:tr>
+              <a:tr h="370840">
+                <a:tc>
+                  <a:txBody>
+                    <a:bodyPr/>
+                    <a:lstStyle/>
+                    <a:p>
+                      <a:r>
+                        <a:rPr lang="en-US" dirty="0"/>
+                        <a:t>MLP</a:t>
+                      </a:r>
+                      <a:endParaRPr lang="en-SG" dirty="0"/>
+                    </a:p>
+                  </a:txBody>
+                  <a:tcPr/>
+                </a:tc>
+                <a:tc>
+                  <a:txBody>
+                    <a:bodyPr/>
+                    <a:lstStyle/>
+                    <a:p>
+                      <a:pPr marL="0" marR="0" lvl="0" indent="0" algn="l" defTabSz="914400" rtl="0" eaLnBrk="1" fontAlgn="auto" latinLnBrk="0" hangingPunct="1">
+                        <a:lnSpc>
+                          <a:spcPct val="100000"/>
+                        </a:lnSpc>
+                        <a:spcBef>
+                          <a:spcPts val="0"/>
+                        </a:spcBef>
+                        <a:spcAft>
+                          <a:spcPts val="0"/>
+                        </a:spcAft>
+                        <a:buClrTx/>
+                        <a:buSzTx/>
+                        <a:buFontTx/>
+                        <a:buNone/>
+                        <a:tabLst/>
+                        <a:defRPr/>
+                      </a:pPr>
+                      <a:r>
+                        <a:rPr lang="en-SG" sz="1800" b="0" kern="1200" dirty="0">
+                          <a:solidFill>
+                            <a:srgbClr val="FF0000"/>
+                          </a:solidFill>
+                          <a:effectLst/>
+                          <a:latin typeface="+mn-lt"/>
+                          <a:ea typeface="+mn-ea"/>
+                          <a:cs typeface="+mn-cs"/>
+                        </a:rPr>
+                        <a:t>7</a:t>
+                      </a:r>
+                    </a:p>
+                  </a:txBody>
+                  <a:tcPr/>
+                </a:tc>
+                <a:tc>
+                  <a:txBody>
+                    <a:bodyPr/>
+                    <a:lstStyle/>
+                    <a:p>
+                      <a:pPr marL="0" marR="0" lvl="0" indent="0" algn="l" defTabSz="914400" rtl="0" eaLnBrk="1" fontAlgn="auto" latinLnBrk="0" hangingPunct="1">
+                        <a:lnSpc>
+                          <a:spcPct val="100000"/>
+                        </a:lnSpc>
+                        <a:spcBef>
+                          <a:spcPts val="0"/>
+                        </a:spcBef>
+                        <a:spcAft>
+                          <a:spcPts val="0"/>
+                        </a:spcAft>
+                        <a:buClrTx/>
+                        <a:buSzTx/>
+                        <a:buFontTx/>
+                        <a:buNone/>
+                        <a:tabLst/>
+                        <a:defRPr/>
+                      </a:pPr>
+                      <a:r>
+                        <a:rPr lang="en-SG" sz="1800" b="0" kern="1200" dirty="0">
+                          <a:solidFill>
+                            <a:srgbClr val="FF0000"/>
+                          </a:solidFill>
+                          <a:effectLst/>
+                          <a:latin typeface="+mn-lt"/>
+                          <a:ea typeface="+mn-ea"/>
+                          <a:cs typeface="+mn-cs"/>
+                        </a:rPr>
+                        <a:t>2</a:t>
+                      </a:r>
+                    </a:p>
+                  </a:txBody>
+                  <a:tcPr/>
+                </a:tc>
+                <a:tc>
+                  <a:txBody>
+                    <a:bodyPr/>
+                    <a:lstStyle/>
+                    <a:p>
+                      <a:pPr marL="0" marR="0" lvl="0" indent="0" algn="l" defTabSz="914400" rtl="0" eaLnBrk="1" fontAlgn="auto" latinLnBrk="0" hangingPunct="1">
+                        <a:lnSpc>
+                          <a:spcPct val="100000"/>
+                        </a:lnSpc>
+                        <a:spcBef>
+                          <a:spcPts val="0"/>
+                        </a:spcBef>
+                        <a:spcAft>
+                          <a:spcPts val="0"/>
+                        </a:spcAft>
+                        <a:buClrTx/>
+                        <a:buSzTx/>
+                        <a:buFontTx/>
+                        <a:buNone/>
+                        <a:tabLst/>
+                        <a:defRPr/>
+                      </a:pPr>
+                      <a:r>
+                        <a:rPr lang="en-SG" sz="1800" b="0" kern="1200" dirty="0">
+                          <a:solidFill>
+                            <a:srgbClr val="FF0000"/>
+                          </a:solidFill>
+                          <a:effectLst/>
+                          <a:latin typeface="+mn-lt"/>
+                          <a:ea typeface="+mn-ea"/>
+                          <a:cs typeface="+mn-cs"/>
+                        </a:rPr>
+                        <a:t>4.2333</a:t>
+                      </a:r>
+                    </a:p>
+                  </a:txBody>
+                  <a:tcPr/>
+                </a:tc>
+                <a:tc>
+                  <a:txBody>
+                    <a:bodyPr/>
+                    <a:lstStyle/>
+                    <a:p>
+                      <a:pPr marL="0" marR="0" lvl="0" indent="0" algn="l" defTabSz="914400" rtl="0" eaLnBrk="1" fontAlgn="auto" latinLnBrk="0" hangingPunct="1">
+                        <a:lnSpc>
+                          <a:spcPct val="100000"/>
+                        </a:lnSpc>
+                        <a:spcBef>
+                          <a:spcPts val="0"/>
+                        </a:spcBef>
+                        <a:spcAft>
+                          <a:spcPts val="0"/>
+                        </a:spcAft>
+                        <a:buClrTx/>
+                        <a:buSzTx/>
+                        <a:buFontTx/>
+                        <a:buNone/>
+                        <a:tabLst/>
+                        <a:defRPr/>
+                      </a:pPr>
+                      <a:r>
+                        <a:rPr lang="en-SG" sz="1800" b="0" kern="1200" dirty="0">
+                          <a:solidFill>
+                            <a:schemeClr val="tx1"/>
+                          </a:solidFill>
+                          <a:effectLst/>
+                          <a:latin typeface="+mn-lt"/>
+                          <a:ea typeface="+mn-ea"/>
+                          <a:cs typeface="+mn-cs"/>
+                        </a:rPr>
+                        <a:t>1.6333</a:t>
+                      </a:r>
+                    </a:p>
+                  </a:txBody>
+                  <a:tcPr/>
+                </a:tc>
+                <a:extLst>
+                  <a:ext uri="{0D108BD9-81ED-4DB2-BD59-A6C34878D82A}">
+                    <a16:rowId xmlns:a16="http://schemas.microsoft.com/office/drawing/2014/main" val="2374461433"/>
+                  </a:ext>
+                </a:extLst>
+              </a:tr>
+            </a:tbl>
+          </a:graphicData>
+        </a:graphic>
+      </p:graphicFrame>
+      <p:graphicFrame>
+        <p:nvGraphicFramePr>
+          <p:cNvPr id="7" name="Table 6">
+            <a:extLst>
+              <a:ext uri="{FF2B5EF4-FFF2-40B4-BE49-F238E27FC236}">
+                <a16:creationId xmlns:a16="http://schemas.microsoft.com/office/drawing/2014/main" id="{9D2C2394-895A-4F80-A478-766D412613D3}"/>
+              </a:ext>
+            </a:extLst>
+          </p:cNvPr>
+          <p:cNvGraphicFramePr>
+            <a:graphicFrameLocks noGrp="1"/>
+          </p:cNvGraphicFramePr>
+          <p:nvPr>
+            <p:extLst>
+              <p:ext uri="{D42A27DB-BD31-4B8C-83A1-F6EECF244321}">
+                <p14:modId xmlns:p14="http://schemas.microsoft.com/office/powerpoint/2010/main" val="1270074906"/>
+              </p:ext>
+            </p:extLst>
+          </p:nvPr>
+        </p:nvGraphicFramePr>
+        <p:xfrm>
+          <a:off x="2032000" y="3622131"/>
+          <a:ext cx="8128000" cy="1483360"/>
+        </p:xfrm>
+        <a:graphic>
+          <a:graphicData uri="http://schemas.openxmlformats.org/drawingml/2006/table">
+            <a:tbl>
+              <a:tblPr firstRow="1" bandRow="1">
+                <a:tableStyleId>{5C22544A-7EE6-4342-B048-85BDC9FD1C3A}</a:tableStyleId>
+              </a:tblPr>
+              <a:tblGrid>
+                <a:gridCol w="1625600">
+                  <a:extLst>
+                    <a:ext uri="{9D8B030D-6E8A-4147-A177-3AD203B41FA5}">
+                      <a16:colId xmlns:a16="http://schemas.microsoft.com/office/drawing/2014/main" val="2341769299"/>
+                    </a:ext>
+                  </a:extLst>
+                </a:gridCol>
+                <a:gridCol w="1625600">
+                  <a:extLst>
+                    <a:ext uri="{9D8B030D-6E8A-4147-A177-3AD203B41FA5}">
+                      <a16:colId xmlns:a16="http://schemas.microsoft.com/office/drawing/2014/main" val="855739485"/>
+                    </a:ext>
+                  </a:extLst>
+                </a:gridCol>
+                <a:gridCol w="1625600">
+                  <a:extLst>
+                    <a:ext uri="{9D8B030D-6E8A-4147-A177-3AD203B41FA5}">
+                      <a16:colId xmlns:a16="http://schemas.microsoft.com/office/drawing/2014/main" val="2723143775"/>
+                    </a:ext>
+                  </a:extLst>
+                </a:gridCol>
+                <a:gridCol w="1625600">
+                  <a:extLst>
+                    <a:ext uri="{9D8B030D-6E8A-4147-A177-3AD203B41FA5}">
+                      <a16:colId xmlns:a16="http://schemas.microsoft.com/office/drawing/2014/main" val="369771862"/>
+                    </a:ext>
+                  </a:extLst>
+                </a:gridCol>
+                <a:gridCol w="1625600">
+                  <a:extLst>
+                    <a:ext uri="{9D8B030D-6E8A-4147-A177-3AD203B41FA5}">
+                      <a16:colId xmlns:a16="http://schemas.microsoft.com/office/drawing/2014/main" val="1615960179"/>
+                    </a:ext>
+                  </a:extLst>
+                </a:gridCol>
+              </a:tblGrid>
+              <a:tr h="370840">
+                <a:tc>
+                  <a:txBody>
+                    <a:bodyPr/>
+                    <a:lstStyle/>
+                    <a:p>
+                      <a:r>
+                        <a:rPr lang="en-US" dirty="0"/>
+                        <a:t>FP</a:t>
+                      </a:r>
+                      <a:endParaRPr lang="en-SG" dirty="0"/>
+                    </a:p>
+                  </a:txBody>
+                  <a:tcPr/>
+                </a:tc>
+                <a:tc>
+                  <a:txBody>
+                    <a:bodyPr/>
+                    <a:lstStyle/>
+                    <a:p>
+                      <a:r>
+                        <a:rPr lang="en-US" dirty="0"/>
+                        <a:t>Max</a:t>
+                      </a:r>
+                      <a:endParaRPr lang="en-SG" dirty="0"/>
+                    </a:p>
+                  </a:txBody>
+                  <a:tcPr/>
+                </a:tc>
+                <a:tc>
+                  <a:txBody>
+                    <a:bodyPr/>
+                    <a:lstStyle/>
+                    <a:p>
+                      <a:r>
+                        <a:rPr lang="en-US" dirty="0"/>
+                        <a:t>Min</a:t>
+                      </a:r>
+                      <a:endParaRPr lang="en-SG" dirty="0"/>
+                    </a:p>
+                  </a:txBody>
+                  <a:tcPr/>
+                </a:tc>
+                <a:tc>
+                  <a:txBody>
+                    <a:bodyPr/>
+                    <a:lstStyle/>
+                    <a:p>
+                      <a:r>
+                        <a:rPr lang="en-US" dirty="0"/>
+                        <a:t>Mean</a:t>
+                      </a:r>
+                      <a:endParaRPr lang="en-SG" dirty="0"/>
+                    </a:p>
+                  </a:txBody>
+                  <a:tcPr/>
+                </a:tc>
+                <a:tc>
+                  <a:txBody>
+                    <a:bodyPr/>
+                    <a:lstStyle/>
+                    <a:p>
+                      <a:r>
+                        <a:rPr lang="en-US" dirty="0"/>
+                        <a:t>Var</a:t>
+                      </a:r>
+                      <a:endParaRPr lang="en-SG" dirty="0"/>
+                    </a:p>
+                  </a:txBody>
+                  <a:tcPr/>
+                </a:tc>
+                <a:extLst>
+                  <a:ext uri="{0D108BD9-81ED-4DB2-BD59-A6C34878D82A}">
+                    <a16:rowId xmlns:a16="http://schemas.microsoft.com/office/drawing/2014/main" val="301508271"/>
+                  </a:ext>
+                </a:extLst>
+              </a:tr>
+              <a:tr h="370840">
+                <a:tc>
+                  <a:txBody>
+                    <a:bodyPr/>
+                    <a:lstStyle/>
+                    <a:p>
+                      <a:r>
+                        <a:rPr lang="en-US" dirty="0"/>
+                        <a:t>STD</a:t>
+                      </a:r>
+                      <a:endParaRPr lang="en-SG" dirty="0"/>
+                    </a:p>
+                  </a:txBody>
+                  <a:tcPr/>
+                </a:tc>
+                <a:tc>
+                  <a:txBody>
+                    <a:bodyPr/>
+                    <a:lstStyle/>
+                    <a:p>
+                      <a:r>
+                        <a:rPr lang="en-SG" sz="1800" b="0" kern="1200" dirty="0">
+                          <a:solidFill>
+                            <a:schemeClr val="dk1"/>
+                          </a:solidFill>
+                          <a:effectLst/>
+                          <a:latin typeface="+mn-lt"/>
+                          <a:ea typeface="+mn-ea"/>
+                          <a:cs typeface="+mn-cs"/>
+                        </a:rPr>
+                        <a:t>18</a:t>
+                      </a:r>
+                    </a:p>
+                  </a:txBody>
+                  <a:tcPr/>
+                </a:tc>
+                <a:tc>
+                  <a:txBody>
+                    <a:bodyPr/>
+                    <a:lstStyle/>
+                    <a:p>
+                      <a:pPr marL="0" marR="0" lvl="0" indent="0" algn="l" defTabSz="914400" rtl="0" eaLnBrk="1" fontAlgn="auto" latinLnBrk="0" hangingPunct="1">
+                        <a:lnSpc>
+                          <a:spcPct val="100000"/>
+                        </a:lnSpc>
+                        <a:spcBef>
+                          <a:spcPts val="0"/>
+                        </a:spcBef>
+                        <a:spcAft>
+                          <a:spcPts val="0"/>
+                        </a:spcAft>
+                        <a:buClrTx/>
+                        <a:buSzTx/>
+                        <a:buFontTx/>
+                        <a:buNone/>
+                        <a:tabLst/>
+                        <a:defRPr/>
+                      </a:pPr>
+                      <a:r>
+                        <a:rPr lang="en-SG" sz="1800" b="0" kern="1200" dirty="0">
+                          <a:solidFill>
+                            <a:srgbClr val="FF0000"/>
+                          </a:solidFill>
+                          <a:effectLst/>
+                          <a:latin typeface="+mn-lt"/>
+                          <a:ea typeface="+mn-ea"/>
+                          <a:cs typeface="+mn-cs"/>
+                        </a:rPr>
+                        <a:t>4</a:t>
+                      </a:r>
+                    </a:p>
+                  </a:txBody>
+                  <a:tcPr/>
+                </a:tc>
+                <a:tc>
+                  <a:txBody>
+                    <a:bodyPr/>
+                    <a:lstStyle/>
+                    <a:p>
+                      <a:pPr marL="0" marR="0" lvl="0" indent="0" algn="l" defTabSz="914400" rtl="0" eaLnBrk="1" fontAlgn="auto" latinLnBrk="0" hangingPunct="1">
+                        <a:lnSpc>
+                          <a:spcPct val="100000"/>
+                        </a:lnSpc>
+                        <a:spcBef>
+                          <a:spcPts val="0"/>
+                        </a:spcBef>
+                        <a:spcAft>
+                          <a:spcPts val="0"/>
+                        </a:spcAft>
+                        <a:buClrTx/>
+                        <a:buSzTx/>
+                        <a:buFontTx/>
+                        <a:buNone/>
+                        <a:tabLst/>
+                        <a:defRPr/>
+                      </a:pPr>
+                      <a:r>
+                        <a:rPr lang="en-SG" sz="1800" b="0" kern="1200" dirty="0">
+                          <a:solidFill>
+                            <a:srgbClr val="FF0000"/>
+                          </a:solidFill>
+                          <a:effectLst/>
+                          <a:latin typeface="+mn-lt"/>
+                          <a:ea typeface="+mn-ea"/>
+                          <a:cs typeface="+mn-cs"/>
+                        </a:rPr>
+                        <a:t>11.6333</a:t>
+                      </a:r>
+                    </a:p>
+                  </a:txBody>
+                  <a:tcPr/>
+                </a:tc>
+                <a:tc>
+                  <a:txBody>
+                    <a:bodyPr/>
+                    <a:lstStyle/>
+                    <a:p>
+                      <a:pPr marL="0" marR="0" lvl="0" indent="0" algn="l" defTabSz="914400" rtl="0" eaLnBrk="1" fontAlgn="auto" latinLnBrk="0" hangingPunct="1">
+                        <a:lnSpc>
+                          <a:spcPct val="100000"/>
+                        </a:lnSpc>
+                        <a:spcBef>
+                          <a:spcPts val="0"/>
+                        </a:spcBef>
+                        <a:spcAft>
+                          <a:spcPts val="0"/>
+                        </a:spcAft>
+                        <a:buClrTx/>
+                        <a:buSzTx/>
+                        <a:buFontTx/>
+                        <a:buNone/>
+                        <a:tabLst/>
+                        <a:defRPr/>
+                      </a:pPr>
+                      <a:r>
+                        <a:rPr lang="en-SG" sz="1800" b="0" kern="1200" dirty="0">
+                          <a:solidFill>
+                            <a:schemeClr val="dk1"/>
+                          </a:solidFill>
+                          <a:effectLst/>
+                          <a:latin typeface="+mn-lt"/>
+                          <a:ea typeface="+mn-ea"/>
+                          <a:cs typeface="+mn-cs"/>
+                        </a:rPr>
+                        <a:t>16.1022</a:t>
+                      </a:r>
+                    </a:p>
+                  </a:txBody>
+                  <a:tcPr/>
+                </a:tc>
+                <a:extLst>
+                  <a:ext uri="{0D108BD9-81ED-4DB2-BD59-A6C34878D82A}">
+                    <a16:rowId xmlns:a16="http://schemas.microsoft.com/office/drawing/2014/main" val="220390494"/>
+                  </a:ext>
+                </a:extLst>
+              </a:tr>
+              <a:tr h="370840">
+                <a:tc>
+                  <a:txBody>
+                    <a:bodyPr/>
+                    <a:lstStyle/>
+                    <a:p>
+                      <a:r>
+                        <a:rPr lang="en-US" dirty="0"/>
+                        <a:t>FIT</a:t>
+                      </a:r>
+                      <a:endParaRPr lang="en-SG" dirty="0"/>
+                    </a:p>
+                  </a:txBody>
+                  <a:tcPr/>
+                </a:tc>
+                <a:tc>
+                  <a:txBody>
+                    <a:bodyPr/>
+                    <a:lstStyle/>
+                    <a:p>
+                      <a:pPr marL="0" marR="0" lvl="0" indent="0" algn="l" defTabSz="914400" rtl="0" eaLnBrk="1" fontAlgn="auto" latinLnBrk="0" hangingPunct="1">
+                        <a:lnSpc>
+                          <a:spcPct val="100000"/>
+                        </a:lnSpc>
+                        <a:spcBef>
+                          <a:spcPts val="0"/>
+                        </a:spcBef>
+                        <a:spcAft>
+                          <a:spcPts val="0"/>
+                        </a:spcAft>
+                        <a:buClrTx/>
+                        <a:buSzTx/>
+                        <a:buFontTx/>
+                        <a:buNone/>
+                        <a:tabLst/>
+                        <a:defRPr/>
+                      </a:pPr>
+                      <a:r>
+                        <a:rPr lang="en-SG" sz="1800" b="0" kern="1200" dirty="0">
+                          <a:solidFill>
+                            <a:srgbClr val="FF0000"/>
+                          </a:solidFill>
+                          <a:effectLst/>
+                          <a:latin typeface="+mn-lt"/>
+                          <a:ea typeface="+mn-ea"/>
+                          <a:cs typeface="+mn-cs"/>
+                        </a:rPr>
+                        <a:t>17</a:t>
+                      </a:r>
+                    </a:p>
+                  </a:txBody>
+                  <a:tcPr/>
+                </a:tc>
+                <a:tc>
+                  <a:txBody>
+                    <a:bodyPr/>
+                    <a:lstStyle/>
+                    <a:p>
+                      <a:pPr marL="0" marR="0" lvl="0" indent="0" algn="l" defTabSz="914400" rtl="0" eaLnBrk="1" fontAlgn="auto" latinLnBrk="0" hangingPunct="1">
+                        <a:lnSpc>
+                          <a:spcPct val="100000"/>
+                        </a:lnSpc>
+                        <a:spcBef>
+                          <a:spcPts val="0"/>
+                        </a:spcBef>
+                        <a:spcAft>
+                          <a:spcPts val="0"/>
+                        </a:spcAft>
+                        <a:buClrTx/>
+                        <a:buSzTx/>
+                        <a:buFontTx/>
+                        <a:buNone/>
+                        <a:tabLst/>
+                        <a:defRPr/>
+                      </a:pPr>
+                      <a:r>
+                        <a:rPr lang="en-SG" sz="1800" b="0" kern="1200" dirty="0">
+                          <a:solidFill>
+                            <a:schemeClr val="tx1"/>
+                          </a:solidFill>
+                          <a:effectLst/>
+                          <a:latin typeface="+mn-lt"/>
+                          <a:ea typeface="+mn-ea"/>
+                          <a:cs typeface="+mn-cs"/>
+                        </a:rPr>
+                        <a:t>8</a:t>
+                      </a:r>
+                    </a:p>
+                  </a:txBody>
+                  <a:tcPr/>
+                </a:tc>
+                <a:tc>
+                  <a:txBody>
+                    <a:bodyPr/>
+                    <a:lstStyle/>
+                    <a:p>
+                      <a:pPr marL="0" marR="0" lvl="0" indent="0" algn="l" defTabSz="914400" rtl="0" eaLnBrk="1" fontAlgn="auto" latinLnBrk="0" hangingPunct="1">
+                        <a:lnSpc>
+                          <a:spcPct val="100000"/>
+                        </a:lnSpc>
+                        <a:spcBef>
+                          <a:spcPts val="0"/>
+                        </a:spcBef>
+                        <a:spcAft>
+                          <a:spcPts val="0"/>
+                        </a:spcAft>
+                        <a:buClrTx/>
+                        <a:buSzTx/>
+                        <a:buFontTx/>
+                        <a:buNone/>
+                        <a:tabLst/>
+                        <a:defRPr/>
+                      </a:pPr>
+                      <a:r>
+                        <a:rPr lang="en-SG" sz="1800" b="0" kern="1200" dirty="0">
+                          <a:solidFill>
+                            <a:schemeClr val="tx1"/>
+                          </a:solidFill>
+                          <a:effectLst/>
+                          <a:latin typeface="+mn-lt"/>
+                          <a:ea typeface="+mn-ea"/>
+                          <a:cs typeface="+mn-cs"/>
+                        </a:rPr>
+                        <a:t>12.5</a:t>
+                      </a:r>
+                    </a:p>
+                  </a:txBody>
+                  <a:tcPr/>
+                </a:tc>
+                <a:tc>
+                  <a:txBody>
+                    <a:bodyPr/>
+                    <a:lstStyle/>
+                    <a:p>
+                      <a:pPr marL="0" marR="0" lvl="0" indent="0" algn="l" defTabSz="914400" rtl="0" eaLnBrk="1" fontAlgn="auto" latinLnBrk="0" hangingPunct="1">
+                        <a:lnSpc>
+                          <a:spcPct val="100000"/>
+                        </a:lnSpc>
+                        <a:spcBef>
+                          <a:spcPts val="0"/>
+                        </a:spcBef>
+                        <a:spcAft>
+                          <a:spcPts val="0"/>
+                        </a:spcAft>
+                        <a:buClrTx/>
+                        <a:buSzTx/>
+                        <a:buFontTx/>
+                        <a:buNone/>
+                        <a:tabLst/>
+                        <a:defRPr/>
+                      </a:pPr>
+                      <a:r>
+                        <a:rPr lang="en-SG" sz="1800" b="0" kern="1200" dirty="0">
+                          <a:solidFill>
+                            <a:srgbClr val="FF0000"/>
+                          </a:solidFill>
+                          <a:effectLst/>
+                          <a:latin typeface="+mn-lt"/>
+                          <a:ea typeface="+mn-ea"/>
+                          <a:cs typeface="+mn-cs"/>
+                        </a:rPr>
+                        <a:t>7.5</a:t>
+                      </a:r>
+                    </a:p>
+                  </a:txBody>
+                  <a:tcPr/>
+                </a:tc>
+                <a:extLst>
+                  <a:ext uri="{0D108BD9-81ED-4DB2-BD59-A6C34878D82A}">
+                    <a16:rowId xmlns:a16="http://schemas.microsoft.com/office/drawing/2014/main" val="3614287947"/>
+                  </a:ext>
+                </a:extLst>
+              </a:tr>
+              <a:tr h="370840">
+                <a:tc>
+                  <a:txBody>
+                    <a:bodyPr/>
+                    <a:lstStyle/>
+                    <a:p>
+                      <a:r>
+                        <a:rPr lang="en-US" dirty="0"/>
+                        <a:t>MLP</a:t>
+                      </a:r>
+                      <a:endParaRPr lang="en-SG" dirty="0"/>
+                    </a:p>
+                  </a:txBody>
+                  <a:tcPr/>
+                </a:tc>
+                <a:tc>
+                  <a:txBody>
+                    <a:bodyPr/>
+                    <a:lstStyle/>
+                    <a:p>
+                      <a:pPr marL="0" marR="0" lvl="0" indent="0" algn="l" defTabSz="914400" rtl="0" eaLnBrk="1" fontAlgn="auto" latinLnBrk="0" hangingPunct="1">
+                        <a:lnSpc>
+                          <a:spcPct val="100000"/>
+                        </a:lnSpc>
+                        <a:spcBef>
+                          <a:spcPts val="0"/>
+                        </a:spcBef>
+                        <a:spcAft>
+                          <a:spcPts val="0"/>
+                        </a:spcAft>
+                        <a:buClrTx/>
+                        <a:buSzTx/>
+                        <a:buFontTx/>
+                        <a:buNone/>
+                        <a:tabLst/>
+                        <a:defRPr/>
+                      </a:pPr>
+                      <a:r>
+                        <a:rPr lang="en-SG" sz="1800" b="0" kern="1200" dirty="0">
+                          <a:solidFill>
+                            <a:schemeClr val="tx1"/>
+                          </a:solidFill>
+                          <a:effectLst/>
+                          <a:latin typeface="+mn-lt"/>
+                          <a:ea typeface="+mn-ea"/>
+                          <a:cs typeface="+mn-cs"/>
+                        </a:rPr>
+                        <a:t>21</a:t>
+                      </a:r>
+                    </a:p>
+                  </a:txBody>
+                  <a:tcPr/>
+                </a:tc>
+                <a:tc>
+                  <a:txBody>
+                    <a:bodyPr/>
+                    <a:lstStyle/>
+                    <a:p>
+                      <a:pPr marL="0" marR="0" lvl="0" indent="0" algn="l" defTabSz="914400" rtl="0" eaLnBrk="1" fontAlgn="auto" latinLnBrk="0" hangingPunct="1">
+                        <a:lnSpc>
+                          <a:spcPct val="100000"/>
+                        </a:lnSpc>
+                        <a:spcBef>
+                          <a:spcPts val="0"/>
+                        </a:spcBef>
+                        <a:spcAft>
+                          <a:spcPts val="0"/>
+                        </a:spcAft>
+                        <a:buClrTx/>
+                        <a:buSzTx/>
+                        <a:buFontTx/>
+                        <a:buNone/>
+                        <a:tabLst/>
+                        <a:defRPr/>
+                      </a:pPr>
+                      <a:r>
+                        <a:rPr lang="en-SG" sz="1800" b="0" kern="1200" dirty="0">
+                          <a:solidFill>
+                            <a:schemeClr val="tx1"/>
+                          </a:solidFill>
+                          <a:effectLst/>
+                          <a:latin typeface="+mn-lt"/>
+                          <a:ea typeface="+mn-ea"/>
+                          <a:cs typeface="+mn-cs"/>
+                        </a:rPr>
+                        <a:t>10</a:t>
+                      </a:r>
+                    </a:p>
+                  </a:txBody>
+                  <a:tcPr/>
+                </a:tc>
+                <a:tc>
+                  <a:txBody>
+                    <a:bodyPr/>
+                    <a:lstStyle/>
+                    <a:p>
+                      <a:pPr marL="0" marR="0" lvl="0" indent="0" algn="l" defTabSz="914400" rtl="0" eaLnBrk="1" fontAlgn="auto" latinLnBrk="0" hangingPunct="1">
+                        <a:lnSpc>
+                          <a:spcPct val="100000"/>
+                        </a:lnSpc>
+                        <a:spcBef>
+                          <a:spcPts val="0"/>
+                        </a:spcBef>
+                        <a:spcAft>
+                          <a:spcPts val="0"/>
+                        </a:spcAft>
+                        <a:buClrTx/>
+                        <a:buSzTx/>
+                        <a:buFontTx/>
+                        <a:buNone/>
+                        <a:tabLst/>
+                        <a:defRPr/>
+                      </a:pPr>
+                      <a:r>
+                        <a:rPr lang="en-SG" sz="1800" b="0" kern="1200" dirty="0">
+                          <a:solidFill>
+                            <a:schemeClr val="tx1"/>
+                          </a:solidFill>
+                          <a:effectLst/>
+                          <a:latin typeface="+mn-lt"/>
+                          <a:ea typeface="+mn-ea"/>
+                          <a:cs typeface="+mn-cs"/>
+                        </a:rPr>
+                        <a:t>14.8</a:t>
+                      </a:r>
+                    </a:p>
+                  </a:txBody>
+                  <a:tcPr/>
+                </a:tc>
+                <a:tc>
+                  <a:txBody>
+                    <a:bodyPr/>
+                    <a:lstStyle/>
+                    <a:p>
+                      <a:pPr marL="0" marR="0" lvl="0" indent="0" algn="l" defTabSz="914400" rtl="0" eaLnBrk="1" fontAlgn="auto" latinLnBrk="0" hangingPunct="1">
+                        <a:lnSpc>
+                          <a:spcPct val="100000"/>
+                        </a:lnSpc>
+                        <a:spcBef>
+                          <a:spcPts val="0"/>
+                        </a:spcBef>
+                        <a:spcAft>
+                          <a:spcPts val="0"/>
+                        </a:spcAft>
+                        <a:buClrTx/>
+                        <a:buSzTx/>
+                        <a:buFontTx/>
+                        <a:buNone/>
+                        <a:tabLst/>
+                        <a:defRPr/>
+                      </a:pPr>
+                      <a:r>
+                        <a:rPr lang="en-SG" sz="1800" b="0" kern="1200" dirty="0">
+                          <a:solidFill>
+                            <a:schemeClr val="dk1"/>
+                          </a:solidFill>
+                          <a:effectLst/>
+                          <a:latin typeface="+mn-lt"/>
+                          <a:ea typeface="+mn-ea"/>
+                          <a:cs typeface="+mn-cs"/>
+                        </a:rPr>
+                        <a:t>7.5448</a:t>
+                      </a:r>
+                    </a:p>
+                  </a:txBody>
+                  <a:tcPr/>
+                </a:tc>
+                <a:extLst>
+                  <a:ext uri="{0D108BD9-81ED-4DB2-BD59-A6C34878D82A}">
+                    <a16:rowId xmlns:a16="http://schemas.microsoft.com/office/drawing/2014/main" val="2374461433"/>
+                  </a:ext>
+                </a:extLst>
+              </a:tr>
+            </a:tbl>
+          </a:graphicData>
+        </a:graphic>
+      </p:graphicFrame>
+    </p:spTree>
+    <p:extLst>
+      <p:ext uri="{BB962C8B-B14F-4D97-AF65-F5344CB8AC3E}">
+        <p14:creationId xmlns:p14="http://schemas.microsoft.com/office/powerpoint/2010/main" val="487916208"/>
+      </p:ext>
+    </p:extLst>
+  </p:cSld>
+  <p:clrMapOvr>
+    <a:masterClrMapping/>
+  </p:clrMapOvr>
+</p:sld>
+</file>
+
+<file path=ppt/slides/slide2.xml><?xml version="1.0" encoding="utf-8"?>
+<p:sld xmlns:a="http://schemas.openxmlformats.org/drawingml/2006/main" xmlns:r="http://schemas.openxmlformats.org/officeDocument/2006/relationships" xmlns:p="http://schemas.openxmlformats.org/presentationml/2006/main">
+  <p:cSld>
+    <p:spTree>
+      <p:nvGrpSpPr>
+        <p:cNvPr id="1" name=""/>
+        <p:cNvGrpSpPr/>
+        <p:nvPr/>
+      </p:nvGrpSpPr>
+      <p:grpSpPr>
+        <a:xfrm>
+          <a:off x="0" y="0"/>
+          <a:ext cx="0" cy="0"/>
+          <a:chOff x="0" y="0"/>
+          <a:chExt cx="0" cy="0"/>
+        </a:xfrm>
+      </p:grpSpPr>
+      <p:graphicFrame>
+        <p:nvGraphicFramePr>
+          <p:cNvPr id="6" name="Table 6">
+            <a:extLst>
+              <a:ext uri="{FF2B5EF4-FFF2-40B4-BE49-F238E27FC236}">
+                <a16:creationId xmlns:a16="http://schemas.microsoft.com/office/drawing/2014/main" id="{1A115674-5750-4A91-B02B-0B5FD3BA9774}"/>
+              </a:ext>
+            </a:extLst>
+          </p:cNvPr>
+          <p:cNvGraphicFramePr>
+            <a:graphicFrameLocks noGrp="1"/>
+          </p:cNvGraphicFramePr>
+          <p:nvPr>
+            <p:extLst>
+              <p:ext uri="{D42A27DB-BD31-4B8C-83A1-F6EECF244321}">
+                <p14:modId xmlns:p14="http://schemas.microsoft.com/office/powerpoint/2010/main" val="4055768090"/>
+              </p:ext>
+            </p:extLst>
+          </p:nvPr>
+        </p:nvGraphicFramePr>
+        <p:xfrm>
+          <a:off x="2032000" y="1692217"/>
+          <a:ext cx="8128000" cy="1483360"/>
+        </p:xfrm>
+        <a:graphic>
+          <a:graphicData uri="http://schemas.openxmlformats.org/drawingml/2006/table">
+            <a:tbl>
+              <a:tblPr firstRow="1" bandRow="1">
+                <a:tableStyleId>{5C22544A-7EE6-4342-B048-85BDC9FD1C3A}</a:tableStyleId>
+              </a:tblPr>
+              <a:tblGrid>
+                <a:gridCol w="1625600">
+                  <a:extLst>
+                    <a:ext uri="{9D8B030D-6E8A-4147-A177-3AD203B41FA5}">
+                      <a16:colId xmlns:a16="http://schemas.microsoft.com/office/drawing/2014/main" val="2341769299"/>
+                    </a:ext>
+                  </a:extLst>
+                </a:gridCol>
+                <a:gridCol w="1625600">
+                  <a:extLst>
+                    <a:ext uri="{9D8B030D-6E8A-4147-A177-3AD203B41FA5}">
+                      <a16:colId xmlns:a16="http://schemas.microsoft.com/office/drawing/2014/main" val="855739485"/>
+                    </a:ext>
+                  </a:extLst>
+                </a:gridCol>
+                <a:gridCol w="1625600">
+                  <a:extLst>
+                    <a:ext uri="{9D8B030D-6E8A-4147-A177-3AD203B41FA5}">
+                      <a16:colId xmlns:a16="http://schemas.microsoft.com/office/drawing/2014/main" val="2723143775"/>
+                    </a:ext>
+                  </a:extLst>
+                </a:gridCol>
+                <a:gridCol w="1625600">
+                  <a:extLst>
+                    <a:ext uri="{9D8B030D-6E8A-4147-A177-3AD203B41FA5}">
+                      <a16:colId xmlns:a16="http://schemas.microsoft.com/office/drawing/2014/main" val="369771862"/>
+                    </a:ext>
+                  </a:extLst>
+                </a:gridCol>
+                <a:gridCol w="1625600">
+                  <a:extLst>
+                    <a:ext uri="{9D8B030D-6E8A-4147-A177-3AD203B41FA5}">
+                      <a16:colId xmlns:a16="http://schemas.microsoft.com/office/drawing/2014/main" val="1615960179"/>
+                    </a:ext>
+                  </a:extLst>
+                </a:gridCol>
+              </a:tblGrid>
+              <a:tr h="370840">
+                <a:tc>
+                  <a:txBody>
+                    <a:bodyPr/>
+                    <a:lstStyle/>
+                    <a:p>
+                      <a:r>
+                        <a:rPr lang="en-US" dirty="0"/>
+                        <a:t>Precision</a:t>
+                      </a:r>
+                      <a:endParaRPr lang="en-SG" dirty="0"/>
+                    </a:p>
+                  </a:txBody>
+                  <a:tcPr/>
+                </a:tc>
+                <a:tc>
+                  <a:txBody>
+                    <a:bodyPr/>
+                    <a:lstStyle/>
+                    <a:p>
+                      <a:r>
+                        <a:rPr lang="en-US" dirty="0"/>
+                        <a:t>Max</a:t>
+                      </a:r>
+                      <a:endParaRPr lang="en-SG" dirty="0"/>
+                    </a:p>
+                  </a:txBody>
+                  <a:tcPr/>
+                </a:tc>
+                <a:tc>
+                  <a:txBody>
+                    <a:bodyPr/>
+                    <a:lstStyle/>
+                    <a:p>
+                      <a:r>
+                        <a:rPr lang="en-US" dirty="0"/>
+                        <a:t>Min</a:t>
+                      </a:r>
+                      <a:endParaRPr lang="en-SG" dirty="0"/>
+                    </a:p>
+                  </a:txBody>
+                  <a:tcPr/>
+                </a:tc>
+                <a:tc>
+                  <a:txBody>
+                    <a:bodyPr/>
+                    <a:lstStyle/>
+                    <a:p>
+                      <a:r>
+                        <a:rPr lang="en-US" dirty="0"/>
+                        <a:t>Mean</a:t>
+                      </a:r>
+                      <a:endParaRPr lang="en-SG" dirty="0"/>
+                    </a:p>
+                  </a:txBody>
+                  <a:tcPr/>
+                </a:tc>
+                <a:tc>
+                  <a:txBody>
+                    <a:bodyPr/>
+                    <a:lstStyle/>
+                    <a:p>
+                      <a:r>
+                        <a:rPr lang="en-US" dirty="0"/>
+                        <a:t>Var</a:t>
+                      </a:r>
+                      <a:endParaRPr lang="en-SG" dirty="0"/>
+                    </a:p>
+                  </a:txBody>
+                  <a:tcPr/>
+                </a:tc>
+                <a:extLst>
+                  <a:ext uri="{0D108BD9-81ED-4DB2-BD59-A6C34878D82A}">
+                    <a16:rowId xmlns:a16="http://schemas.microsoft.com/office/drawing/2014/main" val="301508271"/>
+                  </a:ext>
+                </a:extLst>
+              </a:tr>
+              <a:tr h="370840">
+                <a:tc>
+                  <a:txBody>
+                    <a:bodyPr/>
+                    <a:lstStyle/>
+                    <a:p>
+                      <a:r>
+                        <a:rPr lang="en-US" dirty="0"/>
+                        <a:t>STD</a:t>
+                      </a:r>
+                      <a:endParaRPr lang="en-SG" dirty="0"/>
+                    </a:p>
+                  </a:txBody>
+                  <a:tcPr/>
+                </a:tc>
+                <a:tc>
+                  <a:txBody>
+                    <a:bodyPr/>
+                    <a:lstStyle/>
+                    <a:p>
+                      <a:pPr marL="0" marR="0" lvl="0" indent="0" algn="l" defTabSz="914400" rtl="0" eaLnBrk="1" fontAlgn="auto" latinLnBrk="0" hangingPunct="1">
+                        <a:lnSpc>
+                          <a:spcPct val="100000"/>
+                        </a:lnSpc>
+                        <a:spcBef>
+                          <a:spcPts val="0"/>
+                        </a:spcBef>
+                        <a:spcAft>
+                          <a:spcPts val="0"/>
+                        </a:spcAft>
+                        <a:buClrTx/>
+                        <a:buSzTx/>
+                        <a:buFontTx/>
+                        <a:buNone/>
+                        <a:tabLst/>
+                        <a:defRPr/>
+                      </a:pPr>
+                      <a:r>
+                        <a:rPr lang="en-SG" sz="1800" b="0" kern="1200" dirty="0">
+                          <a:solidFill>
+                            <a:srgbClr val="FF0000"/>
+                          </a:solidFill>
+                          <a:effectLst/>
+                          <a:latin typeface="+mn-lt"/>
+                          <a:ea typeface="+mn-ea"/>
+                          <a:cs typeface="+mn-cs"/>
+                        </a:rPr>
+                        <a:t>0.5555</a:t>
+                      </a:r>
+                    </a:p>
+                  </a:txBody>
+                  <a:tcPr/>
+                </a:tc>
+                <a:tc>
+                  <a:txBody>
+                    <a:bodyPr/>
+                    <a:lstStyle/>
+                    <a:p>
+                      <a:pPr marL="0" marR="0" lvl="0" indent="0" algn="l" defTabSz="914400" rtl="0" eaLnBrk="1" fontAlgn="auto" latinLnBrk="0" hangingPunct="1">
+                        <a:lnSpc>
+                          <a:spcPct val="100000"/>
+                        </a:lnSpc>
+                        <a:spcBef>
+                          <a:spcPts val="0"/>
+                        </a:spcBef>
+                        <a:spcAft>
+                          <a:spcPts val="0"/>
+                        </a:spcAft>
+                        <a:buClrTx/>
+                        <a:buSzTx/>
+                        <a:buFontTx/>
+                        <a:buNone/>
+                        <a:tabLst/>
+                        <a:defRPr/>
+                      </a:pPr>
+                      <a:r>
+                        <a:rPr lang="en-SG" sz="1800" b="0" kern="1200" dirty="0">
+                          <a:solidFill>
+                            <a:schemeClr val="dk1"/>
+                          </a:solidFill>
+                          <a:effectLst/>
+                          <a:latin typeface="+mn-lt"/>
+                          <a:ea typeface="+mn-ea"/>
+                          <a:cs typeface="+mn-cs"/>
+                        </a:rPr>
+                        <a:t>0.0</a:t>
+                      </a:r>
+                    </a:p>
+                  </a:txBody>
+                  <a:tcPr/>
+                </a:tc>
+                <a:tc>
+                  <a:txBody>
+                    <a:bodyPr/>
+                    <a:lstStyle/>
+                    <a:p>
+                      <a:pPr marL="0" marR="0" lvl="0" indent="0" algn="l" defTabSz="914400" rtl="0" eaLnBrk="1" fontAlgn="auto" latinLnBrk="0" hangingPunct="1">
+                        <a:lnSpc>
+                          <a:spcPct val="100000"/>
+                        </a:lnSpc>
+                        <a:spcBef>
+                          <a:spcPts val="0"/>
+                        </a:spcBef>
+                        <a:spcAft>
+                          <a:spcPts val="0"/>
+                        </a:spcAft>
+                        <a:buClrTx/>
+                        <a:buSzTx/>
+                        <a:buFontTx/>
+                        <a:buNone/>
+                        <a:tabLst/>
+                        <a:defRPr/>
+                      </a:pPr>
+                      <a:r>
+                        <a:rPr lang="en-SG" sz="1800" b="0" kern="1200" dirty="0">
+                          <a:solidFill>
+                            <a:srgbClr val="FF0000"/>
+                          </a:solidFill>
+                          <a:effectLst/>
+                          <a:latin typeface="+mn-lt"/>
+                          <a:ea typeface="+mn-ea"/>
+                          <a:cs typeface="+mn-cs"/>
+                        </a:rPr>
+                        <a:t>0.2274</a:t>
+                      </a:r>
+                    </a:p>
+                  </a:txBody>
+                  <a:tcPr/>
+                </a:tc>
+                <a:tc>
+                  <a:txBody>
+                    <a:bodyPr/>
+                    <a:lstStyle/>
+                    <a:p>
+                      <a:pPr marL="0" marR="0" lvl="0" indent="0" algn="l" defTabSz="914400" rtl="0" eaLnBrk="1" fontAlgn="auto" latinLnBrk="0" hangingPunct="1">
+                        <a:lnSpc>
+                          <a:spcPct val="100000"/>
+                        </a:lnSpc>
+                        <a:spcBef>
+                          <a:spcPts val="0"/>
+                        </a:spcBef>
+                        <a:spcAft>
+                          <a:spcPts val="0"/>
+                        </a:spcAft>
+                        <a:buClrTx/>
+                        <a:buSzTx/>
+                        <a:buFontTx/>
+                        <a:buNone/>
+                        <a:tabLst/>
+                        <a:defRPr/>
+                      </a:pPr>
+                      <a:r>
+                        <a:rPr lang="en-SG" sz="1800" b="0" kern="1200" dirty="0">
+                          <a:solidFill>
+                            <a:schemeClr val="dk1"/>
+                          </a:solidFill>
+                          <a:effectLst/>
+                          <a:latin typeface="+mn-lt"/>
+                          <a:ea typeface="+mn-ea"/>
+                          <a:cs typeface="+mn-cs"/>
+                        </a:rPr>
+                        <a:t>0.014392109</a:t>
+                      </a:r>
+                    </a:p>
+                  </a:txBody>
+                  <a:tcPr/>
+                </a:tc>
+                <a:extLst>
+                  <a:ext uri="{0D108BD9-81ED-4DB2-BD59-A6C34878D82A}">
+                    <a16:rowId xmlns:a16="http://schemas.microsoft.com/office/drawing/2014/main" val="220390494"/>
+                  </a:ext>
+                </a:extLst>
+              </a:tr>
+              <a:tr h="370840">
+                <a:tc>
+                  <a:txBody>
+                    <a:bodyPr/>
+                    <a:lstStyle/>
+                    <a:p>
+                      <a:r>
+                        <a:rPr lang="en-US" dirty="0"/>
+                        <a:t>FIT</a:t>
+                      </a:r>
+                      <a:endParaRPr lang="en-SG" dirty="0"/>
+                    </a:p>
+                  </a:txBody>
+                  <a:tcPr/>
+                </a:tc>
+                <a:tc>
+                  <a:txBody>
+                    <a:bodyPr/>
+                    <a:lstStyle/>
+                    <a:p>
+                      <a:pPr marL="0" marR="0" lvl="0" indent="0" algn="l" defTabSz="914400" rtl="0" eaLnBrk="1" fontAlgn="auto" latinLnBrk="0" hangingPunct="1">
+                        <a:lnSpc>
+                          <a:spcPct val="100000"/>
+                        </a:lnSpc>
+                        <a:spcBef>
+                          <a:spcPts val="0"/>
+                        </a:spcBef>
+                        <a:spcAft>
+                          <a:spcPts val="0"/>
+                        </a:spcAft>
+                        <a:buClrTx/>
+                        <a:buSzTx/>
+                        <a:buFontTx/>
+                        <a:buNone/>
+                        <a:tabLst/>
+                        <a:defRPr/>
+                      </a:pPr>
+                      <a:r>
+                        <a:rPr lang="en-SG" sz="1800" b="0" kern="1200" dirty="0">
+                          <a:solidFill>
+                            <a:schemeClr val="dk1"/>
+                          </a:solidFill>
+                          <a:effectLst/>
+                          <a:latin typeface="+mn-lt"/>
+                          <a:ea typeface="+mn-ea"/>
+                          <a:cs typeface="+mn-cs"/>
+                        </a:rPr>
+                        <a:t>0.4285</a:t>
+                      </a:r>
+                    </a:p>
+                  </a:txBody>
+                  <a:tcPr/>
+                </a:tc>
+                <a:tc>
+                  <a:txBody>
+                    <a:bodyPr/>
+                    <a:lstStyle/>
+                    <a:p>
+                      <a:pPr marL="0" marR="0" lvl="0" indent="0" algn="l" defTabSz="914400" rtl="0" eaLnBrk="1" fontAlgn="auto" latinLnBrk="0" hangingPunct="1">
+                        <a:lnSpc>
+                          <a:spcPct val="100000"/>
+                        </a:lnSpc>
+                        <a:spcBef>
+                          <a:spcPts val="0"/>
+                        </a:spcBef>
+                        <a:spcAft>
+                          <a:spcPts val="0"/>
+                        </a:spcAft>
+                        <a:buClrTx/>
+                        <a:buSzTx/>
+                        <a:buFontTx/>
+                        <a:buNone/>
+                        <a:tabLst/>
+                        <a:defRPr/>
+                      </a:pPr>
+                      <a:r>
+                        <a:rPr lang="en-SG" sz="1800" b="0" kern="1200" dirty="0">
+                          <a:solidFill>
+                            <a:schemeClr val="tx1"/>
+                          </a:solidFill>
+                          <a:effectLst/>
+                          <a:latin typeface="+mn-lt"/>
+                          <a:ea typeface="+mn-ea"/>
+                          <a:cs typeface="+mn-cs"/>
+                        </a:rPr>
+                        <a:t>0.0625</a:t>
+                      </a:r>
+                    </a:p>
+                  </a:txBody>
+                  <a:tcPr/>
+                </a:tc>
+                <a:tc>
+                  <a:txBody>
+                    <a:bodyPr/>
+                    <a:lstStyle/>
+                    <a:p>
+                      <a:pPr marL="0" marR="0" lvl="0" indent="0" algn="l" defTabSz="914400" rtl="0" eaLnBrk="1" fontAlgn="auto" latinLnBrk="0" hangingPunct="1">
+                        <a:lnSpc>
+                          <a:spcPct val="100000"/>
+                        </a:lnSpc>
+                        <a:spcBef>
+                          <a:spcPts val="0"/>
+                        </a:spcBef>
+                        <a:spcAft>
+                          <a:spcPts val="0"/>
+                        </a:spcAft>
+                        <a:buClrTx/>
+                        <a:buSzTx/>
+                        <a:buFontTx/>
+                        <a:buNone/>
+                        <a:tabLst/>
+                        <a:defRPr/>
+                      </a:pPr>
+                      <a:r>
+                        <a:rPr lang="en-SG" sz="1800" b="0" kern="1200" dirty="0">
+                          <a:solidFill>
+                            <a:schemeClr val="dk1"/>
+                          </a:solidFill>
+                          <a:effectLst/>
+                          <a:latin typeface="+mn-lt"/>
+                          <a:ea typeface="+mn-ea"/>
+                          <a:cs typeface="+mn-cs"/>
+                        </a:rPr>
+                        <a:t>0.2270</a:t>
+                      </a:r>
+                    </a:p>
+                  </a:txBody>
+                  <a:tcPr/>
+                </a:tc>
+                <a:tc>
+                  <a:txBody>
+                    <a:bodyPr/>
+                    <a:lstStyle/>
+                    <a:p>
+                      <a:pPr marL="0" marR="0" lvl="0" indent="0" algn="l" defTabSz="914400" rtl="0" eaLnBrk="1" fontAlgn="auto" latinLnBrk="0" hangingPunct="1">
+                        <a:lnSpc>
+                          <a:spcPct val="100000"/>
+                        </a:lnSpc>
+                        <a:spcBef>
+                          <a:spcPts val="0"/>
+                        </a:spcBef>
+                        <a:spcAft>
+                          <a:spcPts val="0"/>
+                        </a:spcAft>
+                        <a:buClrTx/>
+                        <a:buSzTx/>
+                        <a:buFontTx/>
+                        <a:buNone/>
+                        <a:tabLst/>
+                        <a:defRPr/>
+                      </a:pPr>
+                      <a:r>
+                        <a:rPr lang="en-SG" sz="1800" b="0" kern="1200" dirty="0">
+                          <a:solidFill>
+                            <a:schemeClr val="tx1"/>
+                          </a:solidFill>
+                          <a:effectLst/>
+                          <a:latin typeface="+mn-lt"/>
+                          <a:ea typeface="+mn-ea"/>
+                          <a:cs typeface="+mn-cs"/>
+                        </a:rPr>
+                        <a:t>0.006120946</a:t>
+                      </a:r>
+                    </a:p>
+                  </a:txBody>
+                  <a:tcPr/>
+                </a:tc>
+                <a:extLst>
+                  <a:ext uri="{0D108BD9-81ED-4DB2-BD59-A6C34878D82A}">
+                    <a16:rowId xmlns:a16="http://schemas.microsoft.com/office/drawing/2014/main" val="3614287947"/>
+                  </a:ext>
+                </a:extLst>
+              </a:tr>
+              <a:tr h="370840">
+                <a:tc>
+                  <a:txBody>
+                    <a:bodyPr/>
+                    <a:lstStyle/>
+                    <a:p>
+                      <a:r>
+                        <a:rPr lang="en-US" dirty="0"/>
+                        <a:t>MLP</a:t>
+                      </a:r>
+                      <a:endParaRPr lang="en-SG" dirty="0"/>
+                    </a:p>
+                  </a:txBody>
+                  <a:tcPr/>
+                </a:tc>
+                <a:tc>
+                  <a:txBody>
+                    <a:bodyPr/>
+                    <a:lstStyle/>
+                    <a:p>
+                      <a:pPr marL="0" marR="0" lvl="0" indent="0" algn="l" defTabSz="914400" rtl="0" eaLnBrk="1" fontAlgn="auto" latinLnBrk="0" hangingPunct="1">
+                        <a:lnSpc>
+                          <a:spcPct val="100000"/>
+                        </a:lnSpc>
+                        <a:spcBef>
+                          <a:spcPts val="0"/>
+                        </a:spcBef>
+                        <a:spcAft>
+                          <a:spcPts val="0"/>
+                        </a:spcAft>
+                        <a:buClrTx/>
+                        <a:buSzTx/>
+                        <a:buFontTx/>
+                        <a:buNone/>
+                        <a:tabLst/>
+                        <a:defRPr/>
+                      </a:pPr>
+                      <a:r>
+                        <a:rPr lang="en-SG" sz="1800" b="0" kern="1200" dirty="0">
+                          <a:solidFill>
+                            <a:schemeClr val="dk1"/>
+                          </a:solidFill>
+                          <a:effectLst/>
+                          <a:latin typeface="+mn-lt"/>
+                          <a:ea typeface="+mn-ea"/>
+                          <a:cs typeface="+mn-cs"/>
+                        </a:rPr>
+                        <a:t>0.3750</a:t>
+                      </a:r>
+                    </a:p>
+                  </a:txBody>
+                  <a:tcPr/>
+                </a:tc>
+                <a:tc>
+                  <a:txBody>
+                    <a:bodyPr/>
+                    <a:lstStyle/>
+                    <a:p>
+                      <a:pPr marL="0" marR="0" lvl="0" indent="0" algn="l" defTabSz="914400" rtl="0" eaLnBrk="1" fontAlgn="auto" latinLnBrk="0" hangingPunct="1">
+                        <a:lnSpc>
+                          <a:spcPct val="100000"/>
+                        </a:lnSpc>
+                        <a:spcBef>
+                          <a:spcPts val="0"/>
+                        </a:spcBef>
+                        <a:spcAft>
+                          <a:spcPts val="0"/>
+                        </a:spcAft>
+                        <a:buClrTx/>
+                        <a:buSzTx/>
+                        <a:buFontTx/>
+                        <a:buNone/>
+                        <a:tabLst/>
+                        <a:defRPr/>
+                      </a:pPr>
+                      <a:r>
+                        <a:rPr lang="en-SG" sz="1800" b="0" kern="1200" dirty="0">
+                          <a:solidFill>
+                            <a:srgbClr val="FF0000"/>
+                          </a:solidFill>
+                          <a:effectLst/>
+                          <a:latin typeface="+mn-lt"/>
+                          <a:ea typeface="+mn-ea"/>
+                          <a:cs typeface="+mn-cs"/>
+                        </a:rPr>
+                        <a:t>0.1176</a:t>
+                      </a:r>
+                    </a:p>
+                  </a:txBody>
+                  <a:tcPr/>
+                </a:tc>
+                <a:tc>
+                  <a:txBody>
+                    <a:bodyPr/>
+                    <a:lstStyle/>
+                    <a:p>
+                      <a:pPr marL="0" marR="0" lvl="0" indent="0" algn="l" defTabSz="914400" rtl="0" eaLnBrk="1" fontAlgn="auto" latinLnBrk="0" hangingPunct="1">
+                        <a:lnSpc>
+                          <a:spcPct val="100000"/>
+                        </a:lnSpc>
+                        <a:spcBef>
+                          <a:spcPts val="0"/>
+                        </a:spcBef>
+                        <a:spcAft>
+                          <a:spcPts val="0"/>
+                        </a:spcAft>
+                        <a:buClrTx/>
+                        <a:buSzTx/>
+                        <a:buFontTx/>
+                        <a:buNone/>
+                        <a:tabLst/>
+                        <a:defRPr/>
+                      </a:pPr>
+                      <a:r>
+                        <a:rPr lang="en-SG" sz="1800" b="0" kern="1200" dirty="0">
+                          <a:solidFill>
+                            <a:schemeClr val="dk1"/>
+                          </a:solidFill>
+                          <a:effectLst/>
+                          <a:latin typeface="+mn-lt"/>
+                          <a:ea typeface="+mn-ea"/>
+                          <a:cs typeface="+mn-cs"/>
+                        </a:rPr>
+                        <a:t>0.2234</a:t>
+                      </a:r>
+                    </a:p>
+                  </a:txBody>
+                  <a:tcPr/>
+                </a:tc>
+                <a:tc>
+                  <a:txBody>
+                    <a:bodyPr/>
+                    <a:lstStyle/>
+                    <a:p>
+                      <a:pPr marL="0" marR="0" lvl="0" indent="0" algn="l" defTabSz="914400" rtl="0" eaLnBrk="1" fontAlgn="auto" latinLnBrk="0" hangingPunct="1">
+                        <a:lnSpc>
+                          <a:spcPct val="100000"/>
+                        </a:lnSpc>
+                        <a:spcBef>
+                          <a:spcPts val="0"/>
+                        </a:spcBef>
+                        <a:spcAft>
+                          <a:spcPts val="0"/>
+                        </a:spcAft>
+                        <a:buClrTx/>
+                        <a:buSzTx/>
+                        <a:buFontTx/>
+                        <a:buNone/>
+                        <a:tabLst/>
+                        <a:defRPr/>
+                      </a:pPr>
+                      <a:r>
+                        <a:rPr lang="en-SG" sz="1800" b="0" kern="1200" dirty="0">
+                          <a:solidFill>
+                            <a:srgbClr val="FF0000"/>
+                          </a:solidFill>
+                          <a:effectLst/>
+                          <a:latin typeface="+mn-lt"/>
+                          <a:ea typeface="+mn-ea"/>
+                          <a:cs typeface="+mn-cs"/>
+                        </a:rPr>
+                        <a:t>0.004200752</a:t>
+                      </a:r>
+                    </a:p>
+                  </a:txBody>
+                  <a:tcPr/>
+                </a:tc>
+                <a:extLst>
+                  <a:ext uri="{0D108BD9-81ED-4DB2-BD59-A6C34878D82A}">
+                    <a16:rowId xmlns:a16="http://schemas.microsoft.com/office/drawing/2014/main" val="2374461433"/>
+                  </a:ext>
+                </a:extLst>
+              </a:tr>
+            </a:tbl>
+          </a:graphicData>
+        </a:graphic>
+      </p:graphicFrame>
+      <p:graphicFrame>
+        <p:nvGraphicFramePr>
+          <p:cNvPr id="7" name="Table 6">
+            <a:extLst>
+              <a:ext uri="{FF2B5EF4-FFF2-40B4-BE49-F238E27FC236}">
+                <a16:creationId xmlns:a16="http://schemas.microsoft.com/office/drawing/2014/main" id="{9D2C2394-895A-4F80-A478-766D412613D3}"/>
+              </a:ext>
+            </a:extLst>
+          </p:cNvPr>
+          <p:cNvGraphicFramePr>
+            <a:graphicFrameLocks noGrp="1"/>
+          </p:cNvGraphicFramePr>
+          <p:nvPr>
+            <p:extLst>
+              <p:ext uri="{D42A27DB-BD31-4B8C-83A1-F6EECF244321}">
+                <p14:modId xmlns:p14="http://schemas.microsoft.com/office/powerpoint/2010/main" val="3822430699"/>
+              </p:ext>
+            </p:extLst>
+          </p:nvPr>
+        </p:nvGraphicFramePr>
+        <p:xfrm>
+          <a:off x="2032000" y="4451307"/>
+          <a:ext cx="8128000" cy="1483360"/>
+        </p:xfrm>
+        <a:graphic>
+          <a:graphicData uri="http://schemas.openxmlformats.org/drawingml/2006/table">
+            <a:tbl>
+              <a:tblPr firstRow="1" bandRow="1">
+                <a:tableStyleId>{5C22544A-7EE6-4342-B048-85BDC9FD1C3A}</a:tableStyleId>
+              </a:tblPr>
+              <a:tblGrid>
+                <a:gridCol w="1625600">
+                  <a:extLst>
+                    <a:ext uri="{9D8B030D-6E8A-4147-A177-3AD203B41FA5}">
+                      <a16:colId xmlns:a16="http://schemas.microsoft.com/office/drawing/2014/main" val="2341769299"/>
+                    </a:ext>
+                  </a:extLst>
+                </a:gridCol>
+                <a:gridCol w="1625600">
+                  <a:extLst>
+                    <a:ext uri="{9D8B030D-6E8A-4147-A177-3AD203B41FA5}">
+                      <a16:colId xmlns:a16="http://schemas.microsoft.com/office/drawing/2014/main" val="855739485"/>
+                    </a:ext>
+                  </a:extLst>
+                </a:gridCol>
+                <a:gridCol w="1625600">
+                  <a:extLst>
+                    <a:ext uri="{9D8B030D-6E8A-4147-A177-3AD203B41FA5}">
+                      <a16:colId xmlns:a16="http://schemas.microsoft.com/office/drawing/2014/main" val="2723143775"/>
+                    </a:ext>
+                  </a:extLst>
+                </a:gridCol>
+                <a:gridCol w="1625600">
+                  <a:extLst>
+                    <a:ext uri="{9D8B030D-6E8A-4147-A177-3AD203B41FA5}">
+                      <a16:colId xmlns:a16="http://schemas.microsoft.com/office/drawing/2014/main" val="369771862"/>
+                    </a:ext>
+                  </a:extLst>
+                </a:gridCol>
+                <a:gridCol w="1625600">
+                  <a:extLst>
+                    <a:ext uri="{9D8B030D-6E8A-4147-A177-3AD203B41FA5}">
+                      <a16:colId xmlns:a16="http://schemas.microsoft.com/office/drawing/2014/main" val="1615960179"/>
+                    </a:ext>
+                  </a:extLst>
+                </a:gridCol>
+              </a:tblGrid>
+              <a:tr h="370840">
+                <a:tc>
+                  <a:txBody>
+                    <a:bodyPr/>
+                    <a:lstStyle/>
+                    <a:p>
+                      <a:r>
+                        <a:rPr lang="en-US" dirty="0"/>
+                        <a:t>Recall</a:t>
+                      </a:r>
+                      <a:endParaRPr lang="en-SG" dirty="0"/>
+                    </a:p>
+                  </a:txBody>
+                  <a:tcPr/>
+                </a:tc>
+                <a:tc>
+                  <a:txBody>
+                    <a:bodyPr/>
+                    <a:lstStyle/>
+                    <a:p>
+                      <a:r>
+                        <a:rPr lang="en-US" dirty="0"/>
+                        <a:t>Max</a:t>
+                      </a:r>
+                      <a:endParaRPr lang="en-SG" dirty="0"/>
+                    </a:p>
+                  </a:txBody>
+                  <a:tcPr/>
+                </a:tc>
+                <a:tc>
+                  <a:txBody>
+                    <a:bodyPr/>
+                    <a:lstStyle/>
+                    <a:p>
+                      <a:r>
+                        <a:rPr lang="en-US" dirty="0"/>
+                        <a:t>Min</a:t>
+                      </a:r>
+                      <a:endParaRPr lang="en-SG" dirty="0"/>
+                    </a:p>
+                  </a:txBody>
+                  <a:tcPr/>
+                </a:tc>
+                <a:tc>
+                  <a:txBody>
+                    <a:bodyPr/>
+                    <a:lstStyle/>
+                    <a:p>
+                      <a:r>
+                        <a:rPr lang="en-US" dirty="0"/>
+                        <a:t>Mean</a:t>
+                      </a:r>
+                      <a:endParaRPr lang="en-SG" dirty="0"/>
+                    </a:p>
+                  </a:txBody>
+                  <a:tcPr/>
+                </a:tc>
+                <a:tc>
+                  <a:txBody>
+                    <a:bodyPr/>
+                    <a:lstStyle/>
+                    <a:p>
+                      <a:r>
+                        <a:rPr lang="en-US" dirty="0"/>
+                        <a:t>Var</a:t>
+                      </a:r>
+                      <a:endParaRPr lang="en-SG" dirty="0"/>
+                    </a:p>
+                  </a:txBody>
+                  <a:tcPr/>
+                </a:tc>
+                <a:extLst>
+                  <a:ext uri="{0D108BD9-81ED-4DB2-BD59-A6C34878D82A}">
+                    <a16:rowId xmlns:a16="http://schemas.microsoft.com/office/drawing/2014/main" val="301508271"/>
+                  </a:ext>
+                </a:extLst>
+              </a:tr>
+              <a:tr h="370840">
+                <a:tc>
+                  <a:txBody>
+                    <a:bodyPr/>
+                    <a:lstStyle/>
+                    <a:p>
+                      <a:r>
+                        <a:rPr lang="en-US" dirty="0"/>
+                        <a:t>STD</a:t>
+                      </a:r>
+                      <a:endParaRPr lang="en-SG" dirty="0"/>
+                    </a:p>
+                  </a:txBody>
+                  <a:tcPr/>
+                </a:tc>
+                <a:tc>
+                  <a:txBody>
+                    <a:bodyPr/>
+                    <a:lstStyle/>
+                    <a:p>
+                      <a:r>
+                        <a:rPr lang="en-SG" sz="1800" b="0" kern="1200" dirty="0">
+                          <a:solidFill>
+                            <a:schemeClr val="dk1"/>
+                          </a:solidFill>
+                          <a:effectLst/>
+                          <a:latin typeface="+mn-lt"/>
+                          <a:ea typeface="+mn-ea"/>
+                          <a:cs typeface="+mn-cs"/>
+                        </a:rPr>
+                        <a:t>0.3529</a:t>
+                      </a:r>
+                    </a:p>
+                  </a:txBody>
+                  <a:tcPr/>
+                </a:tc>
+                <a:tc>
+                  <a:txBody>
+                    <a:bodyPr/>
+                    <a:lstStyle/>
+                    <a:p>
+                      <a:pPr marL="0" marR="0" lvl="0" indent="0" algn="l" defTabSz="914400" rtl="0" eaLnBrk="1" fontAlgn="auto" latinLnBrk="0" hangingPunct="1">
+                        <a:lnSpc>
+                          <a:spcPct val="100000"/>
+                        </a:lnSpc>
+                        <a:spcBef>
+                          <a:spcPts val="0"/>
+                        </a:spcBef>
+                        <a:spcAft>
+                          <a:spcPts val="0"/>
+                        </a:spcAft>
+                        <a:buClrTx/>
+                        <a:buSzTx/>
+                        <a:buFontTx/>
+                        <a:buNone/>
+                        <a:tabLst/>
+                        <a:defRPr/>
+                      </a:pPr>
+                      <a:r>
+                        <a:rPr lang="en-SG" sz="1800" b="0" kern="1200" dirty="0">
+                          <a:solidFill>
+                            <a:schemeClr val="dk1"/>
+                          </a:solidFill>
+                          <a:effectLst/>
+                          <a:latin typeface="+mn-lt"/>
+                          <a:ea typeface="+mn-ea"/>
+                          <a:cs typeface="+mn-cs"/>
+                        </a:rPr>
+                        <a:t>0.0</a:t>
+                      </a:r>
+                    </a:p>
+                  </a:txBody>
+                  <a:tcPr/>
+                </a:tc>
+                <a:tc>
+                  <a:txBody>
+                    <a:bodyPr/>
+                    <a:lstStyle/>
+                    <a:p>
+                      <a:pPr marL="0" marR="0" lvl="0" indent="0" algn="l" defTabSz="914400" rtl="0" eaLnBrk="1" fontAlgn="auto" latinLnBrk="0" hangingPunct="1">
+                        <a:lnSpc>
+                          <a:spcPct val="100000"/>
+                        </a:lnSpc>
+                        <a:spcBef>
+                          <a:spcPts val="0"/>
+                        </a:spcBef>
+                        <a:spcAft>
+                          <a:spcPts val="0"/>
+                        </a:spcAft>
+                        <a:buClrTx/>
+                        <a:buSzTx/>
+                        <a:buFontTx/>
+                        <a:buNone/>
+                        <a:tabLst/>
+                        <a:defRPr/>
+                      </a:pPr>
+                      <a:r>
+                        <a:rPr lang="en-SG" sz="1800" b="0" kern="1200" dirty="0">
+                          <a:solidFill>
+                            <a:schemeClr val="dk1"/>
+                          </a:solidFill>
+                          <a:effectLst/>
+                          <a:latin typeface="+mn-lt"/>
+                          <a:ea typeface="+mn-ea"/>
+                          <a:cs typeface="+mn-cs"/>
+                        </a:rPr>
+                        <a:t>0.1921</a:t>
+                      </a:r>
+                    </a:p>
+                  </a:txBody>
+                  <a:tcPr/>
+                </a:tc>
+                <a:tc>
+                  <a:txBody>
+                    <a:bodyPr/>
+                    <a:lstStyle/>
+                    <a:p>
+                      <a:pPr marL="0" marR="0" lvl="0" indent="0" algn="l" defTabSz="914400" rtl="0" eaLnBrk="1" fontAlgn="auto" latinLnBrk="0" hangingPunct="1">
+                        <a:lnSpc>
+                          <a:spcPct val="100000"/>
+                        </a:lnSpc>
+                        <a:spcBef>
+                          <a:spcPts val="0"/>
+                        </a:spcBef>
+                        <a:spcAft>
+                          <a:spcPts val="0"/>
+                        </a:spcAft>
+                        <a:buClrTx/>
+                        <a:buSzTx/>
+                        <a:buFontTx/>
+                        <a:buNone/>
+                        <a:tabLst/>
+                        <a:defRPr/>
+                      </a:pPr>
+                      <a:r>
+                        <a:rPr lang="en-SG" sz="1800" b="0" kern="1200" dirty="0">
+                          <a:solidFill>
+                            <a:schemeClr val="dk1"/>
+                          </a:solidFill>
+                          <a:effectLst/>
+                          <a:latin typeface="+mn-lt"/>
+                          <a:ea typeface="+mn-ea"/>
+                          <a:cs typeface="+mn-cs"/>
+                        </a:rPr>
+                        <a:t>0.009290856</a:t>
+                      </a:r>
+                    </a:p>
+                  </a:txBody>
+                  <a:tcPr/>
+                </a:tc>
+                <a:extLst>
+                  <a:ext uri="{0D108BD9-81ED-4DB2-BD59-A6C34878D82A}">
+                    <a16:rowId xmlns:a16="http://schemas.microsoft.com/office/drawing/2014/main" val="220390494"/>
+                  </a:ext>
+                </a:extLst>
+              </a:tr>
+              <a:tr h="370840">
+                <a:tc>
+                  <a:txBody>
+                    <a:bodyPr/>
+                    <a:lstStyle/>
+                    <a:p>
+                      <a:r>
+                        <a:rPr lang="en-US" dirty="0"/>
+                        <a:t>FIT</a:t>
+                      </a:r>
+                      <a:endParaRPr lang="en-SG" dirty="0"/>
+                    </a:p>
+                  </a:txBody>
+                  <a:tcPr/>
+                </a:tc>
+                <a:tc>
+                  <a:txBody>
+                    <a:bodyPr/>
+                    <a:lstStyle/>
+                    <a:p>
+                      <a:pPr marL="0" marR="0" lvl="0" indent="0" algn="l" defTabSz="914400" rtl="0" eaLnBrk="1" fontAlgn="auto" latinLnBrk="0" hangingPunct="1">
+                        <a:lnSpc>
+                          <a:spcPct val="100000"/>
+                        </a:lnSpc>
+                        <a:spcBef>
+                          <a:spcPts val="0"/>
+                        </a:spcBef>
+                        <a:spcAft>
+                          <a:spcPts val="0"/>
+                        </a:spcAft>
+                        <a:buClrTx/>
+                        <a:buSzTx/>
+                        <a:buFontTx/>
+                        <a:buNone/>
+                        <a:tabLst/>
+                        <a:defRPr/>
+                      </a:pPr>
+                      <a:r>
+                        <a:rPr lang="en-SG" sz="1800" b="0" kern="1200" dirty="0">
+                          <a:solidFill>
+                            <a:schemeClr val="tx1"/>
+                          </a:solidFill>
+                          <a:effectLst/>
+                          <a:latin typeface="+mn-lt"/>
+                          <a:ea typeface="+mn-ea"/>
+                          <a:cs typeface="+mn-cs"/>
+                        </a:rPr>
+                        <a:t>0.3529</a:t>
+                      </a:r>
+                    </a:p>
+                  </a:txBody>
+                  <a:tcPr/>
+                </a:tc>
+                <a:tc>
+                  <a:txBody>
+                    <a:bodyPr/>
+                    <a:lstStyle/>
+                    <a:p>
+                      <a:pPr marL="0" marR="0" lvl="0" indent="0" algn="l" defTabSz="914400" rtl="0" eaLnBrk="1" fontAlgn="auto" latinLnBrk="0" hangingPunct="1">
+                        <a:lnSpc>
+                          <a:spcPct val="100000"/>
+                        </a:lnSpc>
+                        <a:spcBef>
+                          <a:spcPts val="0"/>
+                        </a:spcBef>
+                        <a:spcAft>
+                          <a:spcPts val="0"/>
+                        </a:spcAft>
+                        <a:buClrTx/>
+                        <a:buSzTx/>
+                        <a:buFontTx/>
+                        <a:buNone/>
+                        <a:tabLst/>
+                        <a:defRPr/>
+                      </a:pPr>
+                      <a:r>
+                        <a:rPr lang="en-SG" sz="1800" b="0" kern="1200" dirty="0">
+                          <a:solidFill>
+                            <a:schemeClr val="tx1"/>
+                          </a:solidFill>
+                          <a:effectLst/>
+                          <a:latin typeface="+mn-lt"/>
+                          <a:ea typeface="+mn-ea"/>
+                          <a:cs typeface="+mn-cs"/>
+                        </a:rPr>
+                        <a:t>0.0588</a:t>
+                      </a:r>
+                    </a:p>
+                  </a:txBody>
+                  <a:tcPr/>
+                </a:tc>
+                <a:tc>
+                  <a:txBody>
+                    <a:bodyPr/>
+                    <a:lstStyle/>
+                    <a:p>
+                      <a:pPr marL="0" marR="0" lvl="0" indent="0" algn="l" defTabSz="914400" rtl="0" eaLnBrk="1" fontAlgn="auto" latinLnBrk="0" hangingPunct="1">
+                        <a:lnSpc>
+                          <a:spcPct val="100000"/>
+                        </a:lnSpc>
+                        <a:spcBef>
+                          <a:spcPts val="0"/>
+                        </a:spcBef>
+                        <a:spcAft>
+                          <a:spcPts val="0"/>
+                        </a:spcAft>
+                        <a:buClrTx/>
+                        <a:buSzTx/>
+                        <a:buFontTx/>
+                        <a:buNone/>
+                        <a:tabLst/>
+                        <a:defRPr/>
+                      </a:pPr>
+                      <a:r>
+                        <a:rPr lang="en-SG" sz="1800" b="0" kern="1200" dirty="0">
+                          <a:solidFill>
+                            <a:schemeClr val="tx1"/>
+                          </a:solidFill>
+                          <a:effectLst/>
+                          <a:latin typeface="+mn-lt"/>
+                          <a:ea typeface="+mn-ea"/>
+                          <a:cs typeface="+mn-cs"/>
+                        </a:rPr>
+                        <a:t>0.2137</a:t>
+                      </a:r>
+                    </a:p>
+                  </a:txBody>
+                  <a:tcPr/>
+                </a:tc>
+                <a:tc>
+                  <a:txBody>
+                    <a:bodyPr/>
+                    <a:lstStyle/>
+                    <a:p>
+                      <a:pPr marL="0" marR="0" lvl="0" indent="0" algn="l" defTabSz="914400" rtl="0" eaLnBrk="1" fontAlgn="auto" latinLnBrk="0" hangingPunct="1">
+                        <a:lnSpc>
+                          <a:spcPct val="100000"/>
+                        </a:lnSpc>
+                        <a:spcBef>
+                          <a:spcPts val="0"/>
+                        </a:spcBef>
+                        <a:spcAft>
+                          <a:spcPts val="0"/>
+                        </a:spcAft>
+                        <a:buClrTx/>
+                        <a:buSzTx/>
+                        <a:buFontTx/>
+                        <a:buNone/>
+                        <a:tabLst/>
+                        <a:defRPr/>
+                      </a:pPr>
+                      <a:r>
+                        <a:rPr lang="en-SG" sz="1800" b="0" kern="1200" dirty="0">
+                          <a:solidFill>
+                            <a:srgbClr val="FF0000"/>
+                          </a:solidFill>
+                          <a:effectLst/>
+                          <a:latin typeface="+mn-lt"/>
+                          <a:ea typeface="+mn-ea"/>
+                          <a:cs typeface="+mn-cs"/>
+                        </a:rPr>
+                        <a:t>0.005603945</a:t>
+                      </a:r>
+                    </a:p>
+                  </a:txBody>
+                  <a:tcPr/>
+                </a:tc>
+                <a:extLst>
+                  <a:ext uri="{0D108BD9-81ED-4DB2-BD59-A6C34878D82A}">
+                    <a16:rowId xmlns:a16="http://schemas.microsoft.com/office/drawing/2014/main" val="3614287947"/>
+                  </a:ext>
+                </a:extLst>
+              </a:tr>
+              <a:tr h="370840">
+                <a:tc>
+                  <a:txBody>
+                    <a:bodyPr/>
+                    <a:lstStyle/>
+                    <a:p>
+                      <a:r>
+                        <a:rPr lang="en-US" dirty="0"/>
+                        <a:t>MLP</a:t>
+                      </a:r>
+                      <a:endParaRPr lang="en-SG" dirty="0"/>
+                    </a:p>
+                  </a:txBody>
+                  <a:tcPr/>
+                </a:tc>
+                <a:tc>
+                  <a:txBody>
+                    <a:bodyPr/>
+                    <a:lstStyle/>
+                    <a:p>
+                      <a:pPr marL="0" marR="0" lvl="0" indent="0" algn="l" defTabSz="914400" rtl="0" eaLnBrk="1" fontAlgn="auto" latinLnBrk="0" hangingPunct="1">
+                        <a:lnSpc>
+                          <a:spcPct val="100000"/>
+                        </a:lnSpc>
+                        <a:spcBef>
+                          <a:spcPts val="0"/>
+                        </a:spcBef>
+                        <a:spcAft>
+                          <a:spcPts val="0"/>
+                        </a:spcAft>
+                        <a:buClrTx/>
+                        <a:buSzTx/>
+                        <a:buFontTx/>
+                        <a:buNone/>
+                        <a:tabLst/>
+                        <a:defRPr/>
+                      </a:pPr>
+                      <a:r>
+                        <a:rPr lang="en-SG" sz="1800" b="0" kern="1200" dirty="0">
+                          <a:solidFill>
+                            <a:srgbClr val="FF0000"/>
+                          </a:solidFill>
+                          <a:effectLst/>
+                          <a:latin typeface="+mn-lt"/>
+                          <a:ea typeface="+mn-ea"/>
+                          <a:cs typeface="+mn-cs"/>
+                        </a:rPr>
+                        <a:t>0.4117</a:t>
+                      </a:r>
+                    </a:p>
+                  </a:txBody>
+                  <a:tcPr/>
+                </a:tc>
+                <a:tc>
+                  <a:txBody>
+                    <a:bodyPr/>
+                    <a:lstStyle/>
+                    <a:p>
+                      <a:pPr marL="0" marR="0" lvl="0" indent="0" algn="l" defTabSz="914400" rtl="0" eaLnBrk="1" fontAlgn="auto" latinLnBrk="0" hangingPunct="1">
+                        <a:lnSpc>
+                          <a:spcPct val="100000"/>
+                        </a:lnSpc>
+                        <a:spcBef>
+                          <a:spcPts val="0"/>
+                        </a:spcBef>
+                        <a:spcAft>
+                          <a:spcPts val="0"/>
+                        </a:spcAft>
+                        <a:buClrTx/>
+                        <a:buSzTx/>
+                        <a:buFontTx/>
+                        <a:buNone/>
+                        <a:tabLst/>
+                        <a:defRPr/>
+                      </a:pPr>
+                      <a:r>
+                        <a:rPr lang="en-SG" sz="1800" b="0" kern="1200" dirty="0">
+                          <a:solidFill>
+                            <a:srgbClr val="FF0000"/>
+                          </a:solidFill>
+                          <a:effectLst/>
+                          <a:latin typeface="+mn-lt"/>
+                          <a:ea typeface="+mn-ea"/>
+                          <a:cs typeface="+mn-cs"/>
+                        </a:rPr>
+                        <a:t>0.1176</a:t>
+                      </a:r>
+                    </a:p>
+                  </a:txBody>
+                  <a:tcPr/>
+                </a:tc>
+                <a:tc>
+                  <a:txBody>
+                    <a:bodyPr/>
+                    <a:lstStyle/>
+                    <a:p>
+                      <a:pPr marL="0" marR="0" lvl="0" indent="0" algn="l" defTabSz="914400" rtl="0" eaLnBrk="1" fontAlgn="auto" latinLnBrk="0" hangingPunct="1">
+                        <a:lnSpc>
+                          <a:spcPct val="100000"/>
+                        </a:lnSpc>
+                        <a:spcBef>
+                          <a:spcPts val="0"/>
+                        </a:spcBef>
+                        <a:spcAft>
+                          <a:spcPts val="0"/>
+                        </a:spcAft>
+                        <a:buClrTx/>
+                        <a:buSzTx/>
+                        <a:buFontTx/>
+                        <a:buNone/>
+                        <a:tabLst/>
+                        <a:defRPr/>
+                      </a:pPr>
+                      <a:r>
+                        <a:rPr lang="en-SG" sz="1800" b="0" kern="1200" dirty="0">
+                          <a:solidFill>
+                            <a:srgbClr val="FF0000"/>
+                          </a:solidFill>
+                          <a:effectLst/>
+                          <a:latin typeface="+mn-lt"/>
+                          <a:ea typeface="+mn-ea"/>
+                          <a:cs typeface="+mn-cs"/>
+                        </a:rPr>
+                        <a:t>0.2490</a:t>
+                      </a:r>
+                    </a:p>
+                  </a:txBody>
+                  <a:tcPr/>
+                </a:tc>
+                <a:tc>
+                  <a:txBody>
+                    <a:bodyPr/>
+                    <a:lstStyle/>
+                    <a:p>
+                      <a:pPr marL="0" marR="0" lvl="0" indent="0" algn="l" defTabSz="914400" rtl="0" eaLnBrk="1" fontAlgn="auto" latinLnBrk="0" hangingPunct="1">
+                        <a:lnSpc>
+                          <a:spcPct val="100000"/>
+                        </a:lnSpc>
+                        <a:spcBef>
+                          <a:spcPts val="0"/>
+                        </a:spcBef>
+                        <a:spcAft>
+                          <a:spcPts val="0"/>
+                        </a:spcAft>
+                        <a:buClrTx/>
+                        <a:buSzTx/>
+                        <a:buFontTx/>
+                        <a:buNone/>
+                        <a:tabLst/>
+                        <a:defRPr/>
+                      </a:pPr>
+                      <a:r>
+                        <a:rPr lang="en-SG" sz="1800" b="0" kern="1200" dirty="0">
+                          <a:solidFill>
+                            <a:schemeClr val="dk1"/>
+                          </a:solidFill>
+                          <a:effectLst/>
+                          <a:latin typeface="+mn-lt"/>
+                          <a:ea typeface="+mn-ea"/>
+                          <a:cs typeface="+mn-cs"/>
+                        </a:rPr>
+                        <a:t>0.005651672</a:t>
+                      </a:r>
+                    </a:p>
+                  </a:txBody>
+                  <a:tcPr/>
+                </a:tc>
+                <a:extLst>
+                  <a:ext uri="{0D108BD9-81ED-4DB2-BD59-A6C34878D82A}">
+                    <a16:rowId xmlns:a16="http://schemas.microsoft.com/office/drawing/2014/main" val="2374461433"/>
+                  </a:ext>
+                </a:extLst>
+              </a:tr>
+            </a:tbl>
+          </a:graphicData>
+        </a:graphic>
+      </p:graphicFrame>
+      <p:pic>
+        <p:nvPicPr>
+          <p:cNvPr id="3" name="Picture 2">
+            <a:extLst>
+              <a:ext uri="{FF2B5EF4-FFF2-40B4-BE49-F238E27FC236}">
+                <a16:creationId xmlns:a16="http://schemas.microsoft.com/office/drawing/2014/main" id="{9FA6DA01-416C-4DEB-9723-19A9E417B379}"/>
+              </a:ext>
+            </a:extLst>
+          </p:cNvPr>
+          <p:cNvPicPr>
+            <a:picLocks noChangeAspect="1"/>
+          </p:cNvPicPr>
+          <p:nvPr/>
+        </p:nvPicPr>
+        <p:blipFill rotWithShape="1">
+          <a:blip r:embed="rId3"/>
+          <a:srcRect r="6566"/>
+          <a:stretch/>
+        </p:blipFill>
+        <p:spPr>
+          <a:xfrm>
+            <a:off x="1871913" y="696855"/>
+            <a:ext cx="2491874" cy="981075"/>
+          </a:xfrm>
+          <a:prstGeom prst="rect">
+            <a:avLst/>
+          </a:prstGeom>
+        </p:spPr>
+      </p:pic>
+      <p:pic>
+        <p:nvPicPr>
+          <p:cNvPr id="5" name="Picture 4">
+            <a:extLst>
+              <a:ext uri="{FF2B5EF4-FFF2-40B4-BE49-F238E27FC236}">
+                <a16:creationId xmlns:a16="http://schemas.microsoft.com/office/drawing/2014/main" id="{4890D309-085B-4F8A-B101-6284947F8234}"/>
+              </a:ext>
+            </a:extLst>
+          </p:cNvPr>
+          <p:cNvPicPr>
+            <a:picLocks noChangeAspect="1"/>
+          </p:cNvPicPr>
+          <p:nvPr/>
+        </p:nvPicPr>
+        <p:blipFill>
+          <a:blip r:embed="rId4"/>
+          <a:stretch>
+            <a:fillRect/>
+          </a:stretch>
+        </p:blipFill>
+        <p:spPr>
+          <a:xfrm>
+            <a:off x="2032000" y="3441657"/>
+            <a:ext cx="2171700" cy="1009650"/>
+          </a:xfrm>
+          <a:prstGeom prst="rect">
+            <a:avLst/>
+          </a:prstGeom>
+        </p:spPr>
+      </p:pic>
+    </p:spTree>
+    <p:extLst>
+      <p:ext uri="{BB962C8B-B14F-4D97-AF65-F5344CB8AC3E}">
+        <p14:creationId xmlns:p14="http://schemas.microsoft.com/office/powerpoint/2010/main" val="125395158"/>
+      </p:ext>
+    </p:extLst>
+  </p:cSld>
+  <p:clrMapOvr>
+    <a:masterClrMapping/>
+  </p:clrMapOvr>
+</p:sld>
+</file>
+
+<file path=ppt/slides/slide3.xml><?xml version="1.0" encoding="utf-8"?>
+<p:sld xmlns:a="http://schemas.openxmlformats.org/drawingml/2006/main" xmlns:r="http://schemas.openxmlformats.org/officeDocument/2006/relationships" xmlns:p="http://schemas.openxmlformats.org/presentationml/2006/main">
+  <p:cSld>
+    <p:spTree>
+      <p:nvGrpSpPr>
+        <p:cNvPr id="1" name=""/>
+        <p:cNvGrpSpPr/>
+        <p:nvPr/>
+      </p:nvGrpSpPr>
+      <p:grpSpPr>
+        <a:xfrm>
+          <a:off x="0" y="0"/>
+          <a:ext cx="0" cy="0"/>
+          <a:chOff x="0" y="0"/>
+          <a:chExt cx="0" cy="0"/>
+        </a:xfrm>
+      </p:grpSpPr>
+      <p:graphicFrame>
+        <p:nvGraphicFramePr>
+          <p:cNvPr id="6" name="Table 6">
+            <a:extLst>
+              <a:ext uri="{FF2B5EF4-FFF2-40B4-BE49-F238E27FC236}">
+                <a16:creationId xmlns:a16="http://schemas.microsoft.com/office/drawing/2014/main" id="{1A115674-5750-4A91-B02B-0B5FD3BA9774}"/>
+              </a:ext>
+            </a:extLst>
+          </p:cNvPr>
+          <p:cNvGraphicFramePr>
+            <a:graphicFrameLocks noGrp="1"/>
+          </p:cNvGraphicFramePr>
+          <p:nvPr>
+            <p:extLst>
+              <p:ext uri="{D42A27DB-BD31-4B8C-83A1-F6EECF244321}">
+                <p14:modId xmlns:p14="http://schemas.microsoft.com/office/powerpoint/2010/main" val="2872463916"/>
+              </p:ext>
+            </p:extLst>
+          </p:nvPr>
+        </p:nvGraphicFramePr>
+        <p:xfrm>
+          <a:off x="2032000" y="1768365"/>
+          <a:ext cx="8128000" cy="1483360"/>
+        </p:xfrm>
+        <a:graphic>
+          <a:graphicData uri="http://schemas.openxmlformats.org/drawingml/2006/table">
+            <a:tbl>
+              <a:tblPr firstRow="1" bandRow="1">
+                <a:tableStyleId>{5C22544A-7EE6-4342-B048-85BDC9FD1C3A}</a:tableStyleId>
+              </a:tblPr>
+              <a:tblGrid>
+                <a:gridCol w="1625600">
+                  <a:extLst>
+                    <a:ext uri="{9D8B030D-6E8A-4147-A177-3AD203B41FA5}">
+                      <a16:colId xmlns:a16="http://schemas.microsoft.com/office/drawing/2014/main" val="2341769299"/>
+                    </a:ext>
+                  </a:extLst>
+                </a:gridCol>
+                <a:gridCol w="1625600">
+                  <a:extLst>
+                    <a:ext uri="{9D8B030D-6E8A-4147-A177-3AD203B41FA5}">
+                      <a16:colId xmlns:a16="http://schemas.microsoft.com/office/drawing/2014/main" val="855739485"/>
+                    </a:ext>
+                  </a:extLst>
+                </a:gridCol>
+                <a:gridCol w="1625600">
+                  <a:extLst>
+                    <a:ext uri="{9D8B030D-6E8A-4147-A177-3AD203B41FA5}">
+                      <a16:colId xmlns:a16="http://schemas.microsoft.com/office/drawing/2014/main" val="2723143775"/>
+                    </a:ext>
+                  </a:extLst>
+                </a:gridCol>
+                <a:gridCol w="1625600">
+                  <a:extLst>
+                    <a:ext uri="{9D8B030D-6E8A-4147-A177-3AD203B41FA5}">
+                      <a16:colId xmlns:a16="http://schemas.microsoft.com/office/drawing/2014/main" val="369771862"/>
+                    </a:ext>
+                  </a:extLst>
+                </a:gridCol>
+                <a:gridCol w="1625600">
+                  <a:extLst>
+                    <a:ext uri="{9D8B030D-6E8A-4147-A177-3AD203B41FA5}">
+                      <a16:colId xmlns:a16="http://schemas.microsoft.com/office/drawing/2014/main" val="1615960179"/>
+                    </a:ext>
+                  </a:extLst>
+                </a:gridCol>
+              </a:tblGrid>
+              <a:tr h="370840">
+                <a:tc>
+                  <a:txBody>
+                    <a:bodyPr/>
+                    <a:lstStyle/>
+                    <a:p>
+                      <a:r>
+                        <a:rPr lang="en-US" dirty="0"/>
+                        <a:t>Structural</a:t>
+                      </a:r>
+                      <a:endParaRPr lang="en-SG" dirty="0"/>
+                    </a:p>
+                  </a:txBody>
+                  <a:tcPr/>
+                </a:tc>
+                <a:tc>
+                  <a:txBody>
+                    <a:bodyPr/>
+                    <a:lstStyle/>
+                    <a:p>
+                      <a:r>
+                        <a:rPr lang="en-US" dirty="0"/>
+                        <a:t>Max</a:t>
+                      </a:r>
+                      <a:endParaRPr lang="en-SG" dirty="0"/>
+                    </a:p>
+                  </a:txBody>
+                  <a:tcPr/>
+                </a:tc>
+                <a:tc>
+                  <a:txBody>
+                    <a:bodyPr/>
+                    <a:lstStyle/>
+                    <a:p>
+                      <a:r>
+                        <a:rPr lang="en-US" dirty="0"/>
+                        <a:t>Min</a:t>
+                      </a:r>
+                      <a:endParaRPr lang="en-SG" dirty="0"/>
+                    </a:p>
+                  </a:txBody>
+                  <a:tcPr/>
+                </a:tc>
+                <a:tc>
+                  <a:txBody>
+                    <a:bodyPr/>
+                    <a:lstStyle/>
+                    <a:p>
+                      <a:r>
+                        <a:rPr lang="en-US" dirty="0"/>
+                        <a:t>Mean</a:t>
+                      </a:r>
+                      <a:endParaRPr lang="en-SG" dirty="0"/>
+                    </a:p>
+                  </a:txBody>
+                  <a:tcPr/>
+                </a:tc>
+                <a:tc>
+                  <a:txBody>
+                    <a:bodyPr/>
+                    <a:lstStyle/>
+                    <a:p>
+                      <a:r>
+                        <a:rPr lang="en-US" dirty="0"/>
+                        <a:t>Var</a:t>
+                      </a:r>
+                      <a:endParaRPr lang="en-SG" dirty="0"/>
+                    </a:p>
+                  </a:txBody>
+                  <a:tcPr/>
+                </a:tc>
+                <a:extLst>
+                  <a:ext uri="{0D108BD9-81ED-4DB2-BD59-A6C34878D82A}">
+                    <a16:rowId xmlns:a16="http://schemas.microsoft.com/office/drawing/2014/main" val="301508271"/>
+                  </a:ext>
+                </a:extLst>
+              </a:tr>
+              <a:tr h="370840">
+                <a:tc>
+                  <a:txBody>
+                    <a:bodyPr/>
+                    <a:lstStyle/>
+                    <a:p>
+                      <a:r>
+                        <a:rPr lang="en-US" dirty="0"/>
+                        <a:t>STD</a:t>
+                      </a:r>
+                      <a:endParaRPr lang="en-SG" dirty="0"/>
+                    </a:p>
+                  </a:txBody>
+                  <a:tcPr/>
+                </a:tc>
+                <a:tc>
+                  <a:txBody>
+                    <a:bodyPr/>
+                    <a:lstStyle/>
+                    <a:p>
+                      <a:pPr marL="0" marR="0" lvl="0" indent="0" algn="l" defTabSz="914400" rtl="0" eaLnBrk="1" fontAlgn="auto" latinLnBrk="0" hangingPunct="1">
+                        <a:lnSpc>
+                          <a:spcPct val="100000"/>
+                        </a:lnSpc>
+                        <a:spcBef>
+                          <a:spcPts val="0"/>
+                        </a:spcBef>
+                        <a:spcAft>
+                          <a:spcPts val="0"/>
+                        </a:spcAft>
+                        <a:buClrTx/>
+                        <a:buSzTx/>
+                        <a:buFontTx/>
+                        <a:buNone/>
+                        <a:tabLst/>
+                        <a:defRPr/>
+                      </a:pPr>
+                      <a:r>
+                        <a:rPr lang="en-SG" sz="1800" b="0" kern="1200" dirty="0">
+                          <a:solidFill>
+                            <a:srgbClr val="FF0000"/>
+                          </a:solidFill>
+                          <a:effectLst/>
+                          <a:latin typeface="+mn-lt"/>
+                          <a:ea typeface="+mn-ea"/>
+                          <a:cs typeface="+mn-cs"/>
+                        </a:rPr>
+                        <a:t>0.8024</a:t>
+                      </a:r>
+                    </a:p>
+                  </a:txBody>
+                  <a:tcPr/>
+                </a:tc>
+                <a:tc>
+                  <a:txBody>
+                    <a:bodyPr/>
+                    <a:lstStyle/>
+                    <a:p>
+                      <a:pPr marL="0" marR="0" lvl="0" indent="0" algn="l" defTabSz="914400" rtl="0" eaLnBrk="1" fontAlgn="auto" latinLnBrk="0" hangingPunct="1">
+                        <a:lnSpc>
+                          <a:spcPct val="100000"/>
+                        </a:lnSpc>
+                        <a:spcBef>
+                          <a:spcPts val="0"/>
+                        </a:spcBef>
+                        <a:spcAft>
+                          <a:spcPts val="0"/>
+                        </a:spcAft>
+                        <a:buClrTx/>
+                        <a:buSzTx/>
+                        <a:buFontTx/>
+                        <a:buNone/>
+                        <a:tabLst/>
+                        <a:defRPr/>
+                      </a:pPr>
+                      <a:r>
+                        <a:rPr lang="en-SG" sz="1800" b="0" kern="1200" dirty="0">
+                          <a:solidFill>
+                            <a:schemeClr val="dk1"/>
+                          </a:solidFill>
+                          <a:effectLst/>
+                          <a:latin typeface="+mn-lt"/>
+                          <a:ea typeface="+mn-ea"/>
+                          <a:cs typeface="+mn-cs"/>
+                        </a:rPr>
+                        <a:t>0.5925</a:t>
+                      </a:r>
+                    </a:p>
+                  </a:txBody>
+                  <a:tcPr/>
+                </a:tc>
+                <a:tc>
+                  <a:txBody>
+                    <a:bodyPr/>
+                    <a:lstStyle/>
+                    <a:p>
+                      <a:pPr marL="0" marR="0" lvl="0" indent="0" algn="l" defTabSz="914400" rtl="0" eaLnBrk="1" fontAlgn="auto" latinLnBrk="0" hangingPunct="1">
+                        <a:lnSpc>
+                          <a:spcPct val="100000"/>
+                        </a:lnSpc>
+                        <a:spcBef>
+                          <a:spcPts val="0"/>
+                        </a:spcBef>
+                        <a:spcAft>
+                          <a:spcPts val="0"/>
+                        </a:spcAft>
+                        <a:buClrTx/>
+                        <a:buSzTx/>
+                        <a:buFontTx/>
+                        <a:buNone/>
+                        <a:tabLst/>
+                        <a:defRPr/>
+                      </a:pPr>
+                      <a:r>
+                        <a:rPr lang="en-SG" sz="1800" b="0" kern="1200" dirty="0">
+                          <a:solidFill>
+                            <a:srgbClr val="FF0000"/>
+                          </a:solidFill>
+                          <a:effectLst/>
+                          <a:latin typeface="+mn-lt"/>
+                          <a:ea typeface="+mn-ea"/>
+                          <a:cs typeface="+mn-cs"/>
+                        </a:rPr>
+                        <a:t>0.6868</a:t>
+                      </a:r>
+                    </a:p>
+                  </a:txBody>
+                  <a:tcPr/>
+                </a:tc>
+                <a:tc>
+                  <a:txBody>
+                    <a:bodyPr/>
+                    <a:lstStyle/>
+                    <a:p>
+                      <a:pPr marL="0" marR="0" lvl="0" indent="0" algn="l" defTabSz="914400" rtl="0" eaLnBrk="1" fontAlgn="auto" latinLnBrk="0" hangingPunct="1">
+                        <a:lnSpc>
+                          <a:spcPct val="100000"/>
+                        </a:lnSpc>
+                        <a:spcBef>
+                          <a:spcPts val="0"/>
+                        </a:spcBef>
+                        <a:spcAft>
+                          <a:spcPts val="0"/>
+                        </a:spcAft>
+                        <a:buClrTx/>
+                        <a:buSzTx/>
+                        <a:buFontTx/>
+                        <a:buNone/>
+                        <a:tabLst/>
+                        <a:defRPr/>
+                      </a:pPr>
+                      <a:r>
+                        <a:rPr lang="en-SG" sz="1800" b="0" kern="1200" dirty="0">
+                          <a:solidFill>
+                            <a:schemeClr val="dk1"/>
+                          </a:solidFill>
+                          <a:effectLst/>
+                          <a:latin typeface="+mn-lt"/>
+                          <a:ea typeface="+mn-ea"/>
+                          <a:cs typeface="+mn-cs"/>
+                        </a:rPr>
+                        <a:t>0.0027906</a:t>
+                      </a:r>
+                    </a:p>
+                  </a:txBody>
+                  <a:tcPr/>
+                </a:tc>
+                <a:extLst>
+                  <a:ext uri="{0D108BD9-81ED-4DB2-BD59-A6C34878D82A}">
+                    <a16:rowId xmlns:a16="http://schemas.microsoft.com/office/drawing/2014/main" val="220390494"/>
+                  </a:ext>
+                </a:extLst>
+              </a:tr>
+              <a:tr h="370840">
+                <a:tc>
+                  <a:txBody>
+                    <a:bodyPr/>
+                    <a:lstStyle/>
+                    <a:p>
+                      <a:r>
+                        <a:rPr lang="en-US" dirty="0"/>
+                        <a:t>FIT</a:t>
+                      </a:r>
+                      <a:endParaRPr lang="en-SG" dirty="0"/>
+                    </a:p>
+                  </a:txBody>
+                  <a:tcPr/>
+                </a:tc>
+                <a:tc>
+                  <a:txBody>
+                    <a:bodyPr/>
+                    <a:lstStyle/>
+                    <a:p>
+                      <a:pPr marL="0" marR="0" lvl="0" indent="0" algn="l" defTabSz="914400" rtl="0" eaLnBrk="1" fontAlgn="auto" latinLnBrk="0" hangingPunct="1">
+                        <a:lnSpc>
+                          <a:spcPct val="100000"/>
+                        </a:lnSpc>
+                        <a:spcBef>
+                          <a:spcPts val="0"/>
+                        </a:spcBef>
+                        <a:spcAft>
+                          <a:spcPts val="0"/>
+                        </a:spcAft>
+                        <a:buClrTx/>
+                        <a:buSzTx/>
+                        <a:buFontTx/>
+                        <a:buNone/>
+                        <a:tabLst/>
+                        <a:defRPr/>
+                      </a:pPr>
+                      <a:r>
+                        <a:rPr lang="en-SG" sz="1800" b="0" kern="1200" dirty="0">
+                          <a:solidFill>
+                            <a:schemeClr val="dk1"/>
+                          </a:solidFill>
+                          <a:effectLst/>
+                          <a:latin typeface="+mn-lt"/>
+                          <a:ea typeface="+mn-ea"/>
+                          <a:cs typeface="+mn-cs"/>
+                        </a:rPr>
+                        <a:t>0.7654</a:t>
+                      </a:r>
+                    </a:p>
+                  </a:txBody>
+                  <a:tcPr/>
+                </a:tc>
+                <a:tc>
+                  <a:txBody>
+                    <a:bodyPr/>
+                    <a:lstStyle/>
+                    <a:p>
+                      <a:pPr marL="0" marR="0" lvl="0" indent="0" algn="l" defTabSz="914400" rtl="0" eaLnBrk="1" fontAlgn="auto" latinLnBrk="0" hangingPunct="1">
+                        <a:lnSpc>
+                          <a:spcPct val="100000"/>
+                        </a:lnSpc>
+                        <a:spcBef>
+                          <a:spcPts val="0"/>
+                        </a:spcBef>
+                        <a:spcAft>
+                          <a:spcPts val="0"/>
+                        </a:spcAft>
+                        <a:buClrTx/>
+                        <a:buSzTx/>
+                        <a:buFontTx/>
+                        <a:buNone/>
+                        <a:tabLst/>
+                        <a:defRPr/>
+                      </a:pPr>
+                      <a:r>
+                        <a:rPr lang="en-SG" sz="1800" b="0" kern="1200" dirty="0">
+                          <a:solidFill>
+                            <a:srgbClr val="FF0000"/>
+                          </a:solidFill>
+                          <a:effectLst/>
+                          <a:latin typeface="+mn-lt"/>
+                          <a:ea typeface="+mn-ea"/>
+                          <a:cs typeface="+mn-cs"/>
+                        </a:rPr>
+                        <a:t>0.6172</a:t>
+                      </a:r>
+                    </a:p>
+                  </a:txBody>
+                  <a:tcPr/>
+                </a:tc>
+                <a:tc>
+                  <a:txBody>
+                    <a:bodyPr/>
+                    <a:lstStyle/>
+                    <a:p>
+                      <a:pPr marL="0" marR="0" lvl="0" indent="0" algn="l" defTabSz="914400" rtl="0" eaLnBrk="1" fontAlgn="auto" latinLnBrk="0" hangingPunct="1">
+                        <a:lnSpc>
+                          <a:spcPct val="100000"/>
+                        </a:lnSpc>
+                        <a:spcBef>
+                          <a:spcPts val="0"/>
+                        </a:spcBef>
+                        <a:spcAft>
+                          <a:spcPts val="0"/>
+                        </a:spcAft>
+                        <a:buClrTx/>
+                        <a:buSzTx/>
+                        <a:buFontTx/>
+                        <a:buNone/>
+                        <a:tabLst/>
+                        <a:defRPr/>
+                      </a:pPr>
+                      <a:r>
+                        <a:rPr lang="en-SG" sz="1800" b="0" kern="1200" dirty="0">
+                          <a:solidFill>
+                            <a:schemeClr val="dk1"/>
+                          </a:solidFill>
+                          <a:effectLst/>
+                          <a:latin typeface="+mn-lt"/>
+                          <a:ea typeface="+mn-ea"/>
+                          <a:cs typeface="+mn-cs"/>
+                        </a:rPr>
+                        <a:t>0.6806</a:t>
+                      </a:r>
+                    </a:p>
+                  </a:txBody>
+                  <a:tcPr/>
+                </a:tc>
+                <a:tc>
+                  <a:txBody>
+                    <a:bodyPr/>
+                    <a:lstStyle/>
+                    <a:p>
+                      <a:pPr marL="0" marR="0" lvl="0" indent="0" algn="l" defTabSz="914400" rtl="0" eaLnBrk="1" fontAlgn="auto" latinLnBrk="0" hangingPunct="1">
+                        <a:lnSpc>
+                          <a:spcPct val="100000"/>
+                        </a:lnSpc>
+                        <a:spcBef>
+                          <a:spcPts val="0"/>
+                        </a:spcBef>
+                        <a:spcAft>
+                          <a:spcPts val="0"/>
+                        </a:spcAft>
+                        <a:buClrTx/>
+                        <a:buSzTx/>
+                        <a:buFontTx/>
+                        <a:buNone/>
+                        <a:tabLst/>
+                        <a:defRPr/>
+                      </a:pPr>
+                      <a:r>
+                        <a:rPr lang="en-SG" sz="1800" b="0" kern="1200" dirty="0">
+                          <a:solidFill>
+                            <a:srgbClr val="FF0000"/>
+                          </a:solidFill>
+                          <a:effectLst/>
+                          <a:latin typeface="+mn-lt"/>
+                          <a:ea typeface="+mn-ea"/>
+                          <a:cs typeface="+mn-cs"/>
+                        </a:rPr>
+                        <a:t>0.0013531</a:t>
+                      </a:r>
+                    </a:p>
+                  </a:txBody>
+                  <a:tcPr/>
+                </a:tc>
+                <a:extLst>
+                  <a:ext uri="{0D108BD9-81ED-4DB2-BD59-A6C34878D82A}">
+                    <a16:rowId xmlns:a16="http://schemas.microsoft.com/office/drawing/2014/main" val="3614287947"/>
+                  </a:ext>
+                </a:extLst>
+              </a:tr>
+              <a:tr h="370840">
+                <a:tc>
+                  <a:txBody>
+                    <a:bodyPr/>
+                    <a:lstStyle/>
+                    <a:p>
+                      <a:r>
+                        <a:rPr lang="en-US" dirty="0"/>
+                        <a:t>MLP</a:t>
+                      </a:r>
+                      <a:endParaRPr lang="en-SG" dirty="0"/>
+                    </a:p>
+                  </a:txBody>
+                  <a:tcPr/>
+                </a:tc>
+                <a:tc>
+                  <a:txBody>
+                    <a:bodyPr/>
+                    <a:lstStyle/>
+                    <a:p>
+                      <a:pPr marL="0" marR="0" lvl="0" indent="0" algn="l" defTabSz="914400" rtl="0" eaLnBrk="1" fontAlgn="auto" latinLnBrk="0" hangingPunct="1">
+                        <a:lnSpc>
+                          <a:spcPct val="100000"/>
+                        </a:lnSpc>
+                        <a:spcBef>
+                          <a:spcPts val="0"/>
+                        </a:spcBef>
+                        <a:spcAft>
+                          <a:spcPts val="0"/>
+                        </a:spcAft>
+                        <a:buClrTx/>
+                        <a:buSzTx/>
+                        <a:buFontTx/>
+                        <a:buNone/>
+                        <a:tabLst/>
+                        <a:defRPr/>
+                      </a:pPr>
+                      <a:r>
+                        <a:rPr lang="en-SG" sz="1800" b="0" kern="1200" dirty="0">
+                          <a:solidFill>
+                            <a:schemeClr val="dk1"/>
+                          </a:solidFill>
+                          <a:effectLst/>
+                          <a:latin typeface="+mn-lt"/>
+                          <a:ea typeface="+mn-ea"/>
+                          <a:cs typeface="+mn-cs"/>
+                        </a:rPr>
+                        <a:t>0.7407</a:t>
+                      </a:r>
+                    </a:p>
+                  </a:txBody>
+                  <a:tcPr/>
+                </a:tc>
+                <a:tc>
+                  <a:txBody>
+                    <a:bodyPr/>
+                    <a:lstStyle/>
+                    <a:p>
+                      <a:pPr marL="0" marR="0" lvl="0" indent="0" algn="l" defTabSz="914400" rtl="0" eaLnBrk="1" fontAlgn="auto" latinLnBrk="0" hangingPunct="1">
+                        <a:lnSpc>
+                          <a:spcPct val="100000"/>
+                        </a:lnSpc>
+                        <a:spcBef>
+                          <a:spcPts val="0"/>
+                        </a:spcBef>
+                        <a:spcAft>
+                          <a:spcPts val="0"/>
+                        </a:spcAft>
+                        <a:buClrTx/>
+                        <a:buSzTx/>
+                        <a:buFontTx/>
+                        <a:buNone/>
+                        <a:tabLst/>
+                        <a:defRPr/>
+                      </a:pPr>
+                      <a:r>
+                        <a:rPr lang="en-SG" sz="1800" b="0" kern="1200" dirty="0">
+                          <a:solidFill>
+                            <a:schemeClr val="dk1"/>
+                          </a:solidFill>
+                          <a:effectLst/>
+                          <a:latin typeface="+mn-lt"/>
+                          <a:ea typeface="+mn-ea"/>
+                          <a:cs typeface="+mn-cs"/>
+                        </a:rPr>
+                        <a:t>0.5802</a:t>
+                      </a:r>
+                    </a:p>
+                  </a:txBody>
+                  <a:tcPr/>
+                </a:tc>
+                <a:tc>
+                  <a:txBody>
+                    <a:bodyPr/>
+                    <a:lstStyle/>
+                    <a:p>
+                      <a:pPr marL="0" marR="0" lvl="0" indent="0" algn="l" defTabSz="914400" rtl="0" eaLnBrk="1" fontAlgn="auto" latinLnBrk="0" hangingPunct="1">
+                        <a:lnSpc>
+                          <a:spcPct val="100000"/>
+                        </a:lnSpc>
+                        <a:spcBef>
+                          <a:spcPts val="0"/>
+                        </a:spcBef>
+                        <a:spcAft>
+                          <a:spcPts val="0"/>
+                        </a:spcAft>
+                        <a:buClrTx/>
+                        <a:buSzTx/>
+                        <a:buFontTx/>
+                        <a:buNone/>
+                        <a:tabLst/>
+                        <a:defRPr/>
+                      </a:pPr>
+                      <a:r>
+                        <a:rPr lang="en-SG" sz="1800" b="0" kern="1200" dirty="0">
+                          <a:solidFill>
+                            <a:schemeClr val="dk1"/>
+                          </a:solidFill>
+                          <a:effectLst/>
+                          <a:latin typeface="+mn-lt"/>
+                          <a:ea typeface="+mn-ea"/>
+                          <a:cs typeface="+mn-cs"/>
+                        </a:rPr>
+                        <a:t>0.6596</a:t>
+                      </a:r>
+                    </a:p>
+                  </a:txBody>
+                  <a:tcPr/>
+                </a:tc>
+                <a:tc>
+                  <a:txBody>
+                    <a:bodyPr/>
+                    <a:lstStyle/>
+                    <a:p>
+                      <a:pPr marL="0" marR="0" lvl="0" indent="0" algn="l" defTabSz="914400" rtl="0" eaLnBrk="1" fontAlgn="auto" latinLnBrk="0" hangingPunct="1">
+                        <a:lnSpc>
+                          <a:spcPct val="100000"/>
+                        </a:lnSpc>
+                        <a:spcBef>
+                          <a:spcPts val="0"/>
+                        </a:spcBef>
+                        <a:spcAft>
+                          <a:spcPts val="0"/>
+                        </a:spcAft>
+                        <a:buClrTx/>
+                        <a:buSzTx/>
+                        <a:buFontTx/>
+                        <a:buNone/>
+                        <a:tabLst/>
+                        <a:defRPr/>
+                      </a:pPr>
+                      <a:r>
+                        <a:rPr lang="en-SG" sz="1800" b="0" kern="1200" dirty="0">
+                          <a:solidFill>
+                            <a:schemeClr val="dk1"/>
+                          </a:solidFill>
+                          <a:effectLst/>
+                          <a:latin typeface="+mn-lt"/>
+                          <a:ea typeface="+mn-ea"/>
+                          <a:cs typeface="+mn-cs"/>
+                        </a:rPr>
+                        <a:t>0.0013946</a:t>
+                      </a:r>
+                    </a:p>
+                  </a:txBody>
+                  <a:tcPr/>
+                </a:tc>
+                <a:extLst>
+                  <a:ext uri="{0D108BD9-81ED-4DB2-BD59-A6C34878D82A}">
+                    <a16:rowId xmlns:a16="http://schemas.microsoft.com/office/drawing/2014/main" val="2374461433"/>
+                  </a:ext>
+                </a:extLst>
+              </a:tr>
+            </a:tbl>
+          </a:graphicData>
+        </a:graphic>
+      </p:graphicFrame>
+      <p:graphicFrame>
+        <p:nvGraphicFramePr>
+          <p:cNvPr id="7" name="Table 6">
+            <a:extLst>
+              <a:ext uri="{FF2B5EF4-FFF2-40B4-BE49-F238E27FC236}">
+                <a16:creationId xmlns:a16="http://schemas.microsoft.com/office/drawing/2014/main" id="{9D2C2394-895A-4F80-A478-766D412613D3}"/>
+              </a:ext>
+            </a:extLst>
+          </p:cNvPr>
+          <p:cNvGraphicFramePr>
+            <a:graphicFrameLocks noGrp="1"/>
+          </p:cNvGraphicFramePr>
+          <p:nvPr>
+            <p:extLst>
+              <p:ext uri="{D42A27DB-BD31-4B8C-83A1-F6EECF244321}">
+                <p14:modId xmlns:p14="http://schemas.microsoft.com/office/powerpoint/2010/main" val="1796244890"/>
+              </p:ext>
+            </p:extLst>
+          </p:nvPr>
+        </p:nvGraphicFramePr>
+        <p:xfrm>
+          <a:off x="2032000" y="4509980"/>
+          <a:ext cx="8128000" cy="1483360"/>
+        </p:xfrm>
+        <a:graphic>
+          <a:graphicData uri="http://schemas.openxmlformats.org/drawingml/2006/table">
+            <a:tbl>
+              <a:tblPr firstRow="1" bandRow="1">
+                <a:tableStyleId>{5C22544A-7EE6-4342-B048-85BDC9FD1C3A}</a:tableStyleId>
+              </a:tblPr>
+              <a:tblGrid>
+                <a:gridCol w="1625600">
+                  <a:extLst>
+                    <a:ext uri="{9D8B030D-6E8A-4147-A177-3AD203B41FA5}">
+                      <a16:colId xmlns:a16="http://schemas.microsoft.com/office/drawing/2014/main" val="2341769299"/>
+                    </a:ext>
+                  </a:extLst>
+                </a:gridCol>
+                <a:gridCol w="1625600">
+                  <a:extLst>
+                    <a:ext uri="{9D8B030D-6E8A-4147-A177-3AD203B41FA5}">
+                      <a16:colId xmlns:a16="http://schemas.microsoft.com/office/drawing/2014/main" val="855739485"/>
+                    </a:ext>
+                  </a:extLst>
+                </a:gridCol>
+                <a:gridCol w="1625600">
+                  <a:extLst>
+                    <a:ext uri="{9D8B030D-6E8A-4147-A177-3AD203B41FA5}">
+                      <a16:colId xmlns:a16="http://schemas.microsoft.com/office/drawing/2014/main" val="2723143775"/>
+                    </a:ext>
+                  </a:extLst>
+                </a:gridCol>
+                <a:gridCol w="1625600">
+                  <a:extLst>
+                    <a:ext uri="{9D8B030D-6E8A-4147-A177-3AD203B41FA5}">
+                      <a16:colId xmlns:a16="http://schemas.microsoft.com/office/drawing/2014/main" val="369771862"/>
+                    </a:ext>
+                  </a:extLst>
+                </a:gridCol>
+                <a:gridCol w="1625600">
+                  <a:extLst>
+                    <a:ext uri="{9D8B030D-6E8A-4147-A177-3AD203B41FA5}">
+                      <a16:colId xmlns:a16="http://schemas.microsoft.com/office/drawing/2014/main" val="1615960179"/>
+                    </a:ext>
+                  </a:extLst>
+                </a:gridCol>
+              </a:tblGrid>
+              <a:tr h="370840">
+                <a:tc>
+                  <a:txBody>
+                    <a:bodyPr/>
+                    <a:lstStyle/>
+                    <a:p>
+                      <a:r>
+                        <a:rPr lang="en-US" dirty="0"/>
+                        <a:t>Dynamic</a:t>
+                      </a:r>
+                      <a:endParaRPr lang="en-SG" dirty="0"/>
+                    </a:p>
+                  </a:txBody>
+                  <a:tcPr/>
+                </a:tc>
+                <a:tc>
+                  <a:txBody>
+                    <a:bodyPr/>
+                    <a:lstStyle/>
+                    <a:p>
+                      <a:r>
+                        <a:rPr lang="en-US" dirty="0"/>
+                        <a:t>Max</a:t>
+                      </a:r>
+                      <a:endParaRPr lang="en-SG" dirty="0"/>
+                    </a:p>
+                  </a:txBody>
+                  <a:tcPr/>
+                </a:tc>
+                <a:tc>
+                  <a:txBody>
+                    <a:bodyPr/>
+                    <a:lstStyle/>
+                    <a:p>
+                      <a:r>
+                        <a:rPr lang="en-US" dirty="0"/>
+                        <a:t>Min</a:t>
+                      </a:r>
+                      <a:endParaRPr lang="en-SG" dirty="0"/>
+                    </a:p>
+                  </a:txBody>
+                  <a:tcPr/>
+                </a:tc>
+                <a:tc>
+                  <a:txBody>
+                    <a:bodyPr/>
+                    <a:lstStyle/>
+                    <a:p>
+                      <a:r>
+                        <a:rPr lang="en-US" dirty="0"/>
+                        <a:t>Mean</a:t>
+                      </a:r>
+                      <a:endParaRPr lang="en-SG" dirty="0"/>
+                    </a:p>
+                  </a:txBody>
+                  <a:tcPr/>
+                </a:tc>
+                <a:tc>
+                  <a:txBody>
+                    <a:bodyPr/>
+                    <a:lstStyle/>
+                    <a:p>
+                      <a:r>
+                        <a:rPr lang="en-US" dirty="0"/>
+                        <a:t>Var</a:t>
+                      </a:r>
+                      <a:endParaRPr lang="en-SG" dirty="0"/>
+                    </a:p>
+                  </a:txBody>
+                  <a:tcPr/>
+                </a:tc>
+                <a:extLst>
+                  <a:ext uri="{0D108BD9-81ED-4DB2-BD59-A6C34878D82A}">
+                    <a16:rowId xmlns:a16="http://schemas.microsoft.com/office/drawing/2014/main" val="301508271"/>
+                  </a:ext>
+                </a:extLst>
+              </a:tr>
+              <a:tr h="370840">
+                <a:tc>
+                  <a:txBody>
+                    <a:bodyPr/>
+                    <a:lstStyle/>
+                    <a:p>
+                      <a:r>
+                        <a:rPr lang="en-US" dirty="0"/>
+                        <a:t>STD</a:t>
+                      </a:r>
+                      <a:endParaRPr lang="en-SG" dirty="0"/>
+                    </a:p>
+                  </a:txBody>
+                  <a:tcPr/>
+                </a:tc>
+                <a:tc>
+                  <a:txBody>
+                    <a:bodyPr/>
+                    <a:lstStyle/>
+                    <a:p>
+                      <a:r>
+                        <a:rPr lang="en-SG" sz="1800" b="0" kern="1200" dirty="0">
+                          <a:solidFill>
+                            <a:schemeClr val="dk1"/>
+                          </a:solidFill>
+                          <a:effectLst/>
+                          <a:latin typeface="+mn-lt"/>
+                          <a:ea typeface="+mn-ea"/>
+                          <a:cs typeface="+mn-cs"/>
+                        </a:rPr>
+                        <a:t>0.7198</a:t>
+                      </a:r>
+                    </a:p>
+                  </a:txBody>
+                  <a:tcPr/>
+                </a:tc>
+                <a:tc>
+                  <a:txBody>
+                    <a:bodyPr/>
+                    <a:lstStyle/>
+                    <a:p>
+                      <a:pPr marL="0" marR="0" lvl="0" indent="0" algn="l" defTabSz="914400" rtl="0" eaLnBrk="1" fontAlgn="auto" latinLnBrk="0" hangingPunct="1">
+                        <a:lnSpc>
+                          <a:spcPct val="100000"/>
+                        </a:lnSpc>
+                        <a:spcBef>
+                          <a:spcPts val="0"/>
+                        </a:spcBef>
+                        <a:spcAft>
+                          <a:spcPts val="0"/>
+                        </a:spcAft>
+                        <a:buClrTx/>
+                        <a:buSzTx/>
+                        <a:buFontTx/>
+                        <a:buNone/>
+                        <a:tabLst/>
+                        <a:defRPr/>
+                      </a:pPr>
+                      <a:r>
+                        <a:rPr lang="en-SG" sz="1800" b="0" kern="1200" dirty="0">
+                          <a:solidFill>
+                            <a:schemeClr val="dk1"/>
+                          </a:solidFill>
+                          <a:effectLst/>
+                          <a:latin typeface="+mn-lt"/>
+                          <a:ea typeface="+mn-ea"/>
+                          <a:cs typeface="+mn-cs"/>
+                        </a:rPr>
+                        <a:t>0.4879</a:t>
+                      </a:r>
+                    </a:p>
+                  </a:txBody>
+                  <a:tcPr/>
+                </a:tc>
+                <a:tc>
+                  <a:txBody>
+                    <a:bodyPr/>
+                    <a:lstStyle/>
+                    <a:p>
+                      <a:pPr marL="0" marR="0" lvl="0" indent="0" algn="l" defTabSz="914400" rtl="0" eaLnBrk="1" fontAlgn="auto" latinLnBrk="0" hangingPunct="1">
+                        <a:lnSpc>
+                          <a:spcPct val="100000"/>
+                        </a:lnSpc>
+                        <a:spcBef>
+                          <a:spcPts val="0"/>
+                        </a:spcBef>
+                        <a:spcAft>
+                          <a:spcPts val="0"/>
+                        </a:spcAft>
+                        <a:buClrTx/>
+                        <a:buSzTx/>
+                        <a:buFontTx/>
+                        <a:buNone/>
+                        <a:tabLst/>
+                        <a:defRPr/>
+                      </a:pPr>
+                      <a:r>
+                        <a:rPr lang="en-SG" sz="1800" b="0" kern="1200" dirty="0">
+                          <a:solidFill>
+                            <a:schemeClr val="dk1"/>
+                          </a:solidFill>
+                          <a:effectLst/>
+                          <a:latin typeface="+mn-lt"/>
+                          <a:ea typeface="+mn-ea"/>
+                          <a:cs typeface="+mn-cs"/>
+                        </a:rPr>
+                        <a:t>0.5895</a:t>
+                      </a:r>
+                    </a:p>
+                  </a:txBody>
+                  <a:tcPr/>
+                </a:tc>
+                <a:tc>
+                  <a:txBody>
+                    <a:bodyPr/>
+                    <a:lstStyle/>
+                    <a:p>
+                      <a:pPr marL="0" marR="0" lvl="0" indent="0" algn="l" defTabSz="914400" rtl="0" eaLnBrk="1" fontAlgn="auto" latinLnBrk="0" hangingPunct="1">
+                        <a:lnSpc>
+                          <a:spcPct val="100000"/>
+                        </a:lnSpc>
+                        <a:spcBef>
+                          <a:spcPts val="0"/>
+                        </a:spcBef>
+                        <a:spcAft>
+                          <a:spcPts val="0"/>
+                        </a:spcAft>
+                        <a:buClrTx/>
+                        <a:buSzTx/>
+                        <a:buFontTx/>
+                        <a:buNone/>
+                        <a:tabLst/>
+                        <a:defRPr/>
+                      </a:pPr>
+                      <a:r>
+                        <a:rPr lang="en-SG" sz="1800" b="0" kern="1200" dirty="0">
+                          <a:solidFill>
+                            <a:schemeClr val="dk1"/>
+                          </a:solidFill>
+                          <a:effectLst/>
+                          <a:latin typeface="+mn-lt"/>
+                          <a:ea typeface="+mn-ea"/>
+                          <a:cs typeface="+mn-cs"/>
+                        </a:rPr>
+                        <a:t>0.003953712</a:t>
+                      </a:r>
+                    </a:p>
+                  </a:txBody>
+                  <a:tcPr/>
+                </a:tc>
+                <a:extLst>
+                  <a:ext uri="{0D108BD9-81ED-4DB2-BD59-A6C34878D82A}">
+                    <a16:rowId xmlns:a16="http://schemas.microsoft.com/office/drawing/2014/main" val="220390494"/>
+                  </a:ext>
+                </a:extLst>
+              </a:tr>
+              <a:tr h="370840">
+                <a:tc>
+                  <a:txBody>
+                    <a:bodyPr/>
+                    <a:lstStyle/>
+                    <a:p>
+                      <a:r>
+                        <a:rPr lang="en-US" dirty="0"/>
+                        <a:t>FIT</a:t>
+                      </a:r>
+                      <a:endParaRPr lang="en-SG" dirty="0"/>
+                    </a:p>
+                  </a:txBody>
+                  <a:tcPr/>
+                </a:tc>
+                <a:tc>
+                  <a:txBody>
+                    <a:bodyPr/>
+                    <a:lstStyle/>
+                    <a:p>
+                      <a:pPr marL="0" marR="0" lvl="0" indent="0" algn="l" defTabSz="914400" rtl="0" eaLnBrk="1" fontAlgn="auto" latinLnBrk="0" hangingPunct="1">
+                        <a:lnSpc>
+                          <a:spcPct val="100000"/>
+                        </a:lnSpc>
+                        <a:spcBef>
+                          <a:spcPts val="0"/>
+                        </a:spcBef>
+                        <a:spcAft>
+                          <a:spcPts val="0"/>
+                        </a:spcAft>
+                        <a:buClrTx/>
+                        <a:buSzTx/>
+                        <a:buFontTx/>
+                        <a:buNone/>
+                        <a:tabLst/>
+                        <a:defRPr/>
+                      </a:pPr>
+                      <a:r>
+                        <a:rPr lang="en-SG" sz="1800" b="0" kern="1200" dirty="0">
+                          <a:solidFill>
+                            <a:srgbClr val="FF0000"/>
+                          </a:solidFill>
+                          <a:effectLst/>
+                          <a:latin typeface="+mn-lt"/>
+                          <a:ea typeface="+mn-ea"/>
+                          <a:cs typeface="+mn-cs"/>
+                        </a:rPr>
+                        <a:t>0.9227</a:t>
+                      </a:r>
+                    </a:p>
+                  </a:txBody>
+                  <a:tcPr/>
+                </a:tc>
+                <a:tc>
+                  <a:txBody>
+                    <a:bodyPr/>
+                    <a:lstStyle/>
+                    <a:p>
+                      <a:pPr marL="0" marR="0" lvl="0" indent="0" algn="l" defTabSz="914400" rtl="0" eaLnBrk="1" fontAlgn="auto" latinLnBrk="0" hangingPunct="1">
+                        <a:lnSpc>
+                          <a:spcPct val="100000"/>
+                        </a:lnSpc>
+                        <a:spcBef>
+                          <a:spcPts val="0"/>
+                        </a:spcBef>
+                        <a:spcAft>
+                          <a:spcPts val="0"/>
+                        </a:spcAft>
+                        <a:buClrTx/>
+                        <a:buSzTx/>
+                        <a:buFontTx/>
+                        <a:buNone/>
+                        <a:tabLst/>
+                        <a:defRPr/>
+                      </a:pPr>
+                      <a:r>
+                        <a:rPr lang="en-SG" sz="1800" b="0" kern="1200" dirty="0">
+                          <a:solidFill>
+                            <a:srgbClr val="FF0000"/>
+                          </a:solidFill>
+                          <a:effectLst/>
+                          <a:latin typeface="+mn-lt"/>
+                          <a:ea typeface="+mn-ea"/>
+                          <a:cs typeface="+mn-cs"/>
+                        </a:rPr>
+                        <a:t>0.8743</a:t>
+                      </a:r>
+                    </a:p>
+                  </a:txBody>
+                  <a:tcPr/>
+                </a:tc>
+                <a:tc>
+                  <a:txBody>
+                    <a:bodyPr/>
+                    <a:lstStyle/>
+                    <a:p>
+                      <a:pPr marL="0" marR="0" lvl="0" indent="0" algn="l" defTabSz="914400" rtl="0" eaLnBrk="1" fontAlgn="auto" latinLnBrk="0" hangingPunct="1">
+                        <a:lnSpc>
+                          <a:spcPct val="100000"/>
+                        </a:lnSpc>
+                        <a:spcBef>
+                          <a:spcPts val="0"/>
+                        </a:spcBef>
+                        <a:spcAft>
+                          <a:spcPts val="0"/>
+                        </a:spcAft>
+                        <a:buClrTx/>
+                        <a:buSzTx/>
+                        <a:buFontTx/>
+                        <a:buNone/>
+                        <a:tabLst/>
+                        <a:defRPr/>
+                      </a:pPr>
+                      <a:r>
+                        <a:rPr lang="en-SG" sz="1800" b="0" kern="1200" dirty="0">
+                          <a:solidFill>
+                            <a:srgbClr val="FF0000"/>
+                          </a:solidFill>
+                          <a:effectLst/>
+                          <a:latin typeface="+mn-lt"/>
+                          <a:ea typeface="+mn-ea"/>
+                          <a:cs typeface="+mn-cs"/>
+                        </a:rPr>
+                        <a:t>0.8964</a:t>
+                      </a:r>
+                    </a:p>
+                  </a:txBody>
+                  <a:tcPr/>
+                </a:tc>
+                <a:tc>
+                  <a:txBody>
+                    <a:bodyPr/>
+                    <a:lstStyle/>
+                    <a:p>
+                      <a:pPr marL="0" marR="0" lvl="0" indent="0" algn="l" defTabSz="914400" rtl="0" eaLnBrk="1" fontAlgn="auto" latinLnBrk="0" hangingPunct="1">
+                        <a:lnSpc>
+                          <a:spcPct val="100000"/>
+                        </a:lnSpc>
+                        <a:spcBef>
+                          <a:spcPts val="0"/>
+                        </a:spcBef>
+                        <a:spcAft>
+                          <a:spcPts val="0"/>
+                        </a:spcAft>
+                        <a:buClrTx/>
+                        <a:buSzTx/>
+                        <a:buFontTx/>
+                        <a:buNone/>
+                        <a:tabLst/>
+                        <a:defRPr/>
+                      </a:pPr>
+                      <a:r>
+                        <a:rPr lang="en-SG" sz="1800" b="0" kern="1200" dirty="0">
+                          <a:solidFill>
+                            <a:srgbClr val="FF0000"/>
+                          </a:solidFill>
+                          <a:effectLst/>
+                          <a:latin typeface="+mn-lt"/>
+                          <a:ea typeface="+mn-ea"/>
+                          <a:cs typeface="+mn-cs"/>
+                        </a:rPr>
+                        <a:t>0.000158830</a:t>
+                      </a:r>
+                    </a:p>
+                  </a:txBody>
+                  <a:tcPr/>
+                </a:tc>
+                <a:extLst>
+                  <a:ext uri="{0D108BD9-81ED-4DB2-BD59-A6C34878D82A}">
+                    <a16:rowId xmlns:a16="http://schemas.microsoft.com/office/drawing/2014/main" val="3614287947"/>
+                  </a:ext>
+                </a:extLst>
+              </a:tr>
+              <a:tr h="370840">
+                <a:tc>
+                  <a:txBody>
+                    <a:bodyPr/>
+                    <a:lstStyle/>
+                    <a:p>
+                      <a:r>
+                        <a:rPr lang="en-US" dirty="0"/>
+                        <a:t>MLP</a:t>
+                      </a:r>
+                      <a:endParaRPr lang="en-SG" dirty="0"/>
+                    </a:p>
+                  </a:txBody>
+                  <a:tcPr/>
+                </a:tc>
+                <a:tc>
+                  <a:txBody>
+                    <a:bodyPr/>
+                    <a:lstStyle/>
+                    <a:p>
+                      <a:pPr marL="0" marR="0" lvl="0" indent="0" algn="l" defTabSz="914400" rtl="0" eaLnBrk="1" fontAlgn="auto" latinLnBrk="0" hangingPunct="1">
+                        <a:lnSpc>
+                          <a:spcPct val="100000"/>
+                        </a:lnSpc>
+                        <a:spcBef>
+                          <a:spcPts val="0"/>
+                        </a:spcBef>
+                        <a:spcAft>
+                          <a:spcPts val="0"/>
+                        </a:spcAft>
+                        <a:buClrTx/>
+                        <a:buSzTx/>
+                        <a:buFontTx/>
+                        <a:buNone/>
+                        <a:tabLst/>
+                        <a:defRPr/>
+                      </a:pPr>
+                      <a:r>
+                        <a:rPr lang="en-SG" sz="1800" b="0" kern="1200" dirty="0">
+                          <a:solidFill>
+                            <a:schemeClr val="dk1"/>
+                          </a:solidFill>
+                          <a:effectLst/>
+                          <a:latin typeface="+mn-lt"/>
+                          <a:ea typeface="+mn-ea"/>
+                          <a:cs typeface="+mn-cs"/>
+                        </a:rPr>
+                        <a:t>0.9178</a:t>
+                      </a:r>
+                    </a:p>
+                  </a:txBody>
+                  <a:tcPr/>
+                </a:tc>
+                <a:tc>
+                  <a:txBody>
+                    <a:bodyPr/>
+                    <a:lstStyle/>
+                    <a:p>
+                      <a:pPr marL="0" marR="0" lvl="0" indent="0" algn="l" defTabSz="914400" rtl="0" eaLnBrk="1" fontAlgn="auto" latinLnBrk="0" hangingPunct="1">
+                        <a:lnSpc>
+                          <a:spcPct val="100000"/>
+                        </a:lnSpc>
+                        <a:spcBef>
+                          <a:spcPts val="0"/>
+                        </a:spcBef>
+                        <a:spcAft>
+                          <a:spcPts val="0"/>
+                        </a:spcAft>
+                        <a:buClrTx/>
+                        <a:buSzTx/>
+                        <a:buFontTx/>
+                        <a:buNone/>
+                        <a:tabLst/>
+                        <a:defRPr/>
+                      </a:pPr>
+                      <a:r>
+                        <a:rPr lang="en-SG" sz="1800" b="0" kern="1200" dirty="0">
+                          <a:solidFill>
+                            <a:schemeClr val="dk1"/>
+                          </a:solidFill>
+                          <a:effectLst/>
+                          <a:latin typeface="+mn-lt"/>
+                          <a:ea typeface="+mn-ea"/>
+                          <a:cs typeface="+mn-cs"/>
+                        </a:rPr>
+                        <a:t>0.8599</a:t>
+                      </a:r>
+                    </a:p>
+                  </a:txBody>
+                  <a:tcPr/>
+                </a:tc>
+                <a:tc>
+                  <a:txBody>
+                    <a:bodyPr/>
+                    <a:lstStyle/>
+                    <a:p>
+                      <a:pPr marL="0" marR="0" lvl="0" indent="0" algn="l" defTabSz="914400" rtl="0" eaLnBrk="1" fontAlgn="auto" latinLnBrk="0" hangingPunct="1">
+                        <a:lnSpc>
+                          <a:spcPct val="100000"/>
+                        </a:lnSpc>
+                        <a:spcBef>
+                          <a:spcPts val="0"/>
+                        </a:spcBef>
+                        <a:spcAft>
+                          <a:spcPts val="0"/>
+                        </a:spcAft>
+                        <a:buClrTx/>
+                        <a:buSzTx/>
+                        <a:buFontTx/>
+                        <a:buNone/>
+                        <a:tabLst/>
+                        <a:defRPr/>
+                      </a:pPr>
+                      <a:r>
+                        <a:rPr lang="en-SG" sz="1800" b="0" kern="1200" dirty="0">
+                          <a:solidFill>
+                            <a:schemeClr val="dk1"/>
+                          </a:solidFill>
+                          <a:effectLst/>
+                          <a:latin typeface="+mn-lt"/>
+                          <a:ea typeface="+mn-ea"/>
+                          <a:cs typeface="+mn-cs"/>
+                        </a:rPr>
+                        <a:t>0.8863</a:t>
+                      </a:r>
+                    </a:p>
+                  </a:txBody>
+                  <a:tcPr/>
+                </a:tc>
+                <a:tc>
+                  <a:txBody>
+                    <a:bodyPr/>
+                    <a:lstStyle/>
+                    <a:p>
+                      <a:pPr marL="0" marR="0" lvl="0" indent="0" algn="l" defTabSz="914400" rtl="0" eaLnBrk="1" fontAlgn="auto" latinLnBrk="0" hangingPunct="1">
+                        <a:lnSpc>
+                          <a:spcPct val="100000"/>
+                        </a:lnSpc>
+                        <a:spcBef>
+                          <a:spcPts val="0"/>
+                        </a:spcBef>
+                        <a:spcAft>
+                          <a:spcPts val="0"/>
+                        </a:spcAft>
+                        <a:buClrTx/>
+                        <a:buSzTx/>
+                        <a:buFontTx/>
+                        <a:buNone/>
+                        <a:tabLst/>
+                        <a:defRPr/>
+                      </a:pPr>
+                      <a:r>
+                        <a:rPr lang="en-SG" sz="1800" b="0" kern="1200" dirty="0">
+                          <a:solidFill>
+                            <a:schemeClr val="dk1"/>
+                          </a:solidFill>
+                          <a:effectLst/>
+                          <a:latin typeface="+mn-lt"/>
+                          <a:ea typeface="+mn-ea"/>
+                          <a:cs typeface="+mn-cs"/>
+                        </a:rPr>
+                        <a:t>0.000199148</a:t>
+                      </a:r>
+                    </a:p>
+                  </a:txBody>
+                  <a:tcPr/>
+                </a:tc>
+                <a:extLst>
+                  <a:ext uri="{0D108BD9-81ED-4DB2-BD59-A6C34878D82A}">
+                    <a16:rowId xmlns:a16="http://schemas.microsoft.com/office/drawing/2014/main" val="2374461433"/>
+                  </a:ext>
+                </a:extLst>
+              </a:tr>
+            </a:tbl>
+          </a:graphicData>
+        </a:graphic>
+      </p:graphicFrame>
+      <p:pic>
+        <p:nvPicPr>
+          <p:cNvPr id="3" name="Picture 2">
+            <a:extLst>
+              <a:ext uri="{FF2B5EF4-FFF2-40B4-BE49-F238E27FC236}">
+                <a16:creationId xmlns:a16="http://schemas.microsoft.com/office/drawing/2014/main" id="{3E6B7C02-7ADB-4112-8C1D-A48B3A6E81D7}"/>
+              </a:ext>
+            </a:extLst>
+          </p:cNvPr>
+          <p:cNvPicPr>
+            <a:picLocks noChangeAspect="1"/>
+          </p:cNvPicPr>
+          <p:nvPr/>
+        </p:nvPicPr>
+        <p:blipFill>
+          <a:blip r:embed="rId3"/>
+          <a:stretch>
+            <a:fillRect/>
+          </a:stretch>
+        </p:blipFill>
+        <p:spPr>
+          <a:xfrm>
+            <a:off x="1923716" y="720138"/>
+            <a:ext cx="4905375" cy="838200"/>
+          </a:xfrm>
+          <a:prstGeom prst="rect">
+            <a:avLst/>
+          </a:prstGeom>
+        </p:spPr>
+      </p:pic>
+      <p:pic>
+        <p:nvPicPr>
+          <p:cNvPr id="5" name="Picture 4">
+            <a:extLst>
+              <a:ext uri="{FF2B5EF4-FFF2-40B4-BE49-F238E27FC236}">
+                <a16:creationId xmlns:a16="http://schemas.microsoft.com/office/drawing/2014/main" id="{57634244-AA9C-4B9D-9C6F-C9B1F1288D7F}"/>
+              </a:ext>
+            </a:extLst>
+          </p:cNvPr>
+          <p:cNvPicPr>
+            <a:picLocks noChangeAspect="1"/>
+          </p:cNvPicPr>
+          <p:nvPr/>
+        </p:nvPicPr>
+        <p:blipFill>
+          <a:blip r:embed="rId4"/>
+          <a:stretch>
+            <a:fillRect/>
+          </a:stretch>
+        </p:blipFill>
+        <p:spPr>
+          <a:xfrm>
+            <a:off x="2032000" y="3251725"/>
+            <a:ext cx="3800475" cy="1181100"/>
+          </a:xfrm>
+          <a:prstGeom prst="rect">
+            <a:avLst/>
+          </a:prstGeom>
+        </p:spPr>
+      </p:pic>
+    </p:spTree>
+    <p:extLst>
+      <p:ext uri="{BB962C8B-B14F-4D97-AF65-F5344CB8AC3E}">
+        <p14:creationId xmlns:p14="http://schemas.microsoft.com/office/powerpoint/2010/main" val="1191497076"/>
+      </p:ext>
+    </p:extLst>
+  </p:cSld>
+  <p:clrMapOvr>
+    <a:masterClrMapping/>
+  </p:clrMapOvr>
+</p:sld>
+</file>
+
+<file path=ppt/slides/slide4.xml><?xml version="1.0" encoding="utf-8"?>
+<p:sld xmlns:a="http://schemas.openxmlformats.org/drawingml/2006/main" xmlns:r="http://schemas.openxmlformats.org/officeDocument/2006/relationships" xmlns:p="http://schemas.openxmlformats.org/presentationml/2006/main">
+  <p:cSld>
+    <p:spTree>
+      <p:nvGrpSpPr>
+        <p:cNvPr id="1" name=""/>
+        <p:cNvGrpSpPr/>
+        <p:nvPr/>
+      </p:nvGrpSpPr>
+      <p:grpSpPr>
+        <a:xfrm>
+          <a:off x="0" y="0"/>
+          <a:ext cx="0" cy="0"/>
+          <a:chOff x="0" y="0"/>
+          <a:chExt cx="0" cy="0"/>
+        </a:xfrm>
+      </p:grpSpPr>
+      <p:graphicFrame>
+        <p:nvGraphicFramePr>
           <p:cNvPr id="4" name="Table 4">
             <a:extLst>
               <a:ext uri="{FF2B5EF4-FFF2-40B4-BE49-F238E27FC236}">
@@ -3362,7 +8091,7 @@
           <p:nvPr>
             <p:extLst>
               <p:ext uri="{D42A27DB-BD31-4B8C-83A1-F6EECF244321}">
-                <p14:modId xmlns:p14="http://schemas.microsoft.com/office/powerpoint/2010/main" val="925097690"/>
+                <p14:modId xmlns:p14="http://schemas.microsoft.com/office/powerpoint/2010/main" val="1079020058"/>
               </p:ext>
             </p:extLst>
           </p:nvPr>
@@ -3622,17 +8351,73 @@
                     <a:bodyPr/>
                     <a:lstStyle/>
                     <a:p>
-                      <a:endParaRPr lang="en-SG" dirty="0"/>
-                    </a:p>
-                  </a:txBody>
-                  <a:tcPr/>
-                </a:tc>
-                <a:tc>
-                  <a:txBody>
-                    <a:bodyPr/>
-                    <a:lstStyle/>
-                    <a:p>
-                      <a:endParaRPr lang="en-SG" dirty="0"/>
+                      <a:pPr marL="0" marR="0" lvl="0" indent="0" algn="l" defTabSz="914400" rtl="0" eaLnBrk="1" fontAlgn="auto" latinLnBrk="0" hangingPunct="1">
+                        <a:lnSpc>
+                          <a:spcPct val="100000"/>
+                        </a:lnSpc>
+                        <a:spcBef>
+                          <a:spcPts val="0"/>
+                        </a:spcBef>
+                        <a:spcAft>
+                          <a:spcPts val="0"/>
+                        </a:spcAft>
+                        <a:buClrTx/>
+                        <a:buSzTx/>
+                        <a:buFontTx/>
+                        <a:buNone/>
+                        <a:tabLst/>
+                        <a:defRPr/>
+                      </a:pPr>
+                      <a:r>
+                        <a:rPr lang="en-SG" sz="1800" b="0" kern="1200" dirty="0">
+                          <a:solidFill>
+                            <a:srgbClr val="FF0000"/>
+                          </a:solidFill>
+                          <a:effectLst/>
+                          <a:latin typeface="+mn-lt"/>
+                          <a:ea typeface="+mn-ea"/>
+                          <a:cs typeface="+mn-cs"/>
+                        </a:rPr>
+                        <a:t>0.8500</a:t>
+                      </a:r>
+                    </a:p>
+                  </a:txBody>
+                  <a:tcPr/>
+                </a:tc>
+                <a:tc>
+                  <a:txBody>
+                    <a:bodyPr/>
+                    <a:lstStyle/>
+                    <a:p>
+                      <a:pPr marL="0" marR="0" lvl="0" indent="0" algn="l" defTabSz="914400" rtl="0" eaLnBrk="1" fontAlgn="auto" latinLnBrk="0" hangingPunct="1">
+                        <a:lnSpc>
+                          <a:spcPct val="100000"/>
+                        </a:lnSpc>
+                        <a:spcBef>
+                          <a:spcPts val="0"/>
+                        </a:spcBef>
+                        <a:spcAft>
+                          <a:spcPts val="0"/>
+                        </a:spcAft>
+                        <a:buClrTx/>
+                        <a:buSzTx/>
+                        <a:buFontTx/>
+                        <a:buNone/>
+                        <a:tabLst/>
+                        <a:defRPr/>
+                      </a:pPr>
+                      <a:r>
+                        <a:rPr lang="en-SG" sz="1800" b="0" kern="1200" dirty="0">
+                          <a:solidFill>
+                            <a:schemeClr val="dk1"/>
+                          </a:solidFill>
+                          <a:effectLst/>
+                          <a:latin typeface="+mn-lt"/>
+                          <a:ea typeface="+mn-ea"/>
+                          <a:cs typeface="+mn-cs"/>
+                        </a:rPr>
+                        <a:t>0.7603</a:t>
+                      </a:r>
                     </a:p>
                   </a:txBody>
                   <a:tcPr/>
@@ -3673,7 +8458,7 @@
                       <a:r>
                         <a:rPr lang="en-SG" sz="1800" b="0" i="0" u="none" strike="noStrike" kern="1200" baseline="0" dirty="0">
                           <a:solidFill>
-                            <a:schemeClr val="dk1"/>
+                            <a:srgbClr val="FF0000"/>
                           </a:solidFill>
                           <a:latin typeface="+mn-lt"/>
                           <a:ea typeface="+mn-ea"/>
@@ -3681,7 +8466,11 @@
                         </a:rPr>
                         <a:t>0.7820</a:t>
                       </a:r>
-                      <a:endParaRPr lang="en-SG" dirty="0"/>
+                      <a:endParaRPr lang="en-SG" dirty="0">
+                        <a:solidFill>
+                          <a:srgbClr val="FF0000"/>
+                        </a:solidFill>
+                      </a:endParaRPr>
                     </a:p>
                   </a:txBody>
                   <a:tcPr/>
@@ -4449,6 +9238,1239 @@
     <p:extLst>
       <p:ext uri="{BB962C8B-B14F-4D97-AF65-F5344CB8AC3E}">
         <p14:creationId xmlns:p14="http://schemas.microsoft.com/office/powerpoint/2010/main" val="1031829421"/>
+      </p:ext>
+    </p:extLst>
+  </p:cSld>
+  <p:clrMapOvr>
+    <a:masterClrMapping/>
+  </p:clrMapOvr>
+</p:sld>
+</file>
+
+<file path=ppt/slides/slide5.xml><?xml version="1.0" encoding="utf-8"?>
+<p:sld xmlns:a="http://schemas.openxmlformats.org/drawingml/2006/main" xmlns:r="http://schemas.openxmlformats.org/officeDocument/2006/relationships" xmlns:p="http://schemas.openxmlformats.org/presentationml/2006/main">
+  <p:cSld>
+    <p:spTree>
+      <p:nvGrpSpPr>
+        <p:cNvPr id="1" name=""/>
+        <p:cNvGrpSpPr/>
+        <p:nvPr/>
+      </p:nvGrpSpPr>
+      <p:grpSpPr>
+        <a:xfrm>
+          <a:off x="0" y="0"/>
+          <a:ext cx="0" cy="0"/>
+          <a:chOff x="0" y="0"/>
+          <a:chExt cx="0" cy="0"/>
+        </a:xfrm>
+      </p:grpSpPr>
+      <p:graphicFrame>
+        <p:nvGraphicFramePr>
+          <p:cNvPr id="4" name="Table 4">
+            <a:extLst>
+              <a:ext uri="{FF2B5EF4-FFF2-40B4-BE49-F238E27FC236}">
+                <a16:creationId xmlns:a16="http://schemas.microsoft.com/office/drawing/2014/main" id="{C531AC12-1289-4F9E-8EF5-BC0A3FB7A4F7}"/>
+              </a:ext>
+            </a:extLst>
+          </p:cNvPr>
+          <p:cNvGraphicFramePr>
+            <a:graphicFrameLocks noGrp="1"/>
+          </p:cNvGraphicFramePr>
+          <p:nvPr>
+            <p:extLst>
+              <p:ext uri="{D42A27DB-BD31-4B8C-83A1-F6EECF244321}">
+                <p14:modId xmlns:p14="http://schemas.microsoft.com/office/powerpoint/2010/main" val="882754976"/>
+              </p:ext>
+            </p:extLst>
+          </p:nvPr>
+        </p:nvGraphicFramePr>
+        <p:xfrm>
+          <a:off x="2097314" y="1834039"/>
+          <a:ext cx="8128002" cy="2966720"/>
+        </p:xfrm>
+        <a:graphic>
+          <a:graphicData uri="http://schemas.openxmlformats.org/drawingml/2006/table">
+            <a:tbl>
+              <a:tblPr firstRow="1" bandRow="1">
+                <a:tableStyleId>{5C22544A-7EE6-4342-B048-85BDC9FD1C3A}</a:tableStyleId>
+              </a:tblPr>
+              <a:tblGrid>
+                <a:gridCol w="1354667">
+                  <a:extLst>
+                    <a:ext uri="{9D8B030D-6E8A-4147-A177-3AD203B41FA5}">
+                      <a16:colId xmlns:a16="http://schemas.microsoft.com/office/drawing/2014/main" val="648876226"/>
+                    </a:ext>
+                  </a:extLst>
+                </a:gridCol>
+                <a:gridCol w="1354667">
+                  <a:extLst>
+                    <a:ext uri="{9D8B030D-6E8A-4147-A177-3AD203B41FA5}">
+                      <a16:colId xmlns:a16="http://schemas.microsoft.com/office/drawing/2014/main" val="2613078581"/>
+                    </a:ext>
+                  </a:extLst>
+                </a:gridCol>
+                <a:gridCol w="1354667">
+                  <a:extLst>
+                    <a:ext uri="{9D8B030D-6E8A-4147-A177-3AD203B41FA5}">
+                      <a16:colId xmlns:a16="http://schemas.microsoft.com/office/drawing/2014/main" val="1327965494"/>
+                    </a:ext>
+                  </a:extLst>
+                </a:gridCol>
+                <a:gridCol w="1354667">
+                  <a:extLst>
+                    <a:ext uri="{9D8B030D-6E8A-4147-A177-3AD203B41FA5}">
+                      <a16:colId xmlns:a16="http://schemas.microsoft.com/office/drawing/2014/main" val="1698396579"/>
+                    </a:ext>
+                  </a:extLst>
+                </a:gridCol>
+                <a:gridCol w="1354667">
+                  <a:extLst>
+                    <a:ext uri="{9D8B030D-6E8A-4147-A177-3AD203B41FA5}">
+                      <a16:colId xmlns:a16="http://schemas.microsoft.com/office/drawing/2014/main" val="3682898311"/>
+                    </a:ext>
+                  </a:extLst>
+                </a:gridCol>
+                <a:gridCol w="1354667">
+                  <a:extLst>
+                    <a:ext uri="{9D8B030D-6E8A-4147-A177-3AD203B41FA5}">
+                      <a16:colId xmlns:a16="http://schemas.microsoft.com/office/drawing/2014/main" val="3563548777"/>
+                    </a:ext>
+                  </a:extLst>
+                </a:gridCol>
+              </a:tblGrid>
+              <a:tr h="370840">
+                <a:tc>
+                  <a:txBody>
+                    <a:bodyPr/>
+                    <a:lstStyle/>
+                    <a:p>
+                      <a:r>
+                        <a:rPr lang="en-SG" sz="1800" b="0" i="0" u="none" strike="noStrike" kern="1200" baseline="0" dirty="0">
+                          <a:solidFill>
+                            <a:schemeClr val="lt1"/>
+                          </a:solidFill>
+                          <a:latin typeface="+mn-lt"/>
+                          <a:ea typeface="+mn-ea"/>
+                          <a:cs typeface="+mn-cs"/>
+                        </a:rPr>
+                        <a:t>Methods</a:t>
+                      </a:r>
+                      <a:endParaRPr lang="en-SG" dirty="0"/>
+                    </a:p>
+                  </a:txBody>
+                  <a:tcPr/>
+                </a:tc>
+                <a:tc>
+                  <a:txBody>
+                    <a:bodyPr/>
+                    <a:lstStyle/>
+                    <a:p>
+                      <a:r>
+                        <a:rPr lang="en-SG" sz="1800" b="0" i="0" u="none" strike="noStrike" kern="1200" baseline="0" dirty="0">
+                          <a:solidFill>
+                            <a:schemeClr val="lt1"/>
+                          </a:solidFill>
+                          <a:latin typeface="+mn-lt"/>
+                          <a:ea typeface="+mn-ea"/>
+                          <a:cs typeface="+mn-cs"/>
+                        </a:rPr>
+                        <a:t>CDC-15</a:t>
+                      </a:r>
+                      <a:endParaRPr lang="en-SG" dirty="0"/>
+                    </a:p>
+                  </a:txBody>
+                  <a:tcPr/>
+                </a:tc>
+                <a:tc>
+                  <a:txBody>
+                    <a:bodyPr/>
+                    <a:lstStyle/>
+                    <a:p>
+                      <a:r>
+                        <a:rPr lang="en-SG" sz="1800" b="0" i="0" u="none" strike="noStrike" kern="1200" baseline="0" dirty="0">
+                          <a:solidFill>
+                            <a:schemeClr val="lt1"/>
+                          </a:solidFill>
+                          <a:latin typeface="+mn-lt"/>
+                          <a:ea typeface="+mn-ea"/>
+                          <a:cs typeface="+mn-cs"/>
+                        </a:rPr>
+                        <a:t>CDC-28</a:t>
+                      </a:r>
+                      <a:endParaRPr lang="en-SG" dirty="0"/>
+                    </a:p>
+                  </a:txBody>
+                  <a:tcPr/>
+                </a:tc>
+                <a:tc>
+                  <a:txBody>
+                    <a:bodyPr/>
+                    <a:lstStyle/>
+                    <a:p>
+                      <a:r>
+                        <a:rPr lang="en-SG" sz="1800" b="0" i="0" u="none" strike="noStrike" kern="1200" baseline="0" dirty="0">
+                          <a:solidFill>
+                            <a:schemeClr val="lt1"/>
+                          </a:solidFill>
+                          <a:latin typeface="+mn-lt"/>
+                          <a:ea typeface="+mn-ea"/>
+                          <a:cs typeface="+mn-cs"/>
+                        </a:rPr>
+                        <a:t>In Silico-1</a:t>
+                      </a:r>
+                      <a:endParaRPr lang="en-SG" dirty="0"/>
+                    </a:p>
+                  </a:txBody>
+                  <a:tcPr/>
+                </a:tc>
+                <a:tc>
+                  <a:txBody>
+                    <a:bodyPr/>
+                    <a:lstStyle/>
+                    <a:p>
+                      <a:r>
+                        <a:rPr lang="en-SG" sz="1800" b="0" i="0" u="none" strike="noStrike" kern="1200" baseline="0" dirty="0">
+                          <a:solidFill>
+                            <a:schemeClr val="lt1"/>
+                          </a:solidFill>
+                          <a:latin typeface="+mn-lt"/>
+                          <a:ea typeface="+mn-ea"/>
+                          <a:cs typeface="+mn-cs"/>
+                        </a:rPr>
+                        <a:t>In Silico-2</a:t>
+                      </a:r>
+                      <a:endParaRPr lang="en-SG" dirty="0"/>
+                    </a:p>
+                  </a:txBody>
+                  <a:tcPr/>
+                </a:tc>
+                <a:tc>
+                  <a:txBody>
+                    <a:bodyPr/>
+                    <a:lstStyle/>
+                    <a:p>
+                      <a:r>
+                        <a:rPr lang="en-SG" sz="1800" b="0" i="0" u="none" strike="noStrike" kern="1200" baseline="0" dirty="0" err="1">
+                          <a:solidFill>
+                            <a:schemeClr val="lt1"/>
+                          </a:solidFill>
+                          <a:latin typeface="+mn-lt"/>
+                          <a:ea typeface="+mn-ea"/>
+                          <a:cs typeface="+mn-cs"/>
+                        </a:rPr>
+                        <a:t>S.cerevisiae</a:t>
+                      </a:r>
+                      <a:endParaRPr lang="en-SG" dirty="0"/>
+                    </a:p>
+                  </a:txBody>
+                  <a:tcPr/>
+                </a:tc>
+                <a:extLst>
+                  <a:ext uri="{0D108BD9-81ED-4DB2-BD59-A6C34878D82A}">
+                    <a16:rowId xmlns:a16="http://schemas.microsoft.com/office/drawing/2014/main" val="498236958"/>
+                  </a:ext>
+                </a:extLst>
+              </a:tr>
+              <a:tr h="370840">
+                <a:tc>
+                  <a:txBody>
+                    <a:bodyPr/>
+                    <a:lstStyle/>
+                    <a:p>
+                      <a:r>
+                        <a:rPr lang="en-US" dirty="0"/>
+                        <a:t>my</a:t>
+                      </a:r>
+                      <a:endParaRPr lang="en-SG" dirty="0"/>
+                    </a:p>
+                  </a:txBody>
+                  <a:tcPr/>
+                </a:tc>
+                <a:tc>
+                  <a:txBody>
+                    <a:bodyPr/>
+                    <a:lstStyle/>
+                    <a:p>
+                      <a:pPr marL="0" marR="0" lvl="0" indent="0" algn="l" defTabSz="914400" rtl="0" eaLnBrk="1" fontAlgn="auto" latinLnBrk="0" hangingPunct="1">
+                        <a:lnSpc>
+                          <a:spcPct val="100000"/>
+                        </a:lnSpc>
+                        <a:spcBef>
+                          <a:spcPts val="0"/>
+                        </a:spcBef>
+                        <a:spcAft>
+                          <a:spcPts val="0"/>
+                        </a:spcAft>
+                        <a:buClrTx/>
+                        <a:buSzTx/>
+                        <a:buFontTx/>
+                        <a:buNone/>
+                        <a:tabLst/>
+                        <a:defRPr/>
+                      </a:pPr>
+                      <a:r>
+                        <a:rPr lang="en-SG" sz="1800" b="0" kern="1200" dirty="0">
+                          <a:solidFill>
+                            <a:schemeClr val="dk1"/>
+                          </a:solidFill>
+                          <a:effectLst/>
+                          <a:latin typeface="+mn-lt"/>
+                          <a:ea typeface="+mn-ea"/>
+                          <a:cs typeface="+mn-cs"/>
+                        </a:rPr>
+                        <a:t>0.9420</a:t>
+                      </a:r>
+                    </a:p>
+                  </a:txBody>
+                  <a:tcPr/>
+                </a:tc>
+                <a:tc>
+                  <a:txBody>
+                    <a:bodyPr/>
+                    <a:lstStyle/>
+                    <a:p>
+                      <a:pPr marL="0" marR="0" lvl="0" indent="0" algn="l" defTabSz="914400" rtl="0" eaLnBrk="1" fontAlgn="auto" latinLnBrk="0" hangingPunct="1">
+                        <a:lnSpc>
+                          <a:spcPct val="100000"/>
+                        </a:lnSpc>
+                        <a:spcBef>
+                          <a:spcPts val="0"/>
+                        </a:spcBef>
+                        <a:spcAft>
+                          <a:spcPts val="0"/>
+                        </a:spcAft>
+                        <a:buClrTx/>
+                        <a:buSzTx/>
+                        <a:buFontTx/>
+                        <a:buNone/>
+                        <a:tabLst/>
+                        <a:defRPr/>
+                      </a:pPr>
+                      <a:r>
+                        <a:rPr lang="en-SG" sz="1800" b="0" kern="1200" dirty="0">
+                          <a:solidFill>
+                            <a:schemeClr val="dk1"/>
+                          </a:solidFill>
+                          <a:effectLst/>
+                          <a:latin typeface="+mn-lt"/>
+                          <a:ea typeface="+mn-ea"/>
+                          <a:cs typeface="+mn-cs"/>
+                        </a:rPr>
+                        <a:t>0.9166</a:t>
+                      </a:r>
+                    </a:p>
+                  </a:txBody>
+                  <a:tcPr/>
+                </a:tc>
+                <a:tc>
+                  <a:txBody>
+                    <a:bodyPr/>
+                    <a:lstStyle/>
+                    <a:p>
+                      <a:pPr marL="0" marR="0" lvl="0" indent="0" algn="l" defTabSz="914400" rtl="0" eaLnBrk="1" fontAlgn="auto" latinLnBrk="0" hangingPunct="1">
+                        <a:lnSpc>
+                          <a:spcPct val="100000"/>
+                        </a:lnSpc>
+                        <a:spcBef>
+                          <a:spcPts val="0"/>
+                        </a:spcBef>
+                        <a:spcAft>
+                          <a:spcPts val="0"/>
+                        </a:spcAft>
+                        <a:buClrTx/>
+                        <a:buSzTx/>
+                        <a:buFontTx/>
+                        <a:buNone/>
+                        <a:tabLst/>
+                        <a:defRPr/>
+                      </a:pPr>
+                      <a:r>
+                        <a:rPr lang="en-SG" sz="1800" b="0" kern="1200" dirty="0">
+                          <a:solidFill>
+                            <a:schemeClr val="dk1"/>
+                          </a:solidFill>
+                          <a:effectLst/>
+                          <a:latin typeface="+mn-lt"/>
+                          <a:ea typeface="+mn-ea"/>
+                          <a:cs typeface="+mn-cs"/>
+                        </a:rPr>
+                        <a:t>0.8850</a:t>
+                      </a:r>
+                    </a:p>
+                  </a:txBody>
+                  <a:tcPr/>
+                </a:tc>
+                <a:tc>
+                  <a:txBody>
+                    <a:bodyPr/>
+                    <a:lstStyle/>
+                    <a:p>
+                      <a:pPr marL="0" marR="0" lvl="0" indent="0" algn="l" defTabSz="914400" rtl="0" eaLnBrk="1" fontAlgn="auto" latinLnBrk="0" hangingPunct="1">
+                        <a:lnSpc>
+                          <a:spcPct val="100000"/>
+                        </a:lnSpc>
+                        <a:spcBef>
+                          <a:spcPts val="0"/>
+                        </a:spcBef>
+                        <a:spcAft>
+                          <a:spcPts val="0"/>
+                        </a:spcAft>
+                        <a:buClrTx/>
+                        <a:buSzTx/>
+                        <a:buFontTx/>
+                        <a:buNone/>
+                        <a:tabLst/>
+                        <a:defRPr/>
+                      </a:pPr>
+                      <a:r>
+                        <a:rPr lang="en-SG" sz="1800" b="0" kern="1200" dirty="0">
+                          <a:solidFill>
+                            <a:schemeClr val="dk1"/>
+                          </a:solidFill>
+                          <a:effectLst/>
+                          <a:latin typeface="+mn-lt"/>
+                          <a:ea typeface="+mn-ea"/>
+                          <a:cs typeface="+mn-cs"/>
+                        </a:rPr>
+                        <a:t>0.9500</a:t>
+                      </a:r>
+                    </a:p>
+                  </a:txBody>
+                  <a:tcPr/>
+                </a:tc>
+                <a:tc>
+                  <a:txBody>
+                    <a:bodyPr/>
+                    <a:lstStyle/>
+                    <a:p>
+                      <a:r>
+                        <a:rPr lang="en-SG" sz="1800" b="0" kern="1200" dirty="0">
+                          <a:solidFill>
+                            <a:schemeClr val="dk1"/>
+                          </a:solidFill>
+                          <a:effectLst/>
+                          <a:latin typeface="+mn-lt"/>
+                          <a:ea typeface="+mn-ea"/>
+                          <a:cs typeface="+mn-cs"/>
+                        </a:rPr>
+                        <a:t>0.8983</a:t>
+                      </a:r>
+                    </a:p>
+                  </a:txBody>
+                  <a:tcPr/>
+                </a:tc>
+                <a:extLst>
+                  <a:ext uri="{0D108BD9-81ED-4DB2-BD59-A6C34878D82A}">
+                    <a16:rowId xmlns:a16="http://schemas.microsoft.com/office/drawing/2014/main" val="1584876204"/>
+                  </a:ext>
+                </a:extLst>
+              </a:tr>
+              <a:tr h="370840">
+                <a:tc>
+                  <a:txBody>
+                    <a:bodyPr/>
+                    <a:lstStyle/>
+                    <a:p>
+                      <a:r>
+                        <a:rPr lang="en-SG" sz="1800" b="0" i="0" u="none" strike="noStrike" kern="1200" baseline="0">
+                          <a:solidFill>
+                            <a:schemeClr val="dk1"/>
+                          </a:solidFill>
+                          <a:latin typeface="+mn-lt"/>
+                          <a:ea typeface="+mn-ea"/>
+                          <a:cs typeface="+mn-cs"/>
+                        </a:rPr>
+                        <a:t>NNBNI</a:t>
+                      </a:r>
+                      <a:endParaRPr lang="en-SG" dirty="0"/>
+                    </a:p>
+                  </a:txBody>
+                  <a:tcPr/>
+                </a:tc>
+                <a:tc>
+                  <a:txBody>
+                    <a:bodyPr/>
+                    <a:lstStyle/>
+                    <a:p>
+                      <a:r>
+                        <a:rPr lang="en-SG" sz="1800" b="0" i="0" u="none" strike="noStrike" kern="1200" baseline="0" dirty="0">
+                          <a:solidFill>
+                            <a:schemeClr val="dk1"/>
+                          </a:solidFill>
+                          <a:latin typeface="+mn-lt"/>
+                          <a:ea typeface="+mn-ea"/>
+                          <a:cs typeface="+mn-cs"/>
+                        </a:rPr>
+                        <a:t>1.0000</a:t>
+                      </a:r>
+                      <a:endParaRPr lang="en-SG" dirty="0"/>
+                    </a:p>
+                  </a:txBody>
+                  <a:tcPr/>
+                </a:tc>
+                <a:tc>
+                  <a:txBody>
+                    <a:bodyPr/>
+                    <a:lstStyle/>
+                    <a:p>
+                      <a:r>
+                        <a:rPr lang="en-SG" sz="1800" b="0" i="0" u="none" strike="noStrike" kern="1200" baseline="0" dirty="0">
+                          <a:solidFill>
+                            <a:schemeClr val="dk1"/>
+                          </a:solidFill>
+                          <a:latin typeface="+mn-lt"/>
+                          <a:ea typeface="+mn-ea"/>
+                          <a:cs typeface="+mn-cs"/>
+                        </a:rPr>
+                        <a:t>1.0000</a:t>
+                      </a:r>
+                      <a:endParaRPr lang="en-SG" dirty="0"/>
+                    </a:p>
+                  </a:txBody>
+                  <a:tcPr/>
+                </a:tc>
+                <a:tc>
+                  <a:txBody>
+                    <a:bodyPr/>
+                    <a:lstStyle/>
+                    <a:p>
+                      <a:r>
+                        <a:rPr lang="en-SG" sz="1800" b="0" i="0" u="none" strike="noStrike" kern="1200" baseline="0" dirty="0">
+                          <a:solidFill>
+                            <a:schemeClr val="dk1"/>
+                          </a:solidFill>
+                          <a:latin typeface="+mn-lt"/>
+                          <a:ea typeface="+mn-ea"/>
+                          <a:cs typeface="+mn-cs"/>
+                        </a:rPr>
+                        <a:t>1.0000</a:t>
+                      </a:r>
+                      <a:endParaRPr lang="en-SG" dirty="0"/>
+                    </a:p>
+                  </a:txBody>
+                  <a:tcPr/>
+                </a:tc>
+                <a:tc>
+                  <a:txBody>
+                    <a:bodyPr/>
+                    <a:lstStyle/>
+                    <a:p>
+                      <a:r>
+                        <a:rPr lang="en-SG" sz="1800" b="0" i="0" u="none" strike="noStrike" kern="1200" baseline="0" dirty="0">
+                          <a:solidFill>
+                            <a:schemeClr val="dk1"/>
+                          </a:solidFill>
+                          <a:latin typeface="+mn-lt"/>
+                          <a:ea typeface="+mn-ea"/>
+                          <a:cs typeface="+mn-cs"/>
+                        </a:rPr>
+                        <a:t>1.0000</a:t>
+                      </a:r>
+                      <a:endParaRPr lang="en-SG" dirty="0"/>
+                    </a:p>
+                  </a:txBody>
+                  <a:tcPr/>
+                </a:tc>
+                <a:tc>
+                  <a:txBody>
+                    <a:bodyPr/>
+                    <a:lstStyle/>
+                    <a:p>
+                      <a:r>
+                        <a:rPr lang="en-SG" sz="1800" b="0" i="0" u="none" strike="noStrike" kern="1200" baseline="0" dirty="0">
+                          <a:solidFill>
+                            <a:schemeClr val="dk1"/>
+                          </a:solidFill>
+                          <a:latin typeface="+mn-lt"/>
+                          <a:ea typeface="+mn-ea"/>
+                          <a:cs typeface="+mn-cs"/>
+                        </a:rPr>
+                        <a:t>0.9900</a:t>
+                      </a:r>
+                      <a:endParaRPr lang="en-SG" dirty="0"/>
+                    </a:p>
+                  </a:txBody>
+                  <a:tcPr/>
+                </a:tc>
+                <a:extLst>
+                  <a:ext uri="{0D108BD9-81ED-4DB2-BD59-A6C34878D82A}">
+                    <a16:rowId xmlns:a16="http://schemas.microsoft.com/office/drawing/2014/main" val="1369429619"/>
+                  </a:ext>
+                </a:extLst>
+              </a:tr>
+              <a:tr h="370840">
+                <a:tc>
+                  <a:txBody>
+                    <a:bodyPr/>
+                    <a:lstStyle/>
+                    <a:p>
+                      <a:r>
+                        <a:rPr lang="en-SG" sz="1800" b="0" i="0" u="none" strike="noStrike" kern="1200" baseline="0">
+                          <a:solidFill>
+                            <a:schemeClr val="dk1"/>
+                          </a:solidFill>
+                          <a:latin typeface="+mn-lt"/>
+                          <a:ea typeface="+mn-ea"/>
+                          <a:cs typeface="+mn-cs"/>
+                        </a:rPr>
+                        <a:t>GABNI</a:t>
+                      </a:r>
+                      <a:endParaRPr lang="en-SG" dirty="0"/>
+                    </a:p>
+                  </a:txBody>
+                  <a:tcPr/>
+                </a:tc>
+                <a:tc>
+                  <a:txBody>
+                    <a:bodyPr/>
+                    <a:lstStyle/>
+                    <a:p>
+                      <a:r>
+                        <a:rPr lang="en-SG" sz="1800" b="0" i="0" u="none" strike="noStrike" kern="1200" baseline="0" dirty="0">
+                          <a:solidFill>
+                            <a:schemeClr val="dk1"/>
+                          </a:solidFill>
+                          <a:latin typeface="+mn-lt"/>
+                          <a:ea typeface="+mn-ea"/>
+                          <a:cs typeface="+mn-cs"/>
+                        </a:rPr>
+                        <a:t>0.9900</a:t>
+                      </a:r>
+                      <a:endParaRPr lang="en-SG" dirty="0"/>
+                    </a:p>
+                  </a:txBody>
+                  <a:tcPr/>
+                </a:tc>
+                <a:tc>
+                  <a:txBody>
+                    <a:bodyPr/>
+                    <a:lstStyle/>
+                    <a:p>
+                      <a:r>
+                        <a:rPr lang="en-SG" sz="1800" b="0" i="0" u="none" strike="noStrike" kern="1200" baseline="0" dirty="0">
+                          <a:solidFill>
+                            <a:schemeClr val="dk1"/>
+                          </a:solidFill>
+                          <a:latin typeface="+mn-lt"/>
+                          <a:ea typeface="+mn-ea"/>
+                          <a:cs typeface="+mn-cs"/>
+                        </a:rPr>
+                        <a:t>1.0000</a:t>
+                      </a:r>
+                      <a:endParaRPr lang="en-SG" dirty="0"/>
+                    </a:p>
+                  </a:txBody>
+                  <a:tcPr/>
+                </a:tc>
+                <a:tc>
+                  <a:txBody>
+                    <a:bodyPr/>
+                    <a:lstStyle/>
+                    <a:p>
+                      <a:r>
+                        <a:rPr lang="en-SG" sz="1800" b="0" i="0" u="none" strike="noStrike" kern="1200" baseline="0" dirty="0">
+                          <a:solidFill>
+                            <a:schemeClr val="dk1"/>
+                          </a:solidFill>
+                          <a:latin typeface="+mn-lt"/>
+                          <a:ea typeface="+mn-ea"/>
+                          <a:cs typeface="+mn-cs"/>
+                        </a:rPr>
+                        <a:t>1.0000</a:t>
+                      </a:r>
+                      <a:endParaRPr lang="en-SG" dirty="0"/>
+                    </a:p>
+                  </a:txBody>
+                  <a:tcPr/>
+                </a:tc>
+                <a:tc>
+                  <a:txBody>
+                    <a:bodyPr/>
+                    <a:lstStyle/>
+                    <a:p>
+                      <a:r>
+                        <a:rPr lang="en-SG" sz="1800" b="0" i="0" u="none" strike="noStrike" kern="1200" baseline="0" dirty="0">
+                          <a:solidFill>
+                            <a:schemeClr val="dk1"/>
+                          </a:solidFill>
+                          <a:latin typeface="+mn-lt"/>
+                          <a:ea typeface="+mn-ea"/>
+                          <a:cs typeface="+mn-cs"/>
+                        </a:rPr>
+                        <a:t>0.9900</a:t>
+                      </a:r>
+                      <a:endParaRPr lang="en-SG" dirty="0"/>
+                    </a:p>
+                  </a:txBody>
+                  <a:tcPr/>
+                </a:tc>
+                <a:tc>
+                  <a:txBody>
+                    <a:bodyPr/>
+                    <a:lstStyle/>
+                    <a:p>
+                      <a:r>
+                        <a:rPr lang="en-SG" sz="1800" b="0" i="0" u="none" strike="noStrike" kern="1200" baseline="0" dirty="0">
+                          <a:solidFill>
+                            <a:schemeClr val="dk1"/>
+                          </a:solidFill>
+                          <a:latin typeface="+mn-lt"/>
+                          <a:ea typeface="+mn-ea"/>
+                          <a:cs typeface="+mn-cs"/>
+                        </a:rPr>
+                        <a:t>0.9900</a:t>
+                      </a:r>
+                      <a:endParaRPr lang="en-SG" dirty="0"/>
+                    </a:p>
+                  </a:txBody>
+                  <a:tcPr/>
+                </a:tc>
+                <a:extLst>
+                  <a:ext uri="{0D108BD9-81ED-4DB2-BD59-A6C34878D82A}">
+                    <a16:rowId xmlns:a16="http://schemas.microsoft.com/office/drawing/2014/main" val="296766361"/>
+                  </a:ext>
+                </a:extLst>
+              </a:tr>
+              <a:tr h="370840">
+                <a:tc>
+                  <a:txBody>
+                    <a:bodyPr/>
+                    <a:lstStyle/>
+                    <a:p>
+                      <a:r>
+                        <a:rPr lang="en-SG" sz="1800" b="0" i="0" u="none" strike="noStrike" kern="1200" baseline="0">
+                          <a:solidFill>
+                            <a:schemeClr val="dk1"/>
+                          </a:solidFill>
+                          <a:latin typeface="+mn-lt"/>
+                          <a:ea typeface="+mn-ea"/>
+                          <a:cs typeface="+mn-cs"/>
+                        </a:rPr>
+                        <a:t>ARACNE</a:t>
+                      </a:r>
+                      <a:endParaRPr lang="en-SG" dirty="0"/>
+                    </a:p>
+                  </a:txBody>
+                  <a:tcPr/>
+                </a:tc>
+                <a:tc>
+                  <a:txBody>
+                    <a:bodyPr/>
+                    <a:lstStyle/>
+                    <a:p>
+                      <a:r>
+                        <a:rPr lang="en-SG" sz="1800" b="0" i="0" u="none" strike="noStrike" kern="1200" baseline="0" dirty="0">
+                          <a:solidFill>
+                            <a:schemeClr val="dk1"/>
+                          </a:solidFill>
+                          <a:latin typeface="+mn-lt"/>
+                          <a:ea typeface="+mn-ea"/>
+                          <a:cs typeface="+mn-cs"/>
+                        </a:rPr>
+                        <a:t>0.9600</a:t>
+                      </a:r>
+                      <a:endParaRPr lang="en-SG" dirty="0"/>
+                    </a:p>
+                  </a:txBody>
+                  <a:tcPr/>
+                </a:tc>
+                <a:tc>
+                  <a:txBody>
+                    <a:bodyPr/>
+                    <a:lstStyle/>
+                    <a:p>
+                      <a:r>
+                        <a:rPr lang="en-SG" sz="1800" b="0" i="0" u="none" strike="noStrike" kern="1200" baseline="0" dirty="0">
+                          <a:solidFill>
+                            <a:schemeClr val="dk1"/>
+                          </a:solidFill>
+                          <a:latin typeface="+mn-lt"/>
+                          <a:ea typeface="+mn-ea"/>
+                          <a:cs typeface="+mn-cs"/>
+                        </a:rPr>
+                        <a:t>0.9600</a:t>
+                      </a:r>
+                      <a:endParaRPr lang="en-SG" dirty="0"/>
+                    </a:p>
+                  </a:txBody>
+                  <a:tcPr/>
+                </a:tc>
+                <a:tc>
+                  <a:txBody>
+                    <a:bodyPr/>
+                    <a:lstStyle/>
+                    <a:p>
+                      <a:r>
+                        <a:rPr lang="en-SG" sz="1800" b="0" i="0" u="none" strike="noStrike" kern="1200" baseline="0" dirty="0">
+                          <a:solidFill>
+                            <a:schemeClr val="dk1"/>
+                          </a:solidFill>
+                          <a:latin typeface="+mn-lt"/>
+                          <a:ea typeface="+mn-ea"/>
+                          <a:cs typeface="+mn-cs"/>
+                        </a:rPr>
+                        <a:t>0.9200</a:t>
+                      </a:r>
+                      <a:endParaRPr lang="en-SG" dirty="0"/>
+                    </a:p>
+                  </a:txBody>
+                  <a:tcPr/>
+                </a:tc>
+                <a:tc>
+                  <a:txBody>
+                    <a:bodyPr/>
+                    <a:lstStyle/>
+                    <a:p>
+                      <a:r>
+                        <a:rPr lang="en-SG" sz="1800" b="0" i="0" u="none" strike="noStrike" kern="1200" baseline="0" dirty="0">
+                          <a:solidFill>
+                            <a:schemeClr val="dk1"/>
+                          </a:solidFill>
+                          <a:latin typeface="+mn-lt"/>
+                          <a:ea typeface="+mn-ea"/>
+                          <a:cs typeface="+mn-cs"/>
+                        </a:rPr>
+                        <a:t>0.9700</a:t>
+                      </a:r>
+                      <a:endParaRPr lang="en-SG" dirty="0"/>
+                    </a:p>
+                  </a:txBody>
+                  <a:tcPr/>
+                </a:tc>
+                <a:tc>
+                  <a:txBody>
+                    <a:bodyPr/>
+                    <a:lstStyle/>
+                    <a:p>
+                      <a:r>
+                        <a:rPr lang="en-SG" sz="1800" b="0" i="0" u="none" strike="noStrike" kern="1200" baseline="0" dirty="0">
+                          <a:solidFill>
+                            <a:schemeClr val="dk1"/>
+                          </a:solidFill>
+                          <a:latin typeface="+mn-lt"/>
+                          <a:ea typeface="+mn-ea"/>
+                          <a:cs typeface="+mn-cs"/>
+                        </a:rPr>
+                        <a:t>0.9700</a:t>
+                      </a:r>
+                      <a:endParaRPr lang="en-SG" dirty="0"/>
+                    </a:p>
+                  </a:txBody>
+                  <a:tcPr/>
+                </a:tc>
+                <a:extLst>
+                  <a:ext uri="{0D108BD9-81ED-4DB2-BD59-A6C34878D82A}">
+                    <a16:rowId xmlns:a16="http://schemas.microsoft.com/office/drawing/2014/main" val="1926599855"/>
+                  </a:ext>
+                </a:extLst>
+              </a:tr>
+              <a:tr h="370840">
+                <a:tc>
+                  <a:txBody>
+                    <a:bodyPr/>
+                    <a:lstStyle/>
+                    <a:p>
+                      <a:r>
+                        <a:rPr lang="en-SG" sz="1800" b="0" i="0" u="none" strike="noStrike" kern="1200" baseline="0">
+                          <a:solidFill>
+                            <a:schemeClr val="dk1"/>
+                          </a:solidFill>
+                          <a:latin typeface="+mn-lt"/>
+                          <a:ea typeface="+mn-ea"/>
+                          <a:cs typeface="+mn-cs"/>
+                        </a:rPr>
+                        <a:t>GENIE3</a:t>
+                      </a:r>
+                      <a:endParaRPr lang="en-SG" dirty="0"/>
+                    </a:p>
+                  </a:txBody>
+                  <a:tcPr/>
+                </a:tc>
+                <a:tc>
+                  <a:txBody>
+                    <a:bodyPr/>
+                    <a:lstStyle/>
+                    <a:p>
+                      <a:r>
+                        <a:rPr lang="en-SG" sz="1800" b="0" i="0" u="none" strike="noStrike" kern="1200" baseline="0" dirty="0">
+                          <a:solidFill>
+                            <a:schemeClr val="dk1"/>
+                          </a:solidFill>
+                          <a:latin typeface="+mn-lt"/>
+                          <a:ea typeface="+mn-ea"/>
+                          <a:cs typeface="+mn-cs"/>
+                        </a:rPr>
+                        <a:t>0.9800</a:t>
+                      </a:r>
+                      <a:endParaRPr lang="en-SG" dirty="0"/>
+                    </a:p>
+                  </a:txBody>
+                  <a:tcPr/>
+                </a:tc>
+                <a:tc>
+                  <a:txBody>
+                    <a:bodyPr/>
+                    <a:lstStyle/>
+                    <a:p>
+                      <a:r>
+                        <a:rPr lang="en-SG" sz="1800" b="0" i="0" u="none" strike="noStrike" kern="1200" baseline="0" dirty="0">
+                          <a:solidFill>
+                            <a:schemeClr val="dk1"/>
+                          </a:solidFill>
+                          <a:latin typeface="+mn-lt"/>
+                          <a:ea typeface="+mn-ea"/>
+                          <a:cs typeface="+mn-cs"/>
+                        </a:rPr>
+                        <a:t>0.9900</a:t>
+                      </a:r>
+                      <a:endParaRPr lang="en-SG" dirty="0"/>
+                    </a:p>
+                  </a:txBody>
+                  <a:tcPr/>
+                </a:tc>
+                <a:tc>
+                  <a:txBody>
+                    <a:bodyPr/>
+                    <a:lstStyle/>
+                    <a:p>
+                      <a:r>
+                        <a:rPr lang="en-SG" sz="1800" b="0" i="0" u="none" strike="noStrike" kern="1200" baseline="0" dirty="0">
+                          <a:solidFill>
+                            <a:schemeClr val="dk1"/>
+                          </a:solidFill>
+                          <a:latin typeface="+mn-lt"/>
+                          <a:ea typeface="+mn-ea"/>
+                          <a:cs typeface="+mn-cs"/>
+                        </a:rPr>
+                        <a:t>0.9700</a:t>
+                      </a:r>
+                      <a:endParaRPr lang="en-SG" dirty="0"/>
+                    </a:p>
+                  </a:txBody>
+                  <a:tcPr/>
+                </a:tc>
+                <a:tc>
+                  <a:txBody>
+                    <a:bodyPr/>
+                    <a:lstStyle/>
+                    <a:p>
+                      <a:r>
+                        <a:rPr lang="en-SG" sz="1800" b="0" i="0" u="none" strike="noStrike" kern="1200" baseline="0" dirty="0">
+                          <a:solidFill>
+                            <a:schemeClr val="dk1"/>
+                          </a:solidFill>
+                          <a:latin typeface="+mn-lt"/>
+                          <a:ea typeface="+mn-ea"/>
+                          <a:cs typeface="+mn-cs"/>
+                        </a:rPr>
+                        <a:t>0.9400</a:t>
+                      </a:r>
+                      <a:endParaRPr lang="en-SG" dirty="0"/>
+                    </a:p>
+                  </a:txBody>
+                  <a:tcPr/>
+                </a:tc>
+                <a:tc>
+                  <a:txBody>
+                    <a:bodyPr/>
+                    <a:lstStyle/>
+                    <a:p>
+                      <a:r>
+                        <a:rPr lang="en-SG" sz="1800" b="0" i="0" u="none" strike="noStrike" kern="1200" baseline="0" dirty="0">
+                          <a:solidFill>
+                            <a:schemeClr val="dk1"/>
+                          </a:solidFill>
+                          <a:latin typeface="+mn-lt"/>
+                          <a:ea typeface="+mn-ea"/>
+                          <a:cs typeface="+mn-cs"/>
+                        </a:rPr>
+                        <a:t>0.9600</a:t>
+                      </a:r>
+                      <a:endParaRPr lang="en-SG" dirty="0"/>
+                    </a:p>
+                  </a:txBody>
+                  <a:tcPr/>
+                </a:tc>
+                <a:extLst>
+                  <a:ext uri="{0D108BD9-81ED-4DB2-BD59-A6C34878D82A}">
+                    <a16:rowId xmlns:a16="http://schemas.microsoft.com/office/drawing/2014/main" val="3670049794"/>
+                  </a:ext>
+                </a:extLst>
+              </a:tr>
+              <a:tr h="370840">
+                <a:tc>
+                  <a:txBody>
+                    <a:bodyPr/>
+                    <a:lstStyle/>
+                    <a:p>
+                      <a:r>
+                        <a:rPr lang="en-SG" sz="1800" b="0" i="0" u="none" strike="noStrike" kern="1200" baseline="0">
+                          <a:solidFill>
+                            <a:schemeClr val="dk1"/>
+                          </a:solidFill>
+                          <a:latin typeface="+mn-lt"/>
+                          <a:ea typeface="+mn-ea"/>
+                          <a:cs typeface="+mn-cs"/>
+                        </a:rPr>
+                        <a:t>dynGENIE3</a:t>
+                      </a:r>
+                      <a:endParaRPr lang="en-SG" dirty="0"/>
+                    </a:p>
+                  </a:txBody>
+                  <a:tcPr/>
+                </a:tc>
+                <a:tc>
+                  <a:txBody>
+                    <a:bodyPr/>
+                    <a:lstStyle/>
+                    <a:p>
+                      <a:r>
+                        <a:rPr lang="en-SG" sz="1800" b="0" i="0" u="none" strike="noStrike" kern="1200" baseline="0" dirty="0">
+                          <a:solidFill>
+                            <a:schemeClr val="dk1"/>
+                          </a:solidFill>
+                          <a:latin typeface="+mn-lt"/>
+                          <a:ea typeface="+mn-ea"/>
+                          <a:cs typeface="+mn-cs"/>
+                        </a:rPr>
+                        <a:t>0.9700</a:t>
+                      </a:r>
+                      <a:endParaRPr lang="en-SG" dirty="0"/>
+                    </a:p>
+                  </a:txBody>
+                  <a:tcPr/>
+                </a:tc>
+                <a:tc>
+                  <a:txBody>
+                    <a:bodyPr/>
+                    <a:lstStyle/>
+                    <a:p>
+                      <a:r>
+                        <a:rPr lang="en-SG" sz="1800" b="0" i="0" u="none" strike="noStrike" kern="1200" baseline="0" dirty="0">
+                          <a:solidFill>
+                            <a:schemeClr val="dk1"/>
+                          </a:solidFill>
+                          <a:latin typeface="+mn-lt"/>
+                          <a:ea typeface="+mn-ea"/>
+                          <a:cs typeface="+mn-cs"/>
+                        </a:rPr>
+                        <a:t>0.9900</a:t>
+                      </a:r>
+                      <a:endParaRPr lang="en-SG" dirty="0"/>
+                    </a:p>
+                  </a:txBody>
+                  <a:tcPr/>
+                </a:tc>
+                <a:tc>
+                  <a:txBody>
+                    <a:bodyPr/>
+                    <a:lstStyle/>
+                    <a:p>
+                      <a:r>
+                        <a:rPr lang="en-SG" sz="1800" b="0" i="0" u="none" strike="noStrike" kern="1200" baseline="0" dirty="0">
+                          <a:solidFill>
+                            <a:schemeClr val="dk1"/>
+                          </a:solidFill>
+                          <a:latin typeface="+mn-lt"/>
+                          <a:ea typeface="+mn-ea"/>
+                          <a:cs typeface="+mn-cs"/>
+                        </a:rPr>
+                        <a:t>0.9900</a:t>
+                      </a:r>
+                      <a:endParaRPr lang="en-SG" dirty="0"/>
+                    </a:p>
+                  </a:txBody>
+                  <a:tcPr/>
+                </a:tc>
+                <a:tc>
+                  <a:txBody>
+                    <a:bodyPr/>
+                    <a:lstStyle/>
+                    <a:p>
+                      <a:r>
+                        <a:rPr lang="en-SG" sz="1800" b="0" i="0" u="none" strike="noStrike" kern="1200" baseline="0">
+                          <a:solidFill>
+                            <a:schemeClr val="dk1"/>
+                          </a:solidFill>
+                          <a:latin typeface="+mn-lt"/>
+                          <a:ea typeface="+mn-ea"/>
+                          <a:cs typeface="+mn-cs"/>
+                        </a:rPr>
+                        <a:t>0.9600</a:t>
+                      </a:r>
+                      <a:endParaRPr lang="en-SG" dirty="0"/>
+                    </a:p>
+                  </a:txBody>
+                  <a:tcPr/>
+                </a:tc>
+                <a:tc>
+                  <a:txBody>
+                    <a:bodyPr/>
+                    <a:lstStyle/>
+                    <a:p>
+                      <a:r>
+                        <a:rPr lang="en-SG" sz="1800" b="0" i="0" u="none" strike="noStrike" kern="1200" baseline="0" dirty="0">
+                          <a:solidFill>
+                            <a:schemeClr val="dk1"/>
+                          </a:solidFill>
+                          <a:latin typeface="+mn-lt"/>
+                          <a:ea typeface="+mn-ea"/>
+                          <a:cs typeface="+mn-cs"/>
+                        </a:rPr>
+                        <a:t>0.9800</a:t>
+                      </a:r>
+                      <a:endParaRPr lang="en-SG" dirty="0"/>
+                    </a:p>
+                  </a:txBody>
+                  <a:tcPr/>
+                </a:tc>
+                <a:extLst>
+                  <a:ext uri="{0D108BD9-81ED-4DB2-BD59-A6C34878D82A}">
+                    <a16:rowId xmlns:a16="http://schemas.microsoft.com/office/drawing/2014/main" val="430028806"/>
+                  </a:ext>
+                </a:extLst>
+              </a:tr>
+              <a:tr h="370840">
+                <a:tc>
+                  <a:txBody>
+                    <a:bodyPr/>
+                    <a:lstStyle/>
+                    <a:p>
+                      <a:r>
+                        <a:rPr lang="en-SG" sz="1800" b="0" i="0" u="none" strike="noStrike" kern="1200" baseline="0">
+                          <a:solidFill>
+                            <a:schemeClr val="dk1"/>
+                          </a:solidFill>
+                          <a:latin typeface="+mn-lt"/>
+                          <a:ea typeface="+mn-ea"/>
+                          <a:cs typeface="+mn-cs"/>
+                        </a:rPr>
+                        <a:t>BTNET</a:t>
+                      </a:r>
+                      <a:endParaRPr lang="en-SG" dirty="0"/>
+                    </a:p>
+                  </a:txBody>
+                  <a:tcPr/>
+                </a:tc>
+                <a:tc>
+                  <a:txBody>
+                    <a:bodyPr/>
+                    <a:lstStyle/>
+                    <a:p>
+                      <a:r>
+                        <a:rPr lang="en-SG" sz="1800" b="0" i="0" u="none" strike="noStrike" kern="1200" baseline="0" dirty="0">
+                          <a:solidFill>
+                            <a:schemeClr val="dk1"/>
+                          </a:solidFill>
+                          <a:latin typeface="+mn-lt"/>
+                          <a:ea typeface="+mn-ea"/>
+                          <a:cs typeface="+mn-cs"/>
+                        </a:rPr>
+                        <a:t>0.9900</a:t>
+                      </a:r>
+                      <a:endParaRPr lang="en-SG" dirty="0"/>
+                    </a:p>
+                  </a:txBody>
+                  <a:tcPr/>
+                </a:tc>
+                <a:tc>
+                  <a:txBody>
+                    <a:bodyPr/>
+                    <a:lstStyle/>
+                    <a:p>
+                      <a:r>
+                        <a:rPr lang="en-SG" sz="1800" b="0" i="0" u="none" strike="noStrike" kern="1200" baseline="0" dirty="0">
+                          <a:solidFill>
+                            <a:schemeClr val="dk1"/>
+                          </a:solidFill>
+                          <a:latin typeface="+mn-lt"/>
+                          <a:ea typeface="+mn-ea"/>
+                          <a:cs typeface="+mn-cs"/>
+                        </a:rPr>
+                        <a:t>0.9900</a:t>
+                      </a:r>
+                      <a:endParaRPr lang="en-SG" dirty="0"/>
+                    </a:p>
+                  </a:txBody>
+                  <a:tcPr/>
+                </a:tc>
+                <a:tc>
+                  <a:txBody>
+                    <a:bodyPr/>
+                    <a:lstStyle/>
+                    <a:p>
+                      <a:r>
+                        <a:rPr lang="en-SG" sz="1800" b="0" i="0" u="none" strike="noStrike" kern="1200" baseline="0" dirty="0">
+                          <a:solidFill>
+                            <a:schemeClr val="dk1"/>
+                          </a:solidFill>
+                          <a:latin typeface="+mn-lt"/>
+                          <a:ea typeface="+mn-ea"/>
+                          <a:cs typeface="+mn-cs"/>
+                        </a:rPr>
+                        <a:t>0.9800</a:t>
+                      </a:r>
+                      <a:endParaRPr lang="en-SG" dirty="0"/>
+                    </a:p>
+                  </a:txBody>
+                  <a:tcPr/>
+                </a:tc>
+                <a:tc>
+                  <a:txBody>
+                    <a:bodyPr/>
+                    <a:lstStyle/>
+                    <a:p>
+                      <a:r>
+                        <a:rPr lang="en-SG" sz="1800" b="0" i="0" u="none" strike="noStrike" kern="1200" baseline="0" dirty="0">
+                          <a:solidFill>
+                            <a:schemeClr val="dk1"/>
+                          </a:solidFill>
+                          <a:latin typeface="+mn-lt"/>
+                          <a:ea typeface="+mn-ea"/>
+                          <a:cs typeface="+mn-cs"/>
+                        </a:rPr>
+                        <a:t>0.9500</a:t>
+                      </a:r>
+                      <a:endParaRPr lang="en-SG" dirty="0"/>
+                    </a:p>
+                  </a:txBody>
+                  <a:tcPr/>
+                </a:tc>
+                <a:tc>
+                  <a:txBody>
+                    <a:bodyPr/>
+                    <a:lstStyle/>
+                    <a:p>
+                      <a:r>
+                        <a:rPr lang="en-SG" sz="1800" b="0" i="0" u="none" strike="noStrike" kern="1200" baseline="0" dirty="0">
+                          <a:solidFill>
+                            <a:schemeClr val="dk1"/>
+                          </a:solidFill>
+                          <a:latin typeface="+mn-lt"/>
+                          <a:ea typeface="+mn-ea"/>
+                          <a:cs typeface="+mn-cs"/>
+                        </a:rPr>
+                        <a:t>0.9800</a:t>
+                      </a:r>
+                      <a:endParaRPr lang="en-SG" dirty="0"/>
+                    </a:p>
+                  </a:txBody>
+                  <a:tcPr/>
+                </a:tc>
+                <a:extLst>
+                  <a:ext uri="{0D108BD9-81ED-4DB2-BD59-A6C34878D82A}">
+                    <a16:rowId xmlns:a16="http://schemas.microsoft.com/office/drawing/2014/main" val="3220913828"/>
+                  </a:ext>
+                </a:extLst>
+              </a:tr>
+            </a:tbl>
+          </a:graphicData>
+        </a:graphic>
+      </p:graphicFrame>
+    </p:spTree>
+    <p:extLst>
+      <p:ext uri="{BB962C8B-B14F-4D97-AF65-F5344CB8AC3E}">
+        <p14:creationId xmlns:p14="http://schemas.microsoft.com/office/powerpoint/2010/main" val="3378488931"/>
       </p:ext>
     </p:extLst>
   </p:cSld>
@@ -4751,4 +10773,299 @@
     </a:ext>
   </a:extLst>
 </a:theme>
+</file>
+
+<file path=ppt/theme/theme2.xml><?xml version="1.0" encoding="utf-8"?>
+<a:theme xmlns:a="http://schemas.openxmlformats.org/drawingml/2006/main" name="Office Theme">
+  <a:themeElements>
+    <a:clrScheme name="Office">
+      <a:dk1>
+        <a:sysClr val="windowText" lastClr="000000"/>
+      </a:dk1>
+      <a:lt1>
+        <a:sysClr val="window" lastClr="FFFFFF"/>
+      </a:lt1>
+      <a:dk2>
+        <a:srgbClr val="44546A"/>
+      </a:dk2>
+      <a:lt2>
+        <a:srgbClr val="E7E6E6"/>
+      </a:lt2>
+      <a:accent1>
+        <a:srgbClr val="4472C4"/>
+      </a:accent1>
+      <a:accent2>
+        <a:srgbClr val="ED7D31"/>
+      </a:accent2>
+      <a:accent3>
+        <a:srgbClr val="A5A5A5"/>
+      </a:accent3>
+      <a:accent4>
+        <a:srgbClr val="FFC000"/>
+      </a:accent4>
+      <a:accent5>
+        <a:srgbClr val="5B9BD5"/>
+      </a:accent5>
+      <a:accent6>
+        <a:srgbClr val="70AD47"/>
+      </a:accent6>
+      <a:hlink>
+        <a:srgbClr val="0563C1"/>
+      </a:hlink>
+      <a:folHlink>
+        <a:srgbClr val="954F72"/>
+      </a:folHlink>
+    </a:clrScheme>
+    <a:fontScheme name="Office">
+      <a:majorFont>
+        <a:latin typeface="Calibri Light" panose="020F0302020204030204"/>
+        <a:ea typeface=""/>
+        <a:cs typeface=""/>
+        <a:font script="Jpan" typeface="游ゴシック Light"/>
+        <a:font script="Hang" typeface="맑은 고딕"/>
+        <a:font script="Hans" typeface="等线 Light"/>
+        <a:font script="Hant" typeface="新細明體"/>
+        <a:font script="Arab" typeface="Times New Roman"/>
+        <a:font script="Hebr" typeface="Times New Roman"/>
+        <a:font script="Thai" typeface="Angsana New"/>
+        <a:font script="Ethi" typeface="Nyala"/>
+        <a:font script="Beng" typeface="Vrinda"/>
+        <a:font script="Gujr" typeface="Shruti"/>
+        <a:font script="Khmr" typeface="MoolBoran"/>
+        <a:font script="Knda" typeface="Tunga"/>
+        <a:font script="Guru" typeface="Raavi"/>
+        <a:font script="Cans" typeface="Euphemia"/>
+        <a:font script="Cher" typeface="Plantagenet Cherokee"/>
+        <a:font script="Yiii" typeface="Microsoft Yi Baiti"/>
+        <a:font script="Tibt" typeface="Microsoft Himalaya"/>
+        <a:font script="Thaa" typeface="MV Boli"/>
+        <a:font script="Deva" typeface="Mangal"/>
+        <a:font script="Telu" typeface="Gautami"/>
+        <a:font script="Taml" typeface="Latha"/>
+        <a:font script="Syrc" typeface="Estrangelo Edessa"/>
+        <a:font script="Orya" typeface="Kalinga"/>
+        <a:font script="Mlym" typeface="Kartika"/>
+        <a:font script="Laoo" typeface="DokChampa"/>
+        <a:font script="Sinh" typeface="Iskoola Pota"/>
+        <a:font script="Mong" typeface="Mongolian Baiti"/>
+        <a:font script="Viet" typeface="Times New Roman"/>
+        <a:font script="Uigh" typeface="Microsoft Uighur"/>
+        <a:font script="Geor" typeface="Sylfaen"/>
+        <a:font script="Armn" typeface="Arial"/>
+        <a:font script="Bugi" typeface="Leelawadee UI"/>
+        <a:font script="Bopo" typeface="Microsoft JhengHei"/>
+        <a:font script="Java" typeface="Javanese Text"/>
+        <a:font script="Lisu" typeface="Segoe UI"/>
+        <a:font script="Mymr" typeface="Myanmar Text"/>
+        <a:font script="Nkoo" typeface="Ebrima"/>
+        <a:font script="Olck" typeface="Nirmala UI"/>
+        <a:font script="Osma" typeface="Ebrima"/>
+        <a:font script="Phag" typeface="Phagspa"/>
+        <a:font script="Syrn" typeface="Estrangelo Edessa"/>
+        <a:font script="Syrj" typeface="Estrangelo Edessa"/>
+        <a:font script="Syre" typeface="Estrangelo Edessa"/>
+        <a:font script="Sora" typeface="Nirmala UI"/>
+        <a:font script="Tale" typeface="Microsoft Tai Le"/>
+        <a:font script="Talu" typeface="Microsoft New Tai Lue"/>
+        <a:font script="Tfng" typeface="Ebrima"/>
+      </a:majorFont>
+      <a:minorFont>
+        <a:latin typeface="Calibri" panose="020F0502020204030204"/>
+        <a:ea typeface=""/>
+        <a:cs typeface=""/>
+        <a:font script="Jpan" typeface="游ゴシック"/>
+        <a:font script="Hang" typeface="맑은 고딕"/>
+        <a:font script="Hans" typeface="等线"/>
+        <a:font script="Hant" typeface="新細明體"/>
+        <a:font script="Arab" typeface="Arial"/>
+        <a:font script="Hebr" typeface="Arial"/>
+        <a:font script="Thai" typeface="Cordia New"/>
+        <a:font script="Ethi" typeface="Nyala"/>
+        <a:font script="Beng" typeface="Vrinda"/>
+        <a:font script="Gujr" typeface="Shruti"/>
+        <a:font script="Khmr" typeface="DaunPenh"/>
+        <a:font script="Knda" typeface="Tunga"/>
+        <a:font script="Guru" typeface="Raavi"/>
+        <a:font script="Cans" typeface="Euphemia"/>
+        <a:font script="Cher" typeface="Plantagenet Cherokee"/>
+        <a:font script="Yiii" typeface="Microsoft Yi Baiti"/>
+        <a:font script="Tibt" typeface="Microsoft Himalaya"/>
+        <a:font script="Thaa" typeface="MV Boli"/>
+        <a:font script="Deva" typeface="Mangal"/>
+        <a:font script="Telu" typeface="Gautami"/>
+        <a:font script="Taml" typeface="Latha"/>
+        <a:font script="Syrc" typeface="Estrangelo Edessa"/>
+        <a:font script="Orya" typeface="Kalinga"/>
+        <a:font script="Mlym" typeface="Kartika"/>
+        <a:font script="Laoo" typeface="DokChampa"/>
+        <a:font script="Sinh" typeface="Iskoola Pota"/>
+        <a:font script="Mong" typeface="Mongolian Baiti"/>
+        <a:font script="Viet" typeface="Arial"/>
+        <a:font script="Uigh" typeface="Microsoft Uighur"/>
+        <a:font script="Geor" typeface="Sylfaen"/>
+        <a:font script="Armn" typeface="Arial"/>
+        <a:font script="Bugi" typeface="Leelawadee UI"/>
+        <a:font script="Bopo" typeface="Microsoft JhengHei"/>
+        <a:font script="Java" typeface="Javanese Text"/>
+        <a:font script="Lisu" typeface="Segoe UI"/>
+        <a:font script="Mymr" typeface="Myanmar Text"/>
+        <a:font script="Nkoo" typeface="Ebrima"/>
+        <a:font script="Olck" typeface="Nirmala UI"/>
+        <a:font script="Osma" typeface="Ebrima"/>
+        <a:font script="Phag" typeface="Phagspa"/>
+        <a:font script="Syrn" typeface="Estrangelo Edessa"/>
+        <a:font script="Syrj" typeface="Estrangelo Edessa"/>
+        <a:font script="Syre" typeface="Estrangelo Edessa"/>
+        <a:font script="Sora" typeface="Nirmala UI"/>
+        <a:font script="Tale" typeface="Microsoft Tai Le"/>
+        <a:font script="Talu" typeface="Microsoft New Tai Lue"/>
+        <a:font script="Tfng" typeface="Ebrima"/>
+      </a:minorFont>
+    </a:fontScheme>
+    <a:fmtScheme name="Office">
+      <a:fillStyleLst>
+        <a:solidFill>
+          <a:schemeClr val="phClr"/>
+        </a:solidFill>
+        <a:gradFill rotWithShape="1">
+          <a:gsLst>
+            <a:gs pos="0">
+              <a:schemeClr val="phClr">
+                <a:lumMod val="110000"/>
+                <a:satMod val="105000"/>
+                <a:tint val="67000"/>
+              </a:schemeClr>
+            </a:gs>
+            <a:gs pos="50000">
+              <a:schemeClr val="phClr">
+                <a:lumMod val="105000"/>
+                <a:satMod val="103000"/>
+                <a:tint val="73000"/>
+              </a:schemeClr>
+            </a:gs>
+            <a:gs pos="100000">
+              <a:schemeClr val="phClr">
+                <a:lumMod val="105000"/>
+                <a:satMod val="109000"/>
+                <a:tint val="81000"/>
+              </a:schemeClr>
+            </a:gs>
+          </a:gsLst>
+          <a:lin ang="5400000" scaled="0"/>
+        </a:gradFill>
+        <a:gradFill rotWithShape="1">
+          <a:gsLst>
+            <a:gs pos="0">
+              <a:schemeClr val="phClr">
+                <a:satMod val="103000"/>
+                <a:lumMod val="102000"/>
+                <a:tint val="94000"/>
+              </a:schemeClr>
+            </a:gs>
+            <a:gs pos="50000">
+              <a:schemeClr val="phClr">
+                <a:satMod val="110000"/>
+                <a:lumMod val="100000"/>
+                <a:shade val="100000"/>
+              </a:schemeClr>
+            </a:gs>
+            <a:gs pos="100000">
+              <a:schemeClr val="phClr">
+                <a:lumMod val="99000"/>
+                <a:satMod val="120000"/>
+                <a:shade val="78000"/>
+              </a:schemeClr>
+            </a:gs>
+          </a:gsLst>
+          <a:lin ang="5400000" scaled="0"/>
+        </a:gradFill>
+      </a:fillStyleLst>
+      <a:lnStyleLst>
+        <a:ln w="6350" cap="flat" cmpd="sng" algn="ctr">
+          <a:solidFill>
+            <a:schemeClr val="phClr"/>
+          </a:solidFill>
+          <a:prstDash val="solid"/>
+          <a:miter lim="800000"/>
+        </a:ln>
+        <a:ln w="12700" cap="flat" cmpd="sng" algn="ctr">
+          <a:solidFill>
+            <a:schemeClr val="phClr"/>
+          </a:solidFill>
+          <a:prstDash val="solid"/>
+          <a:miter lim="800000"/>
+        </a:ln>
+        <a:ln w="19050" cap="flat" cmpd="sng" algn="ctr">
+          <a:solidFill>
+            <a:schemeClr val="phClr"/>
+          </a:solidFill>
+          <a:prstDash val="solid"/>
+          <a:miter lim="800000"/>
+        </a:ln>
+      </a:lnStyleLst>
+      <a:effectStyleLst>
+        <a:effectStyle>
+          <a:effectLst/>
+        </a:effectStyle>
+        <a:effectStyle>
+          <a:effectLst/>
+        </a:effectStyle>
+        <a:effectStyle>
+          <a:effectLst>
+            <a:outerShdw blurRad="57150" dist="19050" dir="5400000" algn="ctr" rotWithShape="0">
+              <a:srgbClr val="000000">
+                <a:alpha val="63000"/>
+              </a:srgbClr>
+            </a:outerShdw>
+          </a:effectLst>
+        </a:effectStyle>
+      </a:effectStyleLst>
+      <a:bgFillStyleLst>
+        <a:solidFill>
+          <a:schemeClr val="phClr"/>
+        </a:solidFill>
+        <a:solidFill>
+          <a:schemeClr val="phClr">
+            <a:tint val="95000"/>
+            <a:satMod val="170000"/>
+          </a:schemeClr>
+        </a:solidFill>
+        <a:gradFill rotWithShape="1">
+          <a:gsLst>
+            <a:gs pos="0">
+              <a:schemeClr val="phClr">
+                <a:tint val="93000"/>
+                <a:satMod val="150000"/>
+                <a:shade val="98000"/>
+                <a:lumMod val="102000"/>
+              </a:schemeClr>
+            </a:gs>
+            <a:gs pos="50000">
+              <a:schemeClr val="phClr">
+                <a:tint val="98000"/>
+                <a:satMod val="130000"/>
+                <a:shade val="90000"/>
+                <a:lumMod val="103000"/>
+              </a:schemeClr>
+            </a:gs>
+            <a:gs pos="100000">
+              <a:schemeClr val="phClr">
+                <a:shade val="63000"/>
+                <a:satMod val="120000"/>
+              </a:schemeClr>
+            </a:gs>
+          </a:gsLst>
+          <a:lin ang="5400000" scaled="0"/>
+        </a:gradFill>
+      </a:bgFillStyleLst>
+    </a:fmtScheme>
+  </a:themeElements>
+  <a:objectDefaults/>
+  <a:extraClrSchemeLst/>
+  <a:extLst>
+    <a:ext uri="{05A4C25C-085E-4340-85A3-A5531E510DB2}">
+      <thm15:themeFamily xmlns:thm15="http://schemas.microsoft.com/office/thememl/2012/main" name="Office Theme" id="{62F939B6-93AF-4DB8-9C6B-D6C7DFDC589F}" vid="{4A3C46E8-61CC-4603-A589-7422A47A8E4A}"/>
+    </a:ext>
+  </a:extLst>
+</a:theme>
 </file>
--- a/experiments/CGP.pptx
+++ b/experiments/CGP.pptx
@@ -5,7 +5,7 @@
     <p:sldMasterId id="2147483648" r:id="rId1"/>
   </p:sldMasterIdLst>
   <p:notesMasterIdLst>
-    <p:notesMasterId r:id="rId7"/>
+    <p:notesMasterId r:id="rId10"/>
   </p:notesMasterIdLst>
   <p:sldIdLst>
     <p:sldId id="260" r:id="rId2"/>
@@ -13,6 +13,9 @@
     <p:sldId id="258" r:id="rId4"/>
     <p:sldId id="256" r:id="rId5"/>
     <p:sldId id="257" r:id="rId6"/>
+    <p:sldId id="262" r:id="rId7"/>
+    <p:sldId id="263" r:id="rId8"/>
+    <p:sldId id="261" r:id="rId9"/>
   </p:sldIdLst>
   <p:sldSz cx="12192000" cy="6858000"/>
   <p:notesSz cx="6858000" cy="9144000"/>
@@ -201,7 +204,7 @@
           <a:p>
             <a:fld id="{AE16BDA9-A43C-41B0-8B98-AE9BBEC45597}" type="datetimeFigureOut">
               <a:rPr lang="en-SG" smtClean="0"/>
-              <a:t>6/9/2021</a:t>
+              <a:t>19/9/21</a:t>
             </a:fld>
             <a:endParaRPr lang="en-SG"/>
           </a:p>
@@ -830,7 +833,7 @@
           <a:p>
             <a:fld id="{3140C0BA-8046-41EB-B1C2-56BD65E25AD0}" type="datetimeFigureOut">
               <a:rPr lang="en-SG" smtClean="0"/>
-              <a:t>6/9/2021</a:t>
+              <a:t>19/9/21</a:t>
             </a:fld>
             <a:endParaRPr lang="en-SG"/>
           </a:p>
@@ -1030,7 +1033,7 @@
           <a:p>
             <a:fld id="{3140C0BA-8046-41EB-B1C2-56BD65E25AD0}" type="datetimeFigureOut">
               <a:rPr lang="en-SG" smtClean="0"/>
-              <a:t>6/9/2021</a:t>
+              <a:t>19/9/21</a:t>
             </a:fld>
             <a:endParaRPr lang="en-SG"/>
           </a:p>
@@ -1240,7 +1243,7 @@
           <a:p>
             <a:fld id="{3140C0BA-8046-41EB-B1C2-56BD65E25AD0}" type="datetimeFigureOut">
               <a:rPr lang="en-SG" smtClean="0"/>
-              <a:t>6/9/2021</a:t>
+              <a:t>19/9/21</a:t>
             </a:fld>
             <a:endParaRPr lang="en-SG"/>
           </a:p>
@@ -1440,7 +1443,7 @@
           <a:p>
             <a:fld id="{3140C0BA-8046-41EB-B1C2-56BD65E25AD0}" type="datetimeFigureOut">
               <a:rPr lang="en-SG" smtClean="0"/>
-              <a:t>6/9/2021</a:t>
+              <a:t>19/9/21</a:t>
             </a:fld>
             <a:endParaRPr lang="en-SG"/>
           </a:p>
@@ -1716,7 +1719,7 @@
           <a:p>
             <a:fld id="{3140C0BA-8046-41EB-B1C2-56BD65E25AD0}" type="datetimeFigureOut">
               <a:rPr lang="en-SG" smtClean="0"/>
-              <a:t>6/9/2021</a:t>
+              <a:t>19/9/21</a:t>
             </a:fld>
             <a:endParaRPr lang="en-SG"/>
           </a:p>
@@ -1984,7 +1987,7 @@
           <a:p>
             <a:fld id="{3140C0BA-8046-41EB-B1C2-56BD65E25AD0}" type="datetimeFigureOut">
               <a:rPr lang="en-SG" smtClean="0"/>
-              <a:t>6/9/2021</a:t>
+              <a:t>19/9/21</a:t>
             </a:fld>
             <a:endParaRPr lang="en-SG"/>
           </a:p>
@@ -2399,7 +2402,7 @@
           <a:p>
             <a:fld id="{3140C0BA-8046-41EB-B1C2-56BD65E25AD0}" type="datetimeFigureOut">
               <a:rPr lang="en-SG" smtClean="0"/>
-              <a:t>6/9/2021</a:t>
+              <a:t>19/9/21</a:t>
             </a:fld>
             <a:endParaRPr lang="en-SG"/>
           </a:p>
@@ -2541,7 +2544,7 @@
           <a:p>
             <a:fld id="{3140C0BA-8046-41EB-B1C2-56BD65E25AD0}" type="datetimeFigureOut">
               <a:rPr lang="en-SG" smtClean="0"/>
-              <a:t>6/9/2021</a:t>
+              <a:t>19/9/21</a:t>
             </a:fld>
             <a:endParaRPr lang="en-SG"/>
           </a:p>
@@ -2654,7 +2657,7 @@
           <a:p>
             <a:fld id="{3140C0BA-8046-41EB-B1C2-56BD65E25AD0}" type="datetimeFigureOut">
               <a:rPr lang="en-SG" smtClean="0"/>
-              <a:t>6/9/2021</a:t>
+              <a:t>19/9/21</a:t>
             </a:fld>
             <a:endParaRPr lang="en-SG"/>
           </a:p>
@@ -2967,7 +2970,7 @@
           <a:p>
             <a:fld id="{3140C0BA-8046-41EB-B1C2-56BD65E25AD0}" type="datetimeFigureOut">
               <a:rPr lang="en-SG" smtClean="0"/>
-              <a:t>6/9/2021</a:t>
+              <a:t>19/9/21</a:t>
             </a:fld>
             <a:endParaRPr lang="en-SG"/>
           </a:p>
@@ -3256,7 +3259,7 @@
           <a:p>
             <a:fld id="{3140C0BA-8046-41EB-B1C2-56BD65E25AD0}" type="datetimeFigureOut">
               <a:rPr lang="en-SG" smtClean="0"/>
-              <a:t>6/9/2021</a:t>
+              <a:t>19/9/21</a:t>
             </a:fld>
             <a:endParaRPr lang="en-SG"/>
           </a:p>
@@ -3499,7 +3502,7 @@
           <a:p>
             <a:fld id="{3140C0BA-8046-41EB-B1C2-56BD65E25AD0}" type="datetimeFigureOut">
               <a:rPr lang="en-SG" smtClean="0"/>
-              <a:t>6/9/2021</a:t>
+              <a:t>19/9/21</a:t>
             </a:fld>
             <a:endParaRPr lang="en-SG"/>
           </a:p>
@@ -9234,6 +9237,41 @@
           </a:graphicData>
         </a:graphic>
       </p:graphicFrame>
+      <p:sp>
+        <p:nvSpPr>
+          <p:cNvPr id="2" name="TextBox 1">
+            <a:extLst>
+              <a:ext uri="{FF2B5EF4-FFF2-40B4-BE49-F238E27FC236}">
+                <a16:creationId xmlns:a16="http://schemas.microsoft.com/office/drawing/2014/main" id="{B5418BA3-0DC3-FF44-BF16-4B0DCEC8818A}"/>
+              </a:ext>
+            </a:extLst>
+          </p:cNvPr>
+          <p:cNvSpPr txBox="1"/>
+          <p:nvPr/>
+        </p:nvSpPr>
+        <p:spPr>
+          <a:xfrm>
+            <a:off x="1767016" y="741405"/>
+            <a:ext cx="1996187" cy="369332"/>
+          </a:xfrm>
+          <a:prstGeom prst="rect">
+            <a:avLst/>
+          </a:prstGeom>
+          <a:noFill/>
+        </p:spPr>
+        <p:txBody>
+          <a:bodyPr wrap="none" rtlCol="0">
+            <a:spAutoFit/>
+          </a:bodyPr>
+          <a:lstStyle/>
+          <a:p>
+            <a:r>
+              <a:rPr lang="en-US" dirty="0"/>
+              <a:t>Structural Accuracy</a:t>
+            </a:r>
+          </a:p>
+        </p:txBody>
+      </p:sp>
     </p:spTree>
     <p:extLst>
       <p:ext uri="{BB962C8B-B14F-4D97-AF65-F5344CB8AC3E}">
@@ -9672,7 +9710,7 @@
                     <a:lstStyle/>
                     <a:p>
                       <a:r>
-                        <a:rPr lang="en-SG" sz="1800" b="0" i="0" u="none" strike="noStrike" kern="1200" baseline="0">
+                        <a:rPr lang="en-SG" sz="1800" b="0" i="0" u="none" strike="noStrike" kern="1200" baseline="0" dirty="0">
                           <a:solidFill>
                             <a:schemeClr val="dk1"/>
                           </a:solidFill>
@@ -10467,10 +10505,1537 @@
           </a:graphicData>
         </a:graphic>
       </p:graphicFrame>
+      <p:sp>
+        <p:nvSpPr>
+          <p:cNvPr id="2" name="TextBox 1">
+            <a:extLst>
+              <a:ext uri="{FF2B5EF4-FFF2-40B4-BE49-F238E27FC236}">
+                <a16:creationId xmlns:a16="http://schemas.microsoft.com/office/drawing/2014/main" id="{69F7FFC9-DE22-764B-82DF-B94A0F49CB38}"/>
+              </a:ext>
+            </a:extLst>
+          </p:cNvPr>
+          <p:cNvSpPr txBox="1"/>
+          <p:nvPr/>
+        </p:nvSpPr>
+        <p:spPr>
+          <a:xfrm>
+            <a:off x="1816443" y="766119"/>
+            <a:ext cx="1867884" cy="369332"/>
+          </a:xfrm>
+          <a:prstGeom prst="rect">
+            <a:avLst/>
+          </a:prstGeom>
+          <a:noFill/>
+        </p:spPr>
+        <p:txBody>
+          <a:bodyPr wrap="none" rtlCol="0">
+            <a:spAutoFit/>
+          </a:bodyPr>
+          <a:lstStyle/>
+          <a:p>
+            <a:r>
+              <a:rPr lang="en-US" dirty="0"/>
+              <a:t>Dynamic accuracy</a:t>
+            </a:r>
+          </a:p>
+        </p:txBody>
+      </p:sp>
     </p:spTree>
     <p:extLst>
       <p:ext uri="{BB962C8B-B14F-4D97-AF65-F5344CB8AC3E}">
         <p14:creationId xmlns:p14="http://schemas.microsoft.com/office/powerpoint/2010/main" val="3378488931"/>
+      </p:ext>
+    </p:extLst>
+  </p:cSld>
+  <p:clrMapOvr>
+    <a:masterClrMapping/>
+  </p:clrMapOvr>
+</p:sld>
+</file>
+
+<file path=ppt/slides/slide6.xml><?xml version="1.0" encoding="utf-8"?>
+<p:sld xmlns:a="http://schemas.openxmlformats.org/drawingml/2006/main" xmlns:r="http://schemas.openxmlformats.org/officeDocument/2006/relationships" xmlns:p="http://schemas.openxmlformats.org/presentationml/2006/main">
+  <p:cSld>
+    <p:spTree>
+      <p:nvGrpSpPr>
+        <p:cNvPr id="1" name=""/>
+        <p:cNvGrpSpPr/>
+        <p:nvPr/>
+      </p:nvGrpSpPr>
+      <p:grpSpPr>
+        <a:xfrm>
+          <a:off x="0" y="0"/>
+          <a:ext cx="0" cy="0"/>
+          <a:chOff x="0" y="0"/>
+          <a:chExt cx="0" cy="0"/>
+        </a:xfrm>
+      </p:grpSpPr>
+      <p:pic>
+        <p:nvPicPr>
+          <p:cNvPr id="4" name="Picture 3">
+            <a:extLst>
+              <a:ext uri="{FF2B5EF4-FFF2-40B4-BE49-F238E27FC236}">
+                <a16:creationId xmlns:a16="http://schemas.microsoft.com/office/drawing/2014/main" id="{2E1AE641-025F-3D4D-ABE7-DEDB848F55C7}"/>
+              </a:ext>
+            </a:extLst>
+          </p:cNvPr>
+          <p:cNvPicPr>
+            <a:picLocks noChangeAspect="1"/>
+          </p:cNvPicPr>
+          <p:nvPr/>
+        </p:nvPicPr>
+        <p:blipFill>
+          <a:blip r:embed="rId2"/>
+          <a:stretch>
+            <a:fillRect/>
+          </a:stretch>
+        </p:blipFill>
+        <p:spPr>
+          <a:xfrm>
+            <a:off x="1035050" y="546100"/>
+            <a:ext cx="10121900" cy="5765800"/>
+          </a:xfrm>
+          <a:prstGeom prst="rect">
+            <a:avLst/>
+          </a:prstGeom>
+        </p:spPr>
+      </p:pic>
+    </p:spTree>
+    <p:extLst>
+      <p:ext uri="{BB962C8B-B14F-4D97-AF65-F5344CB8AC3E}">
+        <p14:creationId xmlns:p14="http://schemas.microsoft.com/office/powerpoint/2010/main" val="597226999"/>
+      </p:ext>
+    </p:extLst>
+  </p:cSld>
+  <p:clrMapOvr>
+    <a:masterClrMapping/>
+  </p:clrMapOvr>
+</p:sld>
+</file>
+
+<file path=ppt/slides/slide7.xml><?xml version="1.0" encoding="utf-8"?>
+<p:sld xmlns:a="http://schemas.openxmlformats.org/drawingml/2006/main" xmlns:r="http://schemas.openxmlformats.org/officeDocument/2006/relationships" xmlns:p="http://schemas.openxmlformats.org/presentationml/2006/main">
+  <p:cSld>
+    <p:spTree>
+      <p:nvGrpSpPr>
+        <p:cNvPr id="1" name=""/>
+        <p:cNvGrpSpPr/>
+        <p:nvPr/>
+      </p:nvGrpSpPr>
+      <p:grpSpPr>
+        <a:xfrm>
+          <a:off x="0" y="0"/>
+          <a:ext cx="0" cy="0"/>
+          <a:chOff x="0" y="0"/>
+          <a:chExt cx="0" cy="0"/>
+        </a:xfrm>
+      </p:grpSpPr>
+      <p:sp>
+        <p:nvSpPr>
+          <p:cNvPr id="4" name="Rectangle 3">
+            <a:extLst>
+              <a:ext uri="{FF2B5EF4-FFF2-40B4-BE49-F238E27FC236}">
+                <a16:creationId xmlns:a16="http://schemas.microsoft.com/office/drawing/2014/main" id="{4944095E-1AB4-1B42-A5D7-DF6D30F7A083}"/>
+              </a:ext>
+            </a:extLst>
+          </p:cNvPr>
+          <p:cNvSpPr/>
+          <p:nvPr/>
+        </p:nvSpPr>
+        <p:spPr>
+          <a:xfrm>
+            <a:off x="6475062" y="1327238"/>
+            <a:ext cx="2113808" cy="1888176"/>
+          </a:xfrm>
+          <a:prstGeom prst="rect">
+            <a:avLst/>
+          </a:prstGeom>
+        </p:spPr>
+        <p:style>
+          <a:lnRef idx="2">
+            <a:schemeClr val="accent1">
+              <a:shade val="50000"/>
+            </a:schemeClr>
+          </a:lnRef>
+          <a:fillRef idx="1">
+            <a:schemeClr val="accent1"/>
+          </a:fillRef>
+          <a:effectRef idx="0">
+            <a:schemeClr val="accent1"/>
+          </a:effectRef>
+          <a:fontRef idx="minor">
+            <a:schemeClr val="lt1"/>
+          </a:fontRef>
+        </p:style>
+        <p:txBody>
+          <a:bodyPr rtlCol="0" anchor="ctr"/>
+          <a:lstStyle/>
+          <a:p>
+            <a:pPr algn="ctr"/>
+            <a:r>
+              <a:rPr lang="en-US" dirty="0"/>
+              <a:t>Bit string – count</a:t>
+            </a:r>
+          </a:p>
+          <a:p>
+            <a:pPr algn="ctr"/>
+            <a:r>
+              <a:rPr lang="en-US" dirty="0"/>
+              <a:t>001 – 1</a:t>
+            </a:r>
+          </a:p>
+          <a:p>
+            <a:pPr algn="ctr"/>
+            <a:r>
+              <a:rPr lang="en-US" dirty="0"/>
+              <a:t>100 – 1</a:t>
+            </a:r>
+          </a:p>
+          <a:p>
+            <a:pPr algn="ctr"/>
+            <a:r>
+              <a:rPr lang="en-US" dirty="0"/>
+              <a:t>010 - 2</a:t>
+            </a:r>
+          </a:p>
+        </p:txBody>
+      </p:sp>
+      <p:pic>
+        <p:nvPicPr>
+          <p:cNvPr id="5" name="Picture 4">
+            <a:extLst>
+              <a:ext uri="{FF2B5EF4-FFF2-40B4-BE49-F238E27FC236}">
+                <a16:creationId xmlns:a16="http://schemas.microsoft.com/office/drawing/2014/main" id="{89EC9C13-6BB6-A942-81FE-BF075D2F862C}"/>
+              </a:ext>
+            </a:extLst>
+          </p:cNvPr>
+          <p:cNvPicPr>
+            <a:picLocks noChangeAspect="1"/>
+          </p:cNvPicPr>
+          <p:nvPr/>
+        </p:nvPicPr>
+        <p:blipFill>
+          <a:blip r:embed="rId2"/>
+          <a:stretch>
+            <a:fillRect/>
+          </a:stretch>
+        </p:blipFill>
+        <p:spPr>
+          <a:xfrm>
+            <a:off x="85436" y="306695"/>
+            <a:ext cx="5041723" cy="2871948"/>
+          </a:xfrm>
+          <a:prstGeom prst="rect">
+            <a:avLst/>
+          </a:prstGeom>
+        </p:spPr>
+      </p:pic>
+      <p:sp>
+        <p:nvSpPr>
+          <p:cNvPr id="6" name="TextBox 5">
+            <a:extLst>
+              <a:ext uri="{FF2B5EF4-FFF2-40B4-BE49-F238E27FC236}">
+                <a16:creationId xmlns:a16="http://schemas.microsoft.com/office/drawing/2014/main" id="{333660A2-15E8-0C4A-86C6-A7923F528EE8}"/>
+              </a:ext>
+            </a:extLst>
+          </p:cNvPr>
+          <p:cNvSpPr txBox="1"/>
+          <p:nvPr/>
+        </p:nvSpPr>
+        <p:spPr>
+          <a:xfrm>
+            <a:off x="6831549" y="962812"/>
+            <a:ext cx="1400833" cy="369332"/>
+          </a:xfrm>
+          <a:prstGeom prst="rect">
+            <a:avLst/>
+          </a:prstGeom>
+          <a:noFill/>
+        </p:spPr>
+        <p:txBody>
+          <a:bodyPr wrap="none" rtlCol="0">
+            <a:spAutoFit/>
+          </a:bodyPr>
+          <a:lstStyle/>
+          <a:p>
+            <a:r>
+              <a:rPr lang="en-US" dirty="0"/>
+              <a:t>Count Map 0</a:t>
+            </a:r>
+          </a:p>
+        </p:txBody>
+      </p:sp>
+      <p:sp>
+        <p:nvSpPr>
+          <p:cNvPr id="7" name="Rectangle 6">
+            <a:extLst>
+              <a:ext uri="{FF2B5EF4-FFF2-40B4-BE49-F238E27FC236}">
+                <a16:creationId xmlns:a16="http://schemas.microsoft.com/office/drawing/2014/main" id="{AEF2CB6A-4CB6-F64D-B827-D6A5CDD1BBA9}"/>
+              </a:ext>
+            </a:extLst>
+          </p:cNvPr>
+          <p:cNvSpPr/>
+          <p:nvPr/>
+        </p:nvSpPr>
+        <p:spPr>
+          <a:xfrm>
+            <a:off x="9051624" y="1327238"/>
+            <a:ext cx="2113808" cy="1888176"/>
+          </a:xfrm>
+          <a:prstGeom prst="rect">
+            <a:avLst/>
+          </a:prstGeom>
+        </p:spPr>
+        <p:style>
+          <a:lnRef idx="2">
+            <a:schemeClr val="accent1">
+              <a:shade val="50000"/>
+            </a:schemeClr>
+          </a:lnRef>
+          <a:fillRef idx="1">
+            <a:schemeClr val="accent1"/>
+          </a:fillRef>
+          <a:effectRef idx="0">
+            <a:schemeClr val="accent1"/>
+          </a:effectRef>
+          <a:fontRef idx="minor">
+            <a:schemeClr val="lt1"/>
+          </a:fontRef>
+        </p:style>
+        <p:txBody>
+          <a:bodyPr rtlCol="0" anchor="ctr"/>
+          <a:lstStyle/>
+          <a:p>
+            <a:pPr algn="ctr"/>
+            <a:r>
+              <a:rPr lang="en-US" dirty="0"/>
+              <a:t>Bit string – count</a:t>
+            </a:r>
+          </a:p>
+          <a:p>
+            <a:pPr algn="ctr"/>
+            <a:r>
+              <a:rPr lang="en-US" dirty="0"/>
+              <a:t>111 – 1</a:t>
+            </a:r>
+          </a:p>
+          <a:p>
+            <a:pPr algn="ctr"/>
+            <a:r>
+              <a:rPr lang="en-US" dirty="0"/>
+              <a:t>100 – 1</a:t>
+            </a:r>
+          </a:p>
+          <a:p>
+            <a:pPr algn="ctr"/>
+            <a:r>
+              <a:rPr lang="en-US" dirty="0"/>
+              <a:t>010 - 3</a:t>
+            </a:r>
+          </a:p>
+        </p:txBody>
+      </p:sp>
+      <p:sp>
+        <p:nvSpPr>
+          <p:cNvPr id="9" name="TextBox 8">
+            <a:extLst>
+              <a:ext uri="{FF2B5EF4-FFF2-40B4-BE49-F238E27FC236}">
+                <a16:creationId xmlns:a16="http://schemas.microsoft.com/office/drawing/2014/main" id="{D986DA9F-6ED2-C942-8400-B2C62758A27C}"/>
+              </a:ext>
+            </a:extLst>
+          </p:cNvPr>
+          <p:cNvSpPr txBox="1"/>
+          <p:nvPr/>
+        </p:nvSpPr>
+        <p:spPr>
+          <a:xfrm>
+            <a:off x="9408111" y="967718"/>
+            <a:ext cx="1400833" cy="369332"/>
+          </a:xfrm>
+          <a:prstGeom prst="rect">
+            <a:avLst/>
+          </a:prstGeom>
+          <a:noFill/>
+        </p:spPr>
+        <p:txBody>
+          <a:bodyPr wrap="none" rtlCol="0">
+            <a:spAutoFit/>
+          </a:bodyPr>
+          <a:lstStyle/>
+          <a:p>
+            <a:r>
+              <a:rPr lang="en-US" dirty="0"/>
+              <a:t>Count Map 1</a:t>
+            </a:r>
+          </a:p>
+        </p:txBody>
+      </p:sp>
+      <p:sp>
+        <p:nvSpPr>
+          <p:cNvPr id="12" name="TextBox 11">
+            <a:extLst>
+              <a:ext uri="{FF2B5EF4-FFF2-40B4-BE49-F238E27FC236}">
+                <a16:creationId xmlns:a16="http://schemas.microsoft.com/office/drawing/2014/main" id="{246E2F3A-79FA-5C41-ACA8-6CD01120B9BC}"/>
+              </a:ext>
+            </a:extLst>
+          </p:cNvPr>
+          <p:cNvSpPr txBox="1"/>
+          <p:nvPr/>
+        </p:nvSpPr>
+        <p:spPr>
+          <a:xfrm>
+            <a:off x="5536780" y="4479902"/>
+            <a:ext cx="6655220" cy="1477328"/>
+          </a:xfrm>
+          <a:prstGeom prst="rect">
+            <a:avLst/>
+          </a:prstGeom>
+          <a:noFill/>
+        </p:spPr>
+        <p:txBody>
+          <a:bodyPr wrap="none" rtlCol="0">
+            <a:spAutoFit/>
+          </a:bodyPr>
+          <a:lstStyle/>
+          <a:p>
+            <a:r>
+              <a:rPr lang="en-US" dirty="0"/>
+              <a:t>for key in keys(count_map_0)</a:t>
+            </a:r>
+          </a:p>
+          <a:p>
+            <a:r>
+              <a:rPr lang="en-US" dirty="0"/>
+              <a:t>	</a:t>
+            </a:r>
+            <a:r>
+              <a:rPr lang="en-US" dirty="0" err="1"/>
+              <a:t>false_count</a:t>
+            </a:r>
+            <a:r>
+              <a:rPr lang="en-US" dirty="0"/>
+              <a:t> += min(count_map_0[key], count_map_1[key])</a:t>
+            </a:r>
+          </a:p>
+          <a:p>
+            <a:r>
+              <a:rPr lang="en-US" dirty="0"/>
+              <a:t>end</a:t>
+            </a:r>
+          </a:p>
+          <a:p>
+            <a:endParaRPr lang="en-US" dirty="0"/>
+          </a:p>
+          <a:p>
+            <a:r>
+              <a:rPr lang="en-US" dirty="0" err="1"/>
+              <a:t>gene_wise_consistency</a:t>
+            </a:r>
+            <a:r>
+              <a:rPr lang="en-US" dirty="0"/>
+              <a:t> = 1 – </a:t>
+            </a:r>
+            <a:r>
+              <a:rPr lang="en-US" dirty="0" err="1"/>
+              <a:t>false_count</a:t>
+            </a:r>
+            <a:r>
+              <a:rPr lang="en-US" dirty="0"/>
+              <a:t>/(T – t)</a:t>
+            </a:r>
+          </a:p>
+        </p:txBody>
+      </p:sp>
+      <p:pic>
+        <p:nvPicPr>
+          <p:cNvPr id="13" name="Picture 12">
+            <a:extLst>
+              <a:ext uri="{FF2B5EF4-FFF2-40B4-BE49-F238E27FC236}">
+                <a16:creationId xmlns:a16="http://schemas.microsoft.com/office/drawing/2014/main" id="{140A4259-367C-1F42-9967-73F4D548C53F}"/>
+              </a:ext>
+            </a:extLst>
+          </p:cNvPr>
+          <p:cNvPicPr>
+            <a:picLocks noChangeAspect="1"/>
+          </p:cNvPicPr>
+          <p:nvPr/>
+        </p:nvPicPr>
+        <p:blipFill>
+          <a:blip r:embed="rId3"/>
+          <a:stretch>
+            <a:fillRect/>
+          </a:stretch>
+        </p:blipFill>
+        <p:spPr>
+          <a:xfrm>
+            <a:off x="551555" y="4235957"/>
+            <a:ext cx="3515096" cy="1299853"/>
+          </a:xfrm>
+          <a:prstGeom prst="rect">
+            <a:avLst/>
+          </a:prstGeom>
+        </p:spPr>
+      </p:pic>
+      <p:sp>
+        <p:nvSpPr>
+          <p:cNvPr id="14" name="TextBox 13">
+            <a:extLst>
+              <a:ext uri="{FF2B5EF4-FFF2-40B4-BE49-F238E27FC236}">
+                <a16:creationId xmlns:a16="http://schemas.microsoft.com/office/drawing/2014/main" id="{67BC7184-07B0-4D44-97F5-A33366D9EFED}"/>
+              </a:ext>
+            </a:extLst>
+          </p:cNvPr>
+          <p:cNvSpPr txBox="1"/>
+          <p:nvPr/>
+        </p:nvSpPr>
+        <p:spPr>
+          <a:xfrm>
+            <a:off x="5251772" y="349535"/>
+            <a:ext cx="5355505" cy="369332"/>
+          </a:xfrm>
+          <a:prstGeom prst="rect">
+            <a:avLst/>
+          </a:prstGeom>
+          <a:noFill/>
+        </p:spPr>
+        <p:txBody>
+          <a:bodyPr wrap="none" rtlCol="0">
+            <a:spAutoFit/>
+          </a:bodyPr>
+          <a:lstStyle/>
+          <a:p>
+            <a:r>
+              <a:rPr lang="en-US" dirty="0"/>
+              <a:t>Step1: 0/1 count map: (key -&gt; bit string, value -&gt; count)</a:t>
+            </a:r>
+          </a:p>
+        </p:txBody>
+      </p:sp>
+      <p:sp>
+        <p:nvSpPr>
+          <p:cNvPr id="15" name="TextBox 14">
+            <a:extLst>
+              <a:ext uri="{FF2B5EF4-FFF2-40B4-BE49-F238E27FC236}">
+                <a16:creationId xmlns:a16="http://schemas.microsoft.com/office/drawing/2014/main" id="{5DF1249B-A705-4343-9EF1-0FF073E09EAD}"/>
+              </a:ext>
+            </a:extLst>
+          </p:cNvPr>
+          <p:cNvSpPr txBox="1"/>
+          <p:nvPr/>
+        </p:nvSpPr>
+        <p:spPr>
+          <a:xfrm>
+            <a:off x="5251772" y="3866625"/>
+            <a:ext cx="3617465" cy="369332"/>
+          </a:xfrm>
+          <a:prstGeom prst="rect">
+            <a:avLst/>
+          </a:prstGeom>
+          <a:noFill/>
+        </p:spPr>
+        <p:txBody>
+          <a:bodyPr wrap="none" rtlCol="0">
+            <a:spAutoFit/>
+          </a:bodyPr>
+          <a:lstStyle/>
+          <a:p>
+            <a:r>
+              <a:rPr lang="en-US" dirty="0"/>
+              <a:t>Step2: false count for same bit string</a:t>
+            </a:r>
+          </a:p>
+        </p:txBody>
+      </p:sp>
+    </p:spTree>
+    <p:extLst>
+      <p:ext uri="{BB962C8B-B14F-4D97-AF65-F5344CB8AC3E}">
+        <p14:creationId xmlns:p14="http://schemas.microsoft.com/office/powerpoint/2010/main" val="3365209159"/>
+      </p:ext>
+    </p:extLst>
+  </p:cSld>
+  <p:clrMapOvr>
+    <a:masterClrMapping/>
+  </p:clrMapOvr>
+</p:sld>
+</file>
+
+<file path=ppt/slides/slide8.xml><?xml version="1.0" encoding="utf-8"?>
+<p:sld xmlns:a="http://schemas.openxmlformats.org/drawingml/2006/main" xmlns:r="http://schemas.openxmlformats.org/officeDocument/2006/relationships" xmlns:p="http://schemas.openxmlformats.org/presentationml/2006/main">
+  <p:cSld>
+    <p:spTree>
+      <p:nvGrpSpPr>
+        <p:cNvPr id="1" name=""/>
+        <p:cNvGrpSpPr/>
+        <p:nvPr/>
+      </p:nvGrpSpPr>
+      <p:grpSpPr>
+        <a:xfrm>
+          <a:off x="0" y="0"/>
+          <a:ext cx="0" cy="0"/>
+          <a:chOff x="0" y="0"/>
+          <a:chExt cx="0" cy="0"/>
+        </a:xfrm>
+      </p:grpSpPr>
+      <p:graphicFrame>
+        <p:nvGraphicFramePr>
+          <p:cNvPr id="4" name="Table 4">
+            <a:extLst>
+              <a:ext uri="{FF2B5EF4-FFF2-40B4-BE49-F238E27FC236}">
+                <a16:creationId xmlns:a16="http://schemas.microsoft.com/office/drawing/2014/main" id="{C531AC12-1289-4F9E-8EF5-BC0A3FB7A4F7}"/>
+              </a:ext>
+            </a:extLst>
+          </p:cNvPr>
+          <p:cNvGraphicFramePr>
+            <a:graphicFrameLocks noGrp="1"/>
+          </p:cNvGraphicFramePr>
+          <p:nvPr>
+            <p:extLst>
+              <p:ext uri="{D42A27DB-BD31-4B8C-83A1-F6EECF244321}">
+                <p14:modId xmlns:p14="http://schemas.microsoft.com/office/powerpoint/2010/main" val="3074500881"/>
+              </p:ext>
+            </p:extLst>
+          </p:nvPr>
+        </p:nvGraphicFramePr>
+        <p:xfrm>
+          <a:off x="2097314" y="1834039"/>
+          <a:ext cx="6773335" cy="1112520"/>
+        </p:xfrm>
+        <a:graphic>
+          <a:graphicData uri="http://schemas.openxmlformats.org/drawingml/2006/table">
+            <a:tbl>
+              <a:tblPr firstRow="1" bandRow="1">
+                <a:tableStyleId>{5C22544A-7EE6-4342-B048-85BDC9FD1C3A}</a:tableStyleId>
+              </a:tblPr>
+              <a:tblGrid>
+                <a:gridCol w="1354667">
+                  <a:extLst>
+                    <a:ext uri="{9D8B030D-6E8A-4147-A177-3AD203B41FA5}">
+                      <a16:colId xmlns:a16="http://schemas.microsoft.com/office/drawing/2014/main" val="648876226"/>
+                    </a:ext>
+                  </a:extLst>
+                </a:gridCol>
+                <a:gridCol w="1354667">
+                  <a:extLst>
+                    <a:ext uri="{9D8B030D-6E8A-4147-A177-3AD203B41FA5}">
+                      <a16:colId xmlns:a16="http://schemas.microsoft.com/office/drawing/2014/main" val="2613078581"/>
+                    </a:ext>
+                  </a:extLst>
+                </a:gridCol>
+                <a:gridCol w="1354667">
+                  <a:extLst>
+                    <a:ext uri="{9D8B030D-6E8A-4147-A177-3AD203B41FA5}">
+                      <a16:colId xmlns:a16="http://schemas.microsoft.com/office/drawing/2014/main" val="1327965494"/>
+                    </a:ext>
+                  </a:extLst>
+                </a:gridCol>
+                <a:gridCol w="1354667">
+                  <a:extLst>
+                    <a:ext uri="{9D8B030D-6E8A-4147-A177-3AD203B41FA5}">
+                      <a16:colId xmlns:a16="http://schemas.microsoft.com/office/drawing/2014/main" val="1698396579"/>
+                    </a:ext>
+                  </a:extLst>
+                </a:gridCol>
+                <a:gridCol w="1354667">
+                  <a:extLst>
+                    <a:ext uri="{9D8B030D-6E8A-4147-A177-3AD203B41FA5}">
+                      <a16:colId xmlns:a16="http://schemas.microsoft.com/office/drawing/2014/main" val="3682898311"/>
+                    </a:ext>
+                  </a:extLst>
+                </a:gridCol>
+              </a:tblGrid>
+              <a:tr h="370840">
+                <a:tc>
+                  <a:txBody>
+                    <a:bodyPr/>
+                    <a:lstStyle/>
+                    <a:p>
+                      <a:r>
+                        <a:rPr lang="en-SG" sz="1800" b="0" i="0" u="none" strike="noStrike" kern="1200" baseline="0" dirty="0">
+                          <a:solidFill>
+                            <a:schemeClr val="lt1"/>
+                          </a:solidFill>
+                          <a:latin typeface="+mn-lt"/>
+                          <a:ea typeface="+mn-ea"/>
+                          <a:cs typeface="+mn-cs"/>
+                        </a:rPr>
+                        <a:t>Methods</a:t>
+                      </a:r>
+                      <a:endParaRPr lang="en-SG" dirty="0"/>
+                    </a:p>
+                  </a:txBody>
+                  <a:tcPr/>
+                </a:tc>
+                <a:tc>
+                  <a:txBody>
+                    <a:bodyPr/>
+                    <a:lstStyle/>
+                    <a:p>
+                      <a:r>
+                        <a:rPr lang="en-SG" sz="1800" b="0" i="0" u="none" strike="noStrike" kern="1200" baseline="0" dirty="0">
+                          <a:solidFill>
+                            <a:schemeClr val="lt1"/>
+                          </a:solidFill>
+                          <a:latin typeface="+mn-lt"/>
+                          <a:ea typeface="+mn-ea"/>
+                          <a:cs typeface="+mn-cs"/>
+                        </a:rPr>
+                        <a:t>CDC-15</a:t>
+                      </a:r>
+                      <a:endParaRPr lang="en-SG" dirty="0"/>
+                    </a:p>
+                  </a:txBody>
+                  <a:tcPr/>
+                </a:tc>
+                <a:tc>
+                  <a:txBody>
+                    <a:bodyPr/>
+                    <a:lstStyle/>
+                    <a:p>
+                      <a:r>
+                        <a:rPr lang="en-SG" sz="1800" b="0" i="0" u="none" strike="noStrike" kern="1200" baseline="0" dirty="0">
+                          <a:solidFill>
+                            <a:schemeClr val="lt1"/>
+                          </a:solidFill>
+                          <a:latin typeface="+mn-lt"/>
+                          <a:ea typeface="+mn-ea"/>
+                          <a:cs typeface="+mn-cs"/>
+                        </a:rPr>
+                        <a:t>CDC-28</a:t>
+                      </a:r>
+                      <a:endParaRPr lang="en-SG" dirty="0"/>
+                    </a:p>
+                  </a:txBody>
+                  <a:tcPr/>
+                </a:tc>
+                <a:tc>
+                  <a:txBody>
+                    <a:bodyPr/>
+                    <a:lstStyle/>
+                    <a:p>
+                      <a:r>
+                        <a:rPr lang="en-SG" sz="1800" b="0" i="0" u="none" strike="noStrike" kern="1200" baseline="0" dirty="0">
+                          <a:solidFill>
+                            <a:schemeClr val="lt1"/>
+                          </a:solidFill>
+                          <a:latin typeface="+mn-lt"/>
+                          <a:ea typeface="+mn-ea"/>
+                          <a:cs typeface="+mn-cs"/>
+                        </a:rPr>
+                        <a:t>In Silico-1</a:t>
+                      </a:r>
+                      <a:endParaRPr lang="en-SG" dirty="0"/>
+                    </a:p>
+                  </a:txBody>
+                  <a:tcPr/>
+                </a:tc>
+                <a:tc>
+                  <a:txBody>
+                    <a:bodyPr/>
+                    <a:lstStyle/>
+                    <a:p>
+                      <a:r>
+                        <a:rPr lang="en-SG" sz="1800" b="0" i="0" u="none" strike="noStrike" kern="1200" baseline="0" dirty="0">
+                          <a:solidFill>
+                            <a:schemeClr val="lt1"/>
+                          </a:solidFill>
+                          <a:latin typeface="+mn-lt"/>
+                          <a:ea typeface="+mn-ea"/>
+                          <a:cs typeface="+mn-cs"/>
+                        </a:rPr>
+                        <a:t>In Silico-2</a:t>
+                      </a:r>
+                      <a:endParaRPr lang="en-SG" dirty="0"/>
+                    </a:p>
+                  </a:txBody>
+                  <a:tcPr/>
+                </a:tc>
+                <a:extLst>
+                  <a:ext uri="{0D108BD9-81ED-4DB2-BD59-A6C34878D82A}">
+                    <a16:rowId xmlns:a16="http://schemas.microsoft.com/office/drawing/2014/main" val="498236958"/>
+                  </a:ext>
+                </a:extLst>
+              </a:tr>
+              <a:tr h="370840">
+                <a:tc>
+                  <a:txBody>
+                    <a:bodyPr/>
+                    <a:lstStyle/>
+                    <a:p>
+                      <a:r>
+                        <a:rPr lang="en-US" dirty="0"/>
+                        <a:t>my</a:t>
+                      </a:r>
+                      <a:endParaRPr lang="en-SG" dirty="0"/>
+                    </a:p>
+                  </a:txBody>
+                  <a:tcPr/>
+                </a:tc>
+                <a:tc>
+                  <a:txBody>
+                    <a:bodyPr/>
+                    <a:lstStyle/>
+                    <a:p>
+                      <a:pPr marL="0" marR="0" lvl="0" indent="0" algn="l" defTabSz="914400" rtl="0" eaLnBrk="1" fontAlgn="auto" latinLnBrk="0" hangingPunct="1">
+                        <a:lnSpc>
+                          <a:spcPct val="100000"/>
+                        </a:lnSpc>
+                        <a:spcBef>
+                          <a:spcPts val="0"/>
+                        </a:spcBef>
+                        <a:spcAft>
+                          <a:spcPts val="0"/>
+                        </a:spcAft>
+                        <a:buClrTx/>
+                        <a:buSzTx/>
+                        <a:buFontTx/>
+                        <a:buNone/>
+                        <a:tabLst/>
+                        <a:defRPr/>
+                      </a:pPr>
+                      <a:r>
+                        <a:rPr lang="en-SG" sz="1800" b="0" kern="1200" dirty="0">
+                          <a:solidFill>
+                            <a:schemeClr val="dk1"/>
+                          </a:solidFill>
+                          <a:effectLst/>
+                          <a:latin typeface="+mn-lt"/>
+                          <a:ea typeface="+mn-ea"/>
+                          <a:cs typeface="+mn-cs"/>
+                        </a:rPr>
+                        <a:t>0.7577</a:t>
+                      </a:r>
+                    </a:p>
+                  </a:txBody>
+                  <a:tcPr/>
+                </a:tc>
+                <a:tc>
+                  <a:txBody>
+                    <a:bodyPr/>
+                    <a:lstStyle/>
+                    <a:p>
+                      <a:pPr marL="0" marR="0" lvl="0" indent="0" algn="l" defTabSz="914400" rtl="0" eaLnBrk="1" fontAlgn="auto" latinLnBrk="0" hangingPunct="1">
+                        <a:lnSpc>
+                          <a:spcPct val="100000"/>
+                        </a:lnSpc>
+                        <a:spcBef>
+                          <a:spcPts val="0"/>
+                        </a:spcBef>
+                        <a:spcAft>
+                          <a:spcPts val="0"/>
+                        </a:spcAft>
+                        <a:buClrTx/>
+                        <a:buSzTx/>
+                        <a:buFontTx/>
+                        <a:buNone/>
+                        <a:tabLst/>
+                        <a:defRPr/>
+                      </a:pPr>
+                      <a:r>
+                        <a:rPr lang="en-SG" sz="1800" b="0" kern="1200" dirty="0">
+                          <a:solidFill>
+                            <a:schemeClr val="dk1"/>
+                          </a:solidFill>
+                          <a:effectLst/>
+                          <a:latin typeface="+mn-lt"/>
+                          <a:ea typeface="+mn-ea"/>
+                          <a:cs typeface="+mn-cs"/>
+                        </a:rPr>
+                        <a:t>0.8125</a:t>
+                      </a:r>
+                    </a:p>
+                  </a:txBody>
+                  <a:tcPr/>
+                </a:tc>
+                <a:tc>
+                  <a:txBody>
+                    <a:bodyPr/>
+                    <a:lstStyle/>
+                    <a:p>
+                      <a:pPr marL="0" marR="0" lvl="0" indent="0" algn="l" defTabSz="914400" rtl="0" eaLnBrk="1" fontAlgn="auto" latinLnBrk="0" hangingPunct="1">
+                        <a:lnSpc>
+                          <a:spcPct val="100000"/>
+                        </a:lnSpc>
+                        <a:spcBef>
+                          <a:spcPts val="0"/>
+                        </a:spcBef>
+                        <a:spcAft>
+                          <a:spcPts val="0"/>
+                        </a:spcAft>
+                        <a:buClrTx/>
+                        <a:buSzTx/>
+                        <a:buFontTx/>
+                        <a:buNone/>
+                        <a:tabLst/>
+                        <a:defRPr/>
+                      </a:pPr>
+                      <a:r>
+                        <a:rPr lang="en-SG" sz="1800" b="0" kern="1200" dirty="0">
+                          <a:solidFill>
+                            <a:srgbClr val="FF0000"/>
+                          </a:solidFill>
+                          <a:effectLst/>
+                          <a:latin typeface="+mn-lt"/>
+                          <a:ea typeface="+mn-ea"/>
+                          <a:cs typeface="+mn-cs"/>
+                        </a:rPr>
+                        <a:t>0.8050</a:t>
+                      </a:r>
+                    </a:p>
+                  </a:txBody>
+                  <a:tcPr/>
+                </a:tc>
+                <a:tc>
+                  <a:txBody>
+                    <a:bodyPr/>
+                    <a:lstStyle/>
+                    <a:p>
+                      <a:pPr marL="0" marR="0" lvl="0" indent="0" algn="l" defTabSz="914400" rtl="0" eaLnBrk="1" fontAlgn="auto" latinLnBrk="0" hangingPunct="1">
+                        <a:lnSpc>
+                          <a:spcPct val="100000"/>
+                        </a:lnSpc>
+                        <a:spcBef>
+                          <a:spcPts val="0"/>
+                        </a:spcBef>
+                        <a:spcAft>
+                          <a:spcPts val="0"/>
+                        </a:spcAft>
+                        <a:buClrTx/>
+                        <a:buSzTx/>
+                        <a:buFontTx/>
+                        <a:buNone/>
+                        <a:tabLst/>
+                        <a:defRPr/>
+                      </a:pPr>
+                      <a:r>
+                        <a:rPr lang="en-SG" sz="1800" b="0" kern="1200" dirty="0">
+                          <a:solidFill>
+                            <a:srgbClr val="FF0000"/>
+                          </a:solidFill>
+                          <a:effectLst/>
+                          <a:latin typeface="+mn-lt"/>
+                          <a:ea typeface="+mn-ea"/>
+                          <a:cs typeface="+mn-cs"/>
+                        </a:rPr>
+                        <a:t>0.8750</a:t>
+                      </a:r>
+                    </a:p>
+                  </a:txBody>
+                  <a:tcPr/>
+                </a:tc>
+                <a:extLst>
+                  <a:ext uri="{0D108BD9-81ED-4DB2-BD59-A6C34878D82A}">
+                    <a16:rowId xmlns:a16="http://schemas.microsoft.com/office/drawing/2014/main" val="1584876204"/>
+                  </a:ext>
+                </a:extLst>
+              </a:tr>
+              <a:tr h="370840">
+                <a:tc>
+                  <a:txBody>
+                    <a:bodyPr/>
+                    <a:lstStyle/>
+                    <a:p>
+                      <a:r>
+                        <a:rPr lang="en-SG" sz="1800" b="0" i="0" u="none" strike="noStrike" kern="1200" baseline="0" dirty="0">
+                          <a:solidFill>
+                            <a:schemeClr val="dk1"/>
+                          </a:solidFill>
+                          <a:latin typeface="+mn-lt"/>
+                          <a:ea typeface="+mn-ea"/>
+                          <a:cs typeface="+mn-cs"/>
+                        </a:rPr>
+                        <a:t>NNBNI</a:t>
+                      </a:r>
+                      <a:endParaRPr lang="en-SG" dirty="0"/>
+                    </a:p>
+                  </a:txBody>
+                  <a:tcPr/>
+                </a:tc>
+                <a:tc>
+                  <a:txBody>
+                    <a:bodyPr/>
+                    <a:lstStyle/>
+                    <a:p>
+                      <a:r>
+                        <a:rPr lang="en-SG" sz="1800" b="0" i="0" u="none" strike="noStrike" kern="1200" baseline="0" dirty="0">
+                          <a:solidFill>
+                            <a:srgbClr val="FF0000"/>
+                          </a:solidFill>
+                          <a:latin typeface="+mn-lt"/>
+                          <a:ea typeface="+mn-ea"/>
+                          <a:cs typeface="+mn-cs"/>
+                        </a:rPr>
+                        <a:t>0.7874</a:t>
+                      </a:r>
+                      <a:endParaRPr lang="en-SG" dirty="0">
+                        <a:solidFill>
+                          <a:srgbClr val="FF0000"/>
+                        </a:solidFill>
+                      </a:endParaRPr>
+                    </a:p>
+                  </a:txBody>
+                  <a:tcPr/>
+                </a:tc>
+                <a:tc>
+                  <a:txBody>
+                    <a:bodyPr/>
+                    <a:lstStyle/>
+                    <a:p>
+                      <a:r>
+                        <a:rPr lang="en-SG" sz="1800" b="0" i="0" u="none" strike="noStrike" kern="1200" baseline="0" dirty="0">
+                          <a:solidFill>
+                            <a:srgbClr val="FF0000"/>
+                          </a:solidFill>
+                          <a:latin typeface="+mn-lt"/>
+                          <a:ea typeface="+mn-ea"/>
+                          <a:cs typeface="+mn-cs"/>
+                        </a:rPr>
+                        <a:t>0.8194</a:t>
+                      </a:r>
+                      <a:endParaRPr lang="en-SG" dirty="0">
+                        <a:solidFill>
+                          <a:srgbClr val="FF0000"/>
+                        </a:solidFill>
+                      </a:endParaRPr>
+                    </a:p>
+                  </a:txBody>
+                  <a:tcPr/>
+                </a:tc>
+                <a:tc>
+                  <a:txBody>
+                    <a:bodyPr/>
+                    <a:lstStyle/>
+                    <a:p>
+                      <a:r>
+                        <a:rPr lang="en-SG" sz="1800" b="0" i="0" u="none" strike="noStrike" kern="1200" baseline="0" dirty="0">
+                          <a:solidFill>
+                            <a:schemeClr val="dk1"/>
+                          </a:solidFill>
+                          <a:latin typeface="+mn-lt"/>
+                          <a:ea typeface="+mn-ea"/>
+                          <a:cs typeface="+mn-cs"/>
+                        </a:rPr>
+                        <a:t>0.7900</a:t>
+                      </a:r>
+                      <a:endParaRPr lang="en-SG" dirty="0"/>
+                    </a:p>
+                  </a:txBody>
+                  <a:tcPr/>
+                </a:tc>
+                <a:tc>
+                  <a:txBody>
+                    <a:bodyPr/>
+                    <a:lstStyle/>
+                    <a:p>
+                      <a:r>
+                        <a:rPr lang="en-SG" sz="1800" b="0" i="0" u="none" strike="noStrike" kern="1200" baseline="0" dirty="0">
+                          <a:solidFill>
+                            <a:schemeClr val="dk1"/>
+                          </a:solidFill>
+                          <a:latin typeface="+mn-lt"/>
+                          <a:ea typeface="+mn-ea"/>
+                          <a:cs typeface="+mn-cs"/>
+                        </a:rPr>
+                        <a:t>0.8600</a:t>
+                      </a:r>
+                      <a:endParaRPr lang="en-SG" dirty="0"/>
+                    </a:p>
+                  </a:txBody>
+                  <a:tcPr/>
+                </a:tc>
+                <a:extLst>
+                  <a:ext uri="{0D108BD9-81ED-4DB2-BD59-A6C34878D82A}">
+                    <a16:rowId xmlns:a16="http://schemas.microsoft.com/office/drawing/2014/main" val="1369429619"/>
+                  </a:ext>
+                </a:extLst>
+              </a:tr>
+            </a:tbl>
+          </a:graphicData>
+        </a:graphic>
+      </p:graphicFrame>
+      <p:sp>
+        <p:nvSpPr>
+          <p:cNvPr id="2" name="TextBox 1">
+            <a:extLst>
+              <a:ext uri="{FF2B5EF4-FFF2-40B4-BE49-F238E27FC236}">
+                <a16:creationId xmlns:a16="http://schemas.microsoft.com/office/drawing/2014/main" id="{891A8306-BAD2-A245-BCA2-E31978FA7FB6}"/>
+              </a:ext>
+            </a:extLst>
+          </p:cNvPr>
+          <p:cNvSpPr txBox="1"/>
+          <p:nvPr/>
+        </p:nvSpPr>
+        <p:spPr>
+          <a:xfrm>
+            <a:off x="1978560" y="1330036"/>
+            <a:ext cx="2746649" cy="369332"/>
+          </a:xfrm>
+          <a:prstGeom prst="rect">
+            <a:avLst/>
+          </a:prstGeom>
+          <a:noFill/>
+        </p:spPr>
+        <p:txBody>
+          <a:bodyPr wrap="none" rtlCol="0">
+            <a:spAutoFit/>
+          </a:bodyPr>
+          <a:lstStyle/>
+          <a:p>
+            <a:r>
+              <a:rPr lang="en-US" dirty="0"/>
+              <a:t>Revisited dynamic accuracy</a:t>
+            </a:r>
+          </a:p>
+        </p:txBody>
+      </p:sp>
+      <p:graphicFrame>
+        <p:nvGraphicFramePr>
+          <p:cNvPr id="5" name="Table 4">
+            <a:extLst>
+              <a:ext uri="{FF2B5EF4-FFF2-40B4-BE49-F238E27FC236}">
+                <a16:creationId xmlns:a16="http://schemas.microsoft.com/office/drawing/2014/main" id="{42A6B9FE-9D40-7C40-B00A-9DB9AE73235B}"/>
+              </a:ext>
+            </a:extLst>
+          </p:cNvPr>
+          <p:cNvGraphicFramePr>
+            <a:graphicFrameLocks noGrp="1"/>
+          </p:cNvGraphicFramePr>
+          <p:nvPr>
+            <p:extLst>
+              <p:ext uri="{D42A27DB-BD31-4B8C-83A1-F6EECF244321}">
+                <p14:modId xmlns:p14="http://schemas.microsoft.com/office/powerpoint/2010/main" val="3720648112"/>
+              </p:ext>
+            </p:extLst>
+          </p:nvPr>
+        </p:nvGraphicFramePr>
+        <p:xfrm>
+          <a:off x="2097313" y="3911442"/>
+          <a:ext cx="6773335" cy="1112520"/>
+        </p:xfrm>
+        <a:graphic>
+          <a:graphicData uri="http://schemas.openxmlformats.org/drawingml/2006/table">
+            <a:tbl>
+              <a:tblPr firstRow="1" bandRow="1">
+                <a:tableStyleId>{5C22544A-7EE6-4342-B048-85BDC9FD1C3A}</a:tableStyleId>
+              </a:tblPr>
+              <a:tblGrid>
+                <a:gridCol w="1354667">
+                  <a:extLst>
+                    <a:ext uri="{9D8B030D-6E8A-4147-A177-3AD203B41FA5}">
+                      <a16:colId xmlns:a16="http://schemas.microsoft.com/office/drawing/2014/main" val="648876226"/>
+                    </a:ext>
+                  </a:extLst>
+                </a:gridCol>
+                <a:gridCol w="1354667">
+                  <a:extLst>
+                    <a:ext uri="{9D8B030D-6E8A-4147-A177-3AD203B41FA5}">
+                      <a16:colId xmlns:a16="http://schemas.microsoft.com/office/drawing/2014/main" val="2613078581"/>
+                    </a:ext>
+                  </a:extLst>
+                </a:gridCol>
+                <a:gridCol w="1354667">
+                  <a:extLst>
+                    <a:ext uri="{9D8B030D-6E8A-4147-A177-3AD203B41FA5}">
+                      <a16:colId xmlns:a16="http://schemas.microsoft.com/office/drawing/2014/main" val="1327965494"/>
+                    </a:ext>
+                  </a:extLst>
+                </a:gridCol>
+                <a:gridCol w="1354667">
+                  <a:extLst>
+                    <a:ext uri="{9D8B030D-6E8A-4147-A177-3AD203B41FA5}">
+                      <a16:colId xmlns:a16="http://schemas.microsoft.com/office/drawing/2014/main" val="1698396579"/>
+                    </a:ext>
+                  </a:extLst>
+                </a:gridCol>
+                <a:gridCol w="1354667">
+                  <a:extLst>
+                    <a:ext uri="{9D8B030D-6E8A-4147-A177-3AD203B41FA5}">
+                      <a16:colId xmlns:a16="http://schemas.microsoft.com/office/drawing/2014/main" val="3682898311"/>
+                    </a:ext>
+                  </a:extLst>
+                </a:gridCol>
+              </a:tblGrid>
+              <a:tr h="370840">
+                <a:tc>
+                  <a:txBody>
+                    <a:bodyPr/>
+                    <a:lstStyle/>
+                    <a:p>
+                      <a:r>
+                        <a:rPr lang="en-SG" sz="1800" b="0" i="0" u="none" strike="noStrike" kern="1200" baseline="0" dirty="0">
+                          <a:solidFill>
+                            <a:schemeClr val="lt1"/>
+                          </a:solidFill>
+                          <a:latin typeface="+mn-lt"/>
+                          <a:ea typeface="+mn-ea"/>
+                          <a:cs typeface="+mn-cs"/>
+                        </a:rPr>
+                        <a:t>Methods</a:t>
+                      </a:r>
+                      <a:endParaRPr lang="en-SG" dirty="0"/>
+                    </a:p>
+                  </a:txBody>
+                  <a:tcPr/>
+                </a:tc>
+                <a:tc>
+                  <a:txBody>
+                    <a:bodyPr/>
+                    <a:lstStyle/>
+                    <a:p>
+                      <a:r>
+                        <a:rPr lang="en-SG" sz="1800" b="0" i="0" u="none" strike="noStrike" kern="1200" baseline="0" dirty="0">
+                          <a:solidFill>
+                            <a:schemeClr val="lt1"/>
+                          </a:solidFill>
+                          <a:latin typeface="+mn-lt"/>
+                          <a:ea typeface="+mn-ea"/>
+                          <a:cs typeface="+mn-cs"/>
+                        </a:rPr>
+                        <a:t>CDC-15</a:t>
+                      </a:r>
+                      <a:endParaRPr lang="en-SG" dirty="0"/>
+                    </a:p>
+                  </a:txBody>
+                  <a:tcPr/>
+                </a:tc>
+                <a:tc>
+                  <a:txBody>
+                    <a:bodyPr/>
+                    <a:lstStyle/>
+                    <a:p>
+                      <a:r>
+                        <a:rPr lang="en-SG" sz="1800" b="0" i="0" u="none" strike="noStrike" kern="1200" baseline="0" dirty="0">
+                          <a:solidFill>
+                            <a:schemeClr val="lt1"/>
+                          </a:solidFill>
+                          <a:latin typeface="+mn-lt"/>
+                          <a:ea typeface="+mn-ea"/>
+                          <a:cs typeface="+mn-cs"/>
+                        </a:rPr>
+                        <a:t>CDC-28</a:t>
+                      </a:r>
+                      <a:endParaRPr lang="en-SG" dirty="0"/>
+                    </a:p>
+                  </a:txBody>
+                  <a:tcPr/>
+                </a:tc>
+                <a:tc>
+                  <a:txBody>
+                    <a:bodyPr/>
+                    <a:lstStyle/>
+                    <a:p>
+                      <a:r>
+                        <a:rPr lang="en-SG" sz="1800" b="0" i="0" u="none" strike="noStrike" kern="1200" baseline="0" dirty="0">
+                          <a:solidFill>
+                            <a:schemeClr val="lt1"/>
+                          </a:solidFill>
+                          <a:latin typeface="+mn-lt"/>
+                          <a:ea typeface="+mn-ea"/>
+                          <a:cs typeface="+mn-cs"/>
+                        </a:rPr>
+                        <a:t>In Silico-1</a:t>
+                      </a:r>
+                      <a:endParaRPr lang="en-SG" dirty="0"/>
+                    </a:p>
+                  </a:txBody>
+                  <a:tcPr/>
+                </a:tc>
+                <a:tc>
+                  <a:txBody>
+                    <a:bodyPr/>
+                    <a:lstStyle/>
+                    <a:p>
+                      <a:r>
+                        <a:rPr lang="en-SG" sz="1800" b="0" i="0" u="none" strike="noStrike" kern="1200" baseline="0" dirty="0">
+                          <a:solidFill>
+                            <a:schemeClr val="lt1"/>
+                          </a:solidFill>
+                          <a:latin typeface="+mn-lt"/>
+                          <a:ea typeface="+mn-ea"/>
+                          <a:cs typeface="+mn-cs"/>
+                        </a:rPr>
+                        <a:t>In Silico-2</a:t>
+                      </a:r>
+                      <a:endParaRPr lang="en-SG" dirty="0"/>
+                    </a:p>
+                  </a:txBody>
+                  <a:tcPr/>
+                </a:tc>
+                <a:extLst>
+                  <a:ext uri="{0D108BD9-81ED-4DB2-BD59-A6C34878D82A}">
+                    <a16:rowId xmlns:a16="http://schemas.microsoft.com/office/drawing/2014/main" val="498236958"/>
+                  </a:ext>
+                </a:extLst>
+              </a:tr>
+              <a:tr h="370840">
+                <a:tc>
+                  <a:txBody>
+                    <a:bodyPr/>
+                    <a:lstStyle/>
+                    <a:p>
+                      <a:r>
+                        <a:rPr lang="en-US" dirty="0"/>
+                        <a:t>my</a:t>
+                      </a:r>
+                      <a:endParaRPr lang="en-SG" dirty="0"/>
+                    </a:p>
+                  </a:txBody>
+                  <a:tcPr/>
+                </a:tc>
+                <a:tc>
+                  <a:txBody>
+                    <a:bodyPr/>
+                    <a:lstStyle/>
+                    <a:p>
+                      <a:r>
+                        <a:rPr lang="en-SG" dirty="0"/>
+                        <a:t>0.7654</a:t>
+                      </a:r>
+                    </a:p>
+                  </a:txBody>
+                  <a:tcPr/>
+                </a:tc>
+                <a:tc>
+                  <a:txBody>
+                    <a:bodyPr/>
+                    <a:lstStyle/>
+                    <a:p>
+                      <a:r>
+                        <a:rPr lang="en-SG" sz="1800" b="0" kern="1200" dirty="0">
+                          <a:solidFill>
+                            <a:schemeClr val="dk1"/>
+                          </a:solidFill>
+                          <a:effectLst/>
+                          <a:latin typeface="+mn-lt"/>
+                          <a:ea typeface="+mn-ea"/>
+                          <a:cs typeface="+mn-cs"/>
+                        </a:rPr>
+                        <a:t>0.7654</a:t>
+                      </a:r>
+                    </a:p>
+                  </a:txBody>
+                  <a:tcPr/>
+                </a:tc>
+                <a:tc>
+                  <a:txBody>
+                    <a:bodyPr/>
+                    <a:lstStyle/>
+                    <a:p>
+                      <a:r>
+                        <a:rPr lang="en-US"/>
+                        <a:t>0.7600</a:t>
+                      </a:r>
+                      <a:endParaRPr lang="en-SG" dirty="0"/>
+                    </a:p>
+                  </a:txBody>
+                  <a:tcPr/>
+                </a:tc>
+                <a:tc>
+                  <a:txBody>
+                    <a:bodyPr/>
+                    <a:lstStyle/>
+                    <a:p>
+                      <a:pPr marL="0" marR="0" lvl="0" indent="0" algn="l" defTabSz="914400" rtl="0" eaLnBrk="1" fontAlgn="auto" latinLnBrk="0" hangingPunct="1">
+                        <a:lnSpc>
+                          <a:spcPct val="100000"/>
+                        </a:lnSpc>
+                        <a:spcBef>
+                          <a:spcPts val="0"/>
+                        </a:spcBef>
+                        <a:spcAft>
+                          <a:spcPts val="0"/>
+                        </a:spcAft>
+                        <a:buClrTx/>
+                        <a:buSzTx/>
+                        <a:buFontTx/>
+                        <a:buNone/>
+                        <a:tabLst/>
+                        <a:defRPr/>
+                      </a:pPr>
+                      <a:r>
+                        <a:rPr lang="en-SG" sz="1800" b="0" kern="1200" dirty="0">
+                          <a:solidFill>
+                            <a:srgbClr val="FF0000"/>
+                          </a:solidFill>
+                          <a:effectLst/>
+                          <a:latin typeface="+mn-lt"/>
+                          <a:ea typeface="+mn-ea"/>
+                          <a:cs typeface="+mn-cs"/>
+                        </a:rPr>
+                        <a:t>0.8500</a:t>
+                      </a:r>
+                    </a:p>
+                  </a:txBody>
+                  <a:tcPr/>
+                </a:tc>
+                <a:extLst>
+                  <a:ext uri="{0D108BD9-81ED-4DB2-BD59-A6C34878D82A}">
+                    <a16:rowId xmlns:a16="http://schemas.microsoft.com/office/drawing/2014/main" val="1584876204"/>
+                  </a:ext>
+                </a:extLst>
+              </a:tr>
+              <a:tr h="370840">
+                <a:tc>
+                  <a:txBody>
+                    <a:bodyPr/>
+                    <a:lstStyle/>
+                    <a:p>
+                      <a:r>
+                        <a:rPr lang="en-SG" sz="1800" b="0" i="0" u="none" strike="noStrike" kern="1200" baseline="0" dirty="0">
+                          <a:solidFill>
+                            <a:schemeClr val="dk1"/>
+                          </a:solidFill>
+                          <a:latin typeface="+mn-lt"/>
+                          <a:ea typeface="+mn-ea"/>
+                          <a:cs typeface="+mn-cs"/>
+                        </a:rPr>
+                        <a:t>NNBNI</a:t>
+                      </a:r>
+                      <a:endParaRPr lang="en-SG" dirty="0"/>
+                    </a:p>
+                  </a:txBody>
+                  <a:tcPr/>
+                </a:tc>
+                <a:tc>
+                  <a:txBody>
+                    <a:bodyPr/>
+                    <a:lstStyle/>
+                    <a:p>
+                      <a:r>
+                        <a:rPr lang="en-SG" sz="1800" b="0" i="0" u="none" strike="noStrike" kern="1200" baseline="0" dirty="0">
+                          <a:solidFill>
+                            <a:srgbClr val="FF0000"/>
+                          </a:solidFill>
+                          <a:latin typeface="+mn-lt"/>
+                          <a:ea typeface="+mn-ea"/>
+                          <a:cs typeface="+mn-cs"/>
+                        </a:rPr>
+                        <a:t>0.7820</a:t>
+                      </a:r>
+                      <a:endParaRPr lang="en-SG" dirty="0">
+                        <a:solidFill>
+                          <a:srgbClr val="FF0000"/>
+                        </a:solidFill>
+                      </a:endParaRPr>
+                    </a:p>
+                  </a:txBody>
+                  <a:tcPr/>
+                </a:tc>
+                <a:tc>
+                  <a:txBody>
+                    <a:bodyPr/>
+                    <a:lstStyle/>
+                    <a:p>
+                      <a:r>
+                        <a:rPr lang="en-SG" sz="1800" b="0" i="0" u="none" strike="noStrike" kern="1200" baseline="0" dirty="0">
+                          <a:solidFill>
+                            <a:schemeClr val="dk1"/>
+                          </a:solidFill>
+                          <a:latin typeface="+mn-lt"/>
+                          <a:ea typeface="+mn-ea"/>
+                          <a:cs typeface="+mn-cs"/>
+                        </a:rPr>
+                        <a:t>0.7654</a:t>
+                      </a:r>
+                      <a:endParaRPr lang="en-SG" dirty="0"/>
+                    </a:p>
+                  </a:txBody>
+                  <a:tcPr/>
+                </a:tc>
+                <a:tc>
+                  <a:txBody>
+                    <a:bodyPr/>
+                    <a:lstStyle/>
+                    <a:p>
+                      <a:r>
+                        <a:rPr lang="en-SG" sz="1800" b="0" i="0" u="none" strike="noStrike" kern="1200" baseline="0" dirty="0">
+                          <a:solidFill>
+                            <a:srgbClr val="FF0000"/>
+                          </a:solidFill>
+                          <a:latin typeface="+mn-lt"/>
+                          <a:ea typeface="+mn-ea"/>
+                          <a:cs typeface="+mn-cs"/>
+                        </a:rPr>
+                        <a:t>0.7653</a:t>
+                      </a:r>
+                      <a:endParaRPr lang="en-SG" dirty="0">
+                        <a:solidFill>
+                          <a:srgbClr val="FF0000"/>
+                        </a:solidFill>
+                      </a:endParaRPr>
+                    </a:p>
+                  </a:txBody>
+                  <a:tcPr/>
+                </a:tc>
+                <a:tc>
+                  <a:txBody>
+                    <a:bodyPr/>
+                    <a:lstStyle/>
+                    <a:p>
+                      <a:r>
+                        <a:rPr lang="en-SG" sz="1800" b="0" i="0" u="none" strike="noStrike" kern="1200" baseline="0" dirty="0">
+                          <a:solidFill>
+                            <a:schemeClr val="dk1"/>
+                          </a:solidFill>
+                          <a:latin typeface="+mn-lt"/>
+                          <a:ea typeface="+mn-ea"/>
+                          <a:cs typeface="+mn-cs"/>
+                        </a:rPr>
+                        <a:t>0.8144</a:t>
+                      </a:r>
+                      <a:endParaRPr lang="en-SG" dirty="0"/>
+                    </a:p>
+                  </a:txBody>
+                  <a:tcPr/>
+                </a:tc>
+                <a:extLst>
+                  <a:ext uri="{0D108BD9-81ED-4DB2-BD59-A6C34878D82A}">
+                    <a16:rowId xmlns:a16="http://schemas.microsoft.com/office/drawing/2014/main" val="1369429619"/>
+                  </a:ext>
+                </a:extLst>
+              </a:tr>
+            </a:tbl>
+          </a:graphicData>
+        </a:graphic>
+      </p:graphicFrame>
+      <p:sp>
+        <p:nvSpPr>
+          <p:cNvPr id="6" name="TextBox 5">
+            <a:extLst>
+              <a:ext uri="{FF2B5EF4-FFF2-40B4-BE49-F238E27FC236}">
+                <a16:creationId xmlns:a16="http://schemas.microsoft.com/office/drawing/2014/main" id="{D71CE5BA-0FD1-6949-9C0A-DAC3BC803373}"/>
+              </a:ext>
+            </a:extLst>
+          </p:cNvPr>
+          <p:cNvSpPr txBox="1"/>
+          <p:nvPr/>
+        </p:nvSpPr>
+        <p:spPr>
+          <a:xfrm>
+            <a:off x="1978560" y="3429000"/>
+            <a:ext cx="1973745" cy="369332"/>
+          </a:xfrm>
+          <a:prstGeom prst="rect">
+            <a:avLst/>
+          </a:prstGeom>
+          <a:noFill/>
+        </p:spPr>
+        <p:txBody>
+          <a:bodyPr wrap="none" rtlCol="0">
+            <a:spAutoFit/>
+          </a:bodyPr>
+          <a:lstStyle/>
+          <a:p>
+            <a:r>
+              <a:rPr lang="en-US" dirty="0"/>
+              <a:t>Structural accuracy</a:t>
+            </a:r>
+          </a:p>
+        </p:txBody>
+      </p:sp>
+    </p:spTree>
+    <p:extLst>
+      <p:ext uri="{BB962C8B-B14F-4D97-AF65-F5344CB8AC3E}">
+        <p14:creationId xmlns:p14="http://schemas.microsoft.com/office/powerpoint/2010/main" val="2420894861"/>
       </p:ext>
     </p:extLst>
   </p:cSld>

--- a/experiments/CGP.pptx
+++ b/experiments/CGP.pptx
@@ -5,7 +5,7 @@
     <p:sldMasterId id="2147483648" r:id="rId1"/>
   </p:sldMasterIdLst>
   <p:notesMasterIdLst>
-    <p:notesMasterId r:id="rId14"/>
+    <p:notesMasterId r:id="rId16"/>
   </p:notesMasterIdLst>
   <p:sldIdLst>
     <p:sldId id="267" r:id="rId2"/>
@@ -20,6 +20,8 @@
     <p:sldId id="262" r:id="rId11"/>
     <p:sldId id="263" r:id="rId12"/>
     <p:sldId id="261" r:id="rId13"/>
+    <p:sldId id="268" r:id="rId14"/>
+    <p:sldId id="269" r:id="rId15"/>
   </p:sldIdLst>
   <p:sldSz cx="12192000" cy="6858000"/>
   <p:notesSz cx="6858000" cy="9144000"/>
@@ -208,7 +210,7 @@
           <a:p>
             <a:fld id="{AE16BDA9-A43C-41B0-8B98-AE9BBEC45597}" type="datetimeFigureOut">
               <a:rPr lang="en-SG" smtClean="0"/>
-              <a:t>11/10/2021</a:t>
+              <a:t>24/10/2021</a:t>
             </a:fld>
             <a:endParaRPr lang="en-SG"/>
           </a:p>
@@ -1005,7 +1007,7 @@
           <a:p>
             <a:fld id="{3140C0BA-8046-41EB-B1C2-56BD65E25AD0}" type="datetimeFigureOut">
               <a:rPr lang="en-SG" smtClean="0"/>
-              <a:t>11/10/2021</a:t>
+              <a:t>24/10/2021</a:t>
             </a:fld>
             <a:endParaRPr lang="en-SG"/>
           </a:p>
@@ -1205,7 +1207,7 @@
           <a:p>
             <a:fld id="{3140C0BA-8046-41EB-B1C2-56BD65E25AD0}" type="datetimeFigureOut">
               <a:rPr lang="en-SG" smtClean="0"/>
-              <a:t>11/10/2021</a:t>
+              <a:t>24/10/2021</a:t>
             </a:fld>
             <a:endParaRPr lang="en-SG"/>
           </a:p>
@@ -1415,7 +1417,7 @@
           <a:p>
             <a:fld id="{3140C0BA-8046-41EB-B1C2-56BD65E25AD0}" type="datetimeFigureOut">
               <a:rPr lang="en-SG" smtClean="0"/>
-              <a:t>11/10/2021</a:t>
+              <a:t>24/10/2021</a:t>
             </a:fld>
             <a:endParaRPr lang="en-SG"/>
           </a:p>
@@ -1615,7 +1617,7 @@
           <a:p>
             <a:fld id="{3140C0BA-8046-41EB-B1C2-56BD65E25AD0}" type="datetimeFigureOut">
               <a:rPr lang="en-SG" smtClean="0"/>
-              <a:t>11/10/2021</a:t>
+              <a:t>24/10/2021</a:t>
             </a:fld>
             <a:endParaRPr lang="en-SG"/>
           </a:p>
@@ -1891,7 +1893,7 @@
           <a:p>
             <a:fld id="{3140C0BA-8046-41EB-B1C2-56BD65E25AD0}" type="datetimeFigureOut">
               <a:rPr lang="en-SG" smtClean="0"/>
-              <a:t>11/10/2021</a:t>
+              <a:t>24/10/2021</a:t>
             </a:fld>
             <a:endParaRPr lang="en-SG"/>
           </a:p>
@@ -2159,7 +2161,7 @@
           <a:p>
             <a:fld id="{3140C0BA-8046-41EB-B1C2-56BD65E25AD0}" type="datetimeFigureOut">
               <a:rPr lang="en-SG" smtClean="0"/>
-              <a:t>11/10/2021</a:t>
+              <a:t>24/10/2021</a:t>
             </a:fld>
             <a:endParaRPr lang="en-SG"/>
           </a:p>
@@ -2574,7 +2576,7 @@
           <a:p>
             <a:fld id="{3140C0BA-8046-41EB-B1C2-56BD65E25AD0}" type="datetimeFigureOut">
               <a:rPr lang="en-SG" smtClean="0"/>
-              <a:t>11/10/2021</a:t>
+              <a:t>24/10/2021</a:t>
             </a:fld>
             <a:endParaRPr lang="en-SG"/>
           </a:p>
@@ -2716,7 +2718,7 @@
           <a:p>
             <a:fld id="{3140C0BA-8046-41EB-B1C2-56BD65E25AD0}" type="datetimeFigureOut">
               <a:rPr lang="en-SG" smtClean="0"/>
-              <a:t>11/10/2021</a:t>
+              <a:t>24/10/2021</a:t>
             </a:fld>
             <a:endParaRPr lang="en-SG"/>
           </a:p>
@@ -2829,7 +2831,7 @@
           <a:p>
             <a:fld id="{3140C0BA-8046-41EB-B1C2-56BD65E25AD0}" type="datetimeFigureOut">
               <a:rPr lang="en-SG" smtClean="0"/>
-              <a:t>11/10/2021</a:t>
+              <a:t>24/10/2021</a:t>
             </a:fld>
             <a:endParaRPr lang="en-SG"/>
           </a:p>
@@ -3142,7 +3144,7 @@
           <a:p>
             <a:fld id="{3140C0BA-8046-41EB-B1C2-56BD65E25AD0}" type="datetimeFigureOut">
               <a:rPr lang="en-SG" smtClean="0"/>
-              <a:t>11/10/2021</a:t>
+              <a:t>24/10/2021</a:t>
             </a:fld>
             <a:endParaRPr lang="en-SG"/>
           </a:p>
@@ -3431,7 +3433,7 @@
           <a:p>
             <a:fld id="{3140C0BA-8046-41EB-B1C2-56BD65E25AD0}" type="datetimeFigureOut">
               <a:rPr lang="en-SG" smtClean="0"/>
-              <a:t>11/10/2021</a:t>
+              <a:t>24/10/2021</a:t>
             </a:fld>
             <a:endParaRPr lang="en-SG"/>
           </a:p>
@@ -3674,7 +3676,7 @@
           <a:p>
             <a:fld id="{3140C0BA-8046-41EB-B1C2-56BD65E25AD0}" type="datetimeFigureOut">
               <a:rPr lang="en-SG" smtClean="0"/>
-              <a:t>11/10/2021</a:t>
+              <a:t>24/10/2021</a:t>
             </a:fld>
             <a:endParaRPr lang="en-SG"/>
           </a:p>
@@ -5779,6 +5781,662 @@
 </p:sld>
 </file>
 
+<file path=ppt/slides/slide13.xml><?xml version="1.0" encoding="utf-8"?>
+<p:sld xmlns:a="http://schemas.openxmlformats.org/drawingml/2006/main" xmlns:r="http://schemas.openxmlformats.org/officeDocument/2006/relationships" xmlns:p="http://schemas.openxmlformats.org/presentationml/2006/main">
+  <p:cSld>
+    <p:spTree>
+      <p:nvGrpSpPr>
+        <p:cNvPr id="1" name=""/>
+        <p:cNvGrpSpPr/>
+        <p:nvPr/>
+      </p:nvGrpSpPr>
+      <p:grpSpPr>
+        <a:xfrm>
+          <a:off x="0" y="0"/>
+          <a:ext cx="0" cy="0"/>
+          <a:chOff x="0" y="0"/>
+          <a:chExt cx="0" cy="0"/>
+        </a:xfrm>
+      </p:grpSpPr>
+      <p:pic>
+        <p:nvPicPr>
+          <p:cNvPr id="5" name="Picture 4">
+            <a:extLst>
+              <a:ext uri="{FF2B5EF4-FFF2-40B4-BE49-F238E27FC236}">
+                <a16:creationId xmlns:a16="http://schemas.microsoft.com/office/drawing/2014/main" id="{D9843F6B-3476-4D5F-9AFB-ED02CC21A608}"/>
+              </a:ext>
+            </a:extLst>
+          </p:cNvPr>
+          <p:cNvPicPr>
+            <a:picLocks noChangeAspect="1"/>
+          </p:cNvPicPr>
+          <p:nvPr/>
+        </p:nvPicPr>
+        <p:blipFill>
+          <a:blip r:embed="rId2"/>
+          <a:stretch>
+            <a:fillRect/>
+          </a:stretch>
+        </p:blipFill>
+        <p:spPr>
+          <a:xfrm>
+            <a:off x="3133725" y="4762"/>
+            <a:ext cx="5924550" cy="6848475"/>
+          </a:xfrm>
+          <a:prstGeom prst="rect">
+            <a:avLst/>
+          </a:prstGeom>
+        </p:spPr>
+      </p:pic>
+    </p:spTree>
+    <p:extLst>
+      <p:ext uri="{BB962C8B-B14F-4D97-AF65-F5344CB8AC3E}">
+        <p14:creationId xmlns:p14="http://schemas.microsoft.com/office/powerpoint/2010/main" val="3150516452"/>
+      </p:ext>
+    </p:extLst>
+  </p:cSld>
+  <p:clrMapOvr>
+    <a:masterClrMapping/>
+  </p:clrMapOvr>
+</p:sld>
+</file>
+
+<file path=ppt/slides/slide14.xml><?xml version="1.0" encoding="utf-8"?>
+<p:sld xmlns:a="http://schemas.openxmlformats.org/drawingml/2006/main" xmlns:r="http://schemas.openxmlformats.org/officeDocument/2006/relationships" xmlns:p="http://schemas.openxmlformats.org/presentationml/2006/main">
+  <p:cSld>
+    <p:spTree>
+      <p:nvGrpSpPr>
+        <p:cNvPr id="1" name=""/>
+        <p:cNvGrpSpPr/>
+        <p:nvPr/>
+      </p:nvGrpSpPr>
+      <p:grpSpPr>
+        <a:xfrm>
+          <a:off x="0" y="0"/>
+          <a:ext cx="0" cy="0"/>
+          <a:chOff x="0" y="0"/>
+          <a:chExt cx="0" cy="0"/>
+        </a:xfrm>
+      </p:grpSpPr>
+      <p:graphicFrame>
+        <p:nvGraphicFramePr>
+          <p:cNvPr id="4" name="Table 4">
+            <a:extLst>
+              <a:ext uri="{FF2B5EF4-FFF2-40B4-BE49-F238E27FC236}">
+                <a16:creationId xmlns:a16="http://schemas.microsoft.com/office/drawing/2014/main" id="{FE25DF14-2F9E-4B16-A949-7BE15B5E0252}"/>
+              </a:ext>
+            </a:extLst>
+          </p:cNvPr>
+          <p:cNvGraphicFramePr>
+            <a:graphicFrameLocks noGrp="1"/>
+          </p:cNvGraphicFramePr>
+          <p:nvPr>
+            <p:extLst>
+              <p:ext uri="{D42A27DB-BD31-4B8C-83A1-F6EECF244321}">
+                <p14:modId xmlns:p14="http://schemas.microsoft.com/office/powerpoint/2010/main" val="1673366617"/>
+              </p:ext>
+            </p:extLst>
+          </p:nvPr>
+        </p:nvGraphicFramePr>
+        <p:xfrm>
+          <a:off x="693684" y="719666"/>
+          <a:ext cx="10862439" cy="2123440"/>
+        </p:xfrm>
+        <a:graphic>
+          <a:graphicData uri="http://schemas.openxmlformats.org/drawingml/2006/table">
+            <a:tbl>
+              <a:tblPr firstRow="1" bandRow="1">
+                <a:tableStyleId>{5C22544A-7EE6-4342-B048-85BDC9FD1C3A}</a:tableStyleId>
+              </a:tblPr>
+              <a:tblGrid>
+                <a:gridCol w="1551777">
+                  <a:extLst>
+                    <a:ext uri="{9D8B030D-6E8A-4147-A177-3AD203B41FA5}">
+                      <a16:colId xmlns:a16="http://schemas.microsoft.com/office/drawing/2014/main" val="4063745369"/>
+                    </a:ext>
+                  </a:extLst>
+                </a:gridCol>
+                <a:gridCol w="1551777">
+                  <a:extLst>
+                    <a:ext uri="{9D8B030D-6E8A-4147-A177-3AD203B41FA5}">
+                      <a16:colId xmlns:a16="http://schemas.microsoft.com/office/drawing/2014/main" val="2736103849"/>
+                    </a:ext>
+                  </a:extLst>
+                </a:gridCol>
+                <a:gridCol w="1551777">
+                  <a:extLst>
+                    <a:ext uri="{9D8B030D-6E8A-4147-A177-3AD203B41FA5}">
+                      <a16:colId xmlns:a16="http://schemas.microsoft.com/office/drawing/2014/main" val="1161979509"/>
+                    </a:ext>
+                  </a:extLst>
+                </a:gridCol>
+                <a:gridCol w="1551777">
+                  <a:extLst>
+                    <a:ext uri="{9D8B030D-6E8A-4147-A177-3AD203B41FA5}">
+                      <a16:colId xmlns:a16="http://schemas.microsoft.com/office/drawing/2014/main" val="2634876399"/>
+                    </a:ext>
+                  </a:extLst>
+                </a:gridCol>
+                <a:gridCol w="1551777">
+                  <a:extLst>
+                    <a:ext uri="{9D8B030D-6E8A-4147-A177-3AD203B41FA5}">
+                      <a16:colId xmlns:a16="http://schemas.microsoft.com/office/drawing/2014/main" val="3984996805"/>
+                    </a:ext>
+                  </a:extLst>
+                </a:gridCol>
+                <a:gridCol w="1551777">
+                  <a:extLst>
+                    <a:ext uri="{9D8B030D-6E8A-4147-A177-3AD203B41FA5}">
+                      <a16:colId xmlns:a16="http://schemas.microsoft.com/office/drawing/2014/main" val="2813700175"/>
+                    </a:ext>
+                  </a:extLst>
+                </a:gridCol>
+                <a:gridCol w="1551777">
+                  <a:extLst>
+                    <a:ext uri="{9D8B030D-6E8A-4147-A177-3AD203B41FA5}">
+                      <a16:colId xmlns:a16="http://schemas.microsoft.com/office/drawing/2014/main" val="3534820878"/>
+                    </a:ext>
+                  </a:extLst>
+                </a:gridCol>
+              </a:tblGrid>
+              <a:tr h="370840">
+                <a:tc>
+                  <a:txBody>
+                    <a:bodyPr/>
+                    <a:lstStyle/>
+                    <a:p>
+                      <a:r>
+                        <a:rPr lang="en-US" dirty="0"/>
+                        <a:t>Noise level</a:t>
+                      </a:r>
+                      <a:endParaRPr lang="en-SG" dirty="0"/>
+                    </a:p>
+                  </a:txBody>
+                  <a:tcPr/>
+                </a:tc>
+                <a:tc>
+                  <a:txBody>
+                    <a:bodyPr/>
+                    <a:lstStyle/>
+                    <a:p>
+                      <a:r>
+                        <a:rPr lang="en-US" dirty="0"/>
+                        <a:t>Inference methods</a:t>
+                      </a:r>
+                      <a:endParaRPr lang="en-SG" dirty="0"/>
+                    </a:p>
+                  </a:txBody>
+                  <a:tcPr/>
+                </a:tc>
+                <a:tc>
+                  <a:txBody>
+                    <a:bodyPr/>
+                    <a:lstStyle/>
+                    <a:p>
+                      <a:r>
+                        <a:rPr lang="en-US" dirty="0"/>
+                        <a:t>TP</a:t>
+                      </a:r>
+                      <a:endParaRPr lang="en-SG" dirty="0"/>
+                    </a:p>
+                  </a:txBody>
+                  <a:tcPr/>
+                </a:tc>
+                <a:tc>
+                  <a:txBody>
+                    <a:bodyPr/>
+                    <a:lstStyle/>
+                    <a:p>
+                      <a:r>
+                        <a:rPr lang="en-US" dirty="0"/>
+                        <a:t>FP</a:t>
+                      </a:r>
+                      <a:endParaRPr lang="en-SG" dirty="0"/>
+                    </a:p>
+                  </a:txBody>
+                  <a:tcPr/>
+                </a:tc>
+                <a:tc>
+                  <a:txBody>
+                    <a:bodyPr/>
+                    <a:lstStyle/>
+                    <a:p>
+                      <a:r>
+                        <a:rPr lang="en-US" dirty="0"/>
+                        <a:t>FN</a:t>
+                      </a:r>
+                      <a:endParaRPr lang="en-SG" dirty="0"/>
+                    </a:p>
+                  </a:txBody>
+                  <a:tcPr/>
+                </a:tc>
+                <a:tc>
+                  <a:txBody>
+                    <a:bodyPr/>
+                    <a:lstStyle/>
+                    <a:p>
+                      <a:r>
+                        <a:rPr lang="en-US" dirty="0"/>
+                        <a:t>Structural accuracy</a:t>
+                      </a:r>
+                      <a:endParaRPr lang="en-SG" dirty="0"/>
+                    </a:p>
+                  </a:txBody>
+                  <a:tcPr/>
+                </a:tc>
+                <a:tc>
+                  <a:txBody>
+                    <a:bodyPr/>
+                    <a:lstStyle/>
+                    <a:p>
+                      <a:r>
+                        <a:rPr lang="en-US" dirty="0"/>
+                        <a:t>Dynamic accuracy</a:t>
+                      </a:r>
+                      <a:endParaRPr lang="en-SG" dirty="0"/>
+                    </a:p>
+                  </a:txBody>
+                  <a:tcPr/>
+                </a:tc>
+                <a:extLst>
+                  <a:ext uri="{0D108BD9-81ED-4DB2-BD59-A6C34878D82A}">
+                    <a16:rowId xmlns:a16="http://schemas.microsoft.com/office/drawing/2014/main" val="399483002"/>
+                  </a:ext>
+                </a:extLst>
+              </a:tr>
+              <a:tr h="370840">
+                <a:tc>
+                  <a:txBody>
+                    <a:bodyPr/>
+                    <a:lstStyle/>
+                    <a:p>
+                      <a:r>
+                        <a:rPr lang="en-SG" sz="1800" b="0" i="0" u="none" strike="noStrike" kern="1200" baseline="0" dirty="0">
+                          <a:solidFill>
+                            <a:schemeClr val="dk1"/>
+                          </a:solidFill>
+                          <a:latin typeface="+mn-lt"/>
+                          <a:ea typeface="+mn-ea"/>
+                          <a:cs typeface="+mn-cs"/>
+                        </a:rPr>
+                        <a:t>5% Noise</a:t>
+                      </a:r>
+                      <a:endParaRPr lang="en-SG" dirty="0"/>
+                    </a:p>
+                  </a:txBody>
+                  <a:tcPr/>
+                </a:tc>
+                <a:tc>
+                  <a:txBody>
+                    <a:bodyPr/>
+                    <a:lstStyle/>
+                    <a:p>
+                      <a:r>
+                        <a:rPr lang="en-US" dirty="0"/>
+                        <a:t>my</a:t>
+                      </a:r>
+                      <a:endParaRPr lang="en-SG" dirty="0"/>
+                    </a:p>
+                  </a:txBody>
+                  <a:tcPr/>
+                </a:tc>
+                <a:tc>
+                  <a:txBody>
+                    <a:bodyPr/>
+                    <a:lstStyle/>
+                    <a:p>
+                      <a:r>
+                        <a:rPr lang="en-SG" dirty="0"/>
+                        <a:t>14</a:t>
+                      </a:r>
+                    </a:p>
+                  </a:txBody>
+                  <a:tcPr/>
+                </a:tc>
+                <a:tc>
+                  <a:txBody>
+                    <a:bodyPr/>
+                    <a:lstStyle/>
+                    <a:p>
+                      <a:r>
+                        <a:rPr lang="en-SG" dirty="0"/>
+                        <a:t>64</a:t>
+                      </a:r>
+                    </a:p>
+                  </a:txBody>
+                  <a:tcPr/>
+                </a:tc>
+                <a:tc>
+                  <a:txBody>
+                    <a:bodyPr/>
+                    <a:lstStyle/>
+                    <a:p>
+                      <a:r>
+                        <a:rPr lang="en-SG" dirty="0"/>
+                        <a:t>170</a:t>
+                      </a:r>
+                    </a:p>
+                  </a:txBody>
+                  <a:tcPr/>
+                </a:tc>
+                <a:tc>
+                  <a:txBody>
+                    <a:bodyPr/>
+                    <a:lstStyle/>
+                    <a:p>
+                      <a:r>
+                        <a:rPr lang="en-SG" dirty="0"/>
+                        <a:t>0.9064</a:t>
+                      </a:r>
+                    </a:p>
+                  </a:txBody>
+                  <a:tcPr/>
+                </a:tc>
+                <a:tc>
+                  <a:txBody>
+                    <a:bodyPr/>
+                    <a:lstStyle/>
+                    <a:p>
+                      <a:r>
+                        <a:rPr lang="en-SG" dirty="0"/>
+                        <a:t>0.8536</a:t>
+                      </a:r>
+                    </a:p>
+                  </a:txBody>
+                  <a:tcPr/>
+                </a:tc>
+                <a:extLst>
+                  <a:ext uri="{0D108BD9-81ED-4DB2-BD59-A6C34878D82A}">
+                    <a16:rowId xmlns:a16="http://schemas.microsoft.com/office/drawing/2014/main" val="2217159684"/>
+                  </a:ext>
+                </a:extLst>
+              </a:tr>
+              <a:tr h="370840">
+                <a:tc>
+                  <a:txBody>
+                    <a:bodyPr/>
+                    <a:lstStyle/>
+                    <a:p>
+                      <a:endParaRPr lang="en-SG" dirty="0"/>
+                    </a:p>
+                  </a:txBody>
+                  <a:tcPr/>
+                </a:tc>
+                <a:tc>
+                  <a:txBody>
+                    <a:bodyPr/>
+                    <a:lstStyle/>
+                    <a:p>
+                      <a:r>
+                        <a:rPr lang="en-US" dirty="0"/>
+                        <a:t>GENIE3</a:t>
+                      </a:r>
+                      <a:endParaRPr lang="en-SG" dirty="0"/>
+                    </a:p>
+                  </a:txBody>
+                  <a:tcPr/>
+                </a:tc>
+                <a:tc>
+                  <a:txBody>
+                    <a:bodyPr/>
+                    <a:lstStyle/>
+                    <a:p>
+                      <a:r>
+                        <a:rPr lang="en-SG" dirty="0"/>
+                        <a:t>23</a:t>
+                      </a:r>
+                    </a:p>
+                  </a:txBody>
+                  <a:tcPr/>
+                </a:tc>
+                <a:tc>
+                  <a:txBody>
+                    <a:bodyPr/>
+                    <a:lstStyle/>
+                    <a:p>
+                      <a:r>
+                        <a:rPr lang="en-SG" dirty="0"/>
+                        <a:t>112</a:t>
+                      </a:r>
+                    </a:p>
+                  </a:txBody>
+                  <a:tcPr/>
+                </a:tc>
+                <a:tc>
+                  <a:txBody>
+                    <a:bodyPr/>
+                    <a:lstStyle/>
+                    <a:p>
+                      <a:r>
+                        <a:rPr lang="en-SG" dirty="0"/>
+                        <a:t>161</a:t>
+                      </a:r>
+                    </a:p>
+                  </a:txBody>
+                  <a:tcPr/>
+                </a:tc>
+                <a:tc>
+                  <a:txBody>
+                    <a:bodyPr/>
+                    <a:lstStyle/>
+                    <a:p>
+                      <a:r>
+                        <a:rPr lang="en-SG" dirty="0"/>
+                        <a:t>0.8908</a:t>
+                      </a:r>
+                    </a:p>
+                  </a:txBody>
+                  <a:tcPr/>
+                </a:tc>
+                <a:tc>
+                  <a:txBody>
+                    <a:bodyPr/>
+                    <a:lstStyle/>
+                    <a:p>
+                      <a:r>
+                        <a:rPr lang="en-SG" dirty="0"/>
+                        <a:t>0.8354</a:t>
+                      </a:r>
+                    </a:p>
+                  </a:txBody>
+                  <a:tcPr/>
+                </a:tc>
+                <a:extLst>
+                  <a:ext uri="{0D108BD9-81ED-4DB2-BD59-A6C34878D82A}">
+                    <a16:rowId xmlns:a16="http://schemas.microsoft.com/office/drawing/2014/main" val="2503005558"/>
+                  </a:ext>
+                </a:extLst>
+              </a:tr>
+              <a:tr h="370840">
+                <a:tc>
+                  <a:txBody>
+                    <a:bodyPr/>
+                    <a:lstStyle/>
+                    <a:p>
+                      <a:endParaRPr lang="en-SG"/>
+                    </a:p>
+                  </a:txBody>
+                  <a:tcPr/>
+                </a:tc>
+                <a:tc>
+                  <a:txBody>
+                    <a:bodyPr/>
+                    <a:lstStyle/>
+                    <a:p>
+                      <a:r>
+                        <a:rPr lang="en-US" dirty="0"/>
+                        <a:t>ARCANE</a:t>
+                      </a:r>
+                      <a:endParaRPr lang="en-SG" dirty="0"/>
+                    </a:p>
+                  </a:txBody>
+                  <a:tcPr/>
+                </a:tc>
+                <a:tc>
+                  <a:txBody>
+                    <a:bodyPr/>
+                    <a:lstStyle/>
+                    <a:p>
+                      <a:r>
+                        <a:rPr lang="en-SG" dirty="0"/>
+                        <a:t>26</a:t>
+                      </a:r>
+                    </a:p>
+                  </a:txBody>
+                  <a:tcPr/>
+                </a:tc>
+                <a:tc>
+                  <a:txBody>
+                    <a:bodyPr/>
+                    <a:lstStyle/>
+                    <a:p>
+                      <a:r>
+                        <a:rPr lang="en-SG" dirty="0"/>
+                        <a:t>212</a:t>
+                      </a:r>
+                    </a:p>
+                  </a:txBody>
+                  <a:tcPr/>
+                </a:tc>
+                <a:tc>
+                  <a:txBody>
+                    <a:bodyPr/>
+                    <a:lstStyle/>
+                    <a:p>
+                      <a:r>
+                        <a:rPr lang="en-SG" dirty="0"/>
+                        <a:t>158</a:t>
+                      </a:r>
+                    </a:p>
+                  </a:txBody>
+                  <a:tcPr/>
+                </a:tc>
+                <a:tc>
+                  <a:txBody>
+                    <a:bodyPr/>
+                    <a:lstStyle/>
+                    <a:p>
+                      <a:r>
+                        <a:rPr lang="en-SG" dirty="0"/>
+                        <a:t>0.852</a:t>
+                      </a:r>
+                    </a:p>
+                  </a:txBody>
+                  <a:tcPr/>
+                </a:tc>
+                <a:tc>
+                  <a:txBody>
+                    <a:bodyPr/>
+                    <a:lstStyle/>
+                    <a:p>
+                      <a:r>
+                        <a:rPr lang="en-SG" dirty="0"/>
+                        <a:t>0.8529</a:t>
+                      </a:r>
+                    </a:p>
+                  </a:txBody>
+                  <a:tcPr/>
+                </a:tc>
+                <a:extLst>
+                  <a:ext uri="{0D108BD9-81ED-4DB2-BD59-A6C34878D82A}">
+                    <a16:rowId xmlns:a16="http://schemas.microsoft.com/office/drawing/2014/main" val="3703953839"/>
+                  </a:ext>
+                </a:extLst>
+              </a:tr>
+              <a:tr h="370840">
+                <a:tc>
+                  <a:txBody>
+                    <a:bodyPr/>
+                    <a:lstStyle/>
+                    <a:p>
+                      <a:endParaRPr lang="en-SG"/>
+                    </a:p>
+                  </a:txBody>
+                  <a:tcPr/>
+                </a:tc>
+                <a:tc>
+                  <a:txBody>
+                    <a:bodyPr/>
+                    <a:lstStyle/>
+                    <a:p>
+                      <a:endParaRPr lang="en-SG"/>
+                    </a:p>
+                  </a:txBody>
+                  <a:tcPr/>
+                </a:tc>
+                <a:tc>
+                  <a:txBody>
+                    <a:bodyPr/>
+                    <a:lstStyle/>
+                    <a:p>
+                      <a:endParaRPr lang="en-SG"/>
+                    </a:p>
+                  </a:txBody>
+                  <a:tcPr/>
+                </a:tc>
+                <a:tc>
+                  <a:txBody>
+                    <a:bodyPr/>
+                    <a:lstStyle/>
+                    <a:p>
+                      <a:endParaRPr lang="en-SG"/>
+                    </a:p>
+                  </a:txBody>
+                  <a:tcPr/>
+                </a:tc>
+                <a:tc>
+                  <a:txBody>
+                    <a:bodyPr/>
+                    <a:lstStyle/>
+                    <a:p>
+                      <a:endParaRPr lang="en-SG"/>
+                    </a:p>
+                  </a:txBody>
+                  <a:tcPr/>
+                </a:tc>
+                <a:tc>
+                  <a:txBody>
+                    <a:bodyPr/>
+                    <a:lstStyle/>
+                    <a:p>
+                      <a:endParaRPr lang="en-SG" dirty="0"/>
+                    </a:p>
+                  </a:txBody>
+                  <a:tcPr/>
+                </a:tc>
+                <a:tc>
+                  <a:txBody>
+                    <a:bodyPr/>
+                    <a:lstStyle/>
+                    <a:p>
+                      <a:endParaRPr lang="en-SG" dirty="0"/>
+                    </a:p>
+                  </a:txBody>
+                  <a:tcPr/>
+                </a:tc>
+                <a:extLst>
+                  <a:ext uri="{0D108BD9-81ED-4DB2-BD59-A6C34878D82A}">
+                    <a16:rowId xmlns:a16="http://schemas.microsoft.com/office/drawing/2014/main" val="2625731583"/>
+                  </a:ext>
+                </a:extLst>
+              </a:tr>
+            </a:tbl>
+          </a:graphicData>
+        </a:graphic>
+      </p:graphicFrame>
+    </p:spTree>
+    <p:extLst>
+      <p:ext uri="{BB962C8B-B14F-4D97-AF65-F5344CB8AC3E}">
+        <p14:creationId xmlns:p14="http://schemas.microsoft.com/office/powerpoint/2010/main" val="2676897614"/>
+      </p:ext>
+    </p:extLst>
+  </p:cSld>
+  <p:clrMapOvr>
+    <a:masterClrMapping/>
+  </p:clrMapOvr>
+</p:sld>
+</file>
+
 <file path=ppt/slides/slide2.xml><?xml version="1.0" encoding="utf-8"?>
 <p:sld xmlns:a="http://schemas.openxmlformats.org/drawingml/2006/main" xmlns:r="http://schemas.openxmlformats.org/officeDocument/2006/relationships" xmlns:p="http://schemas.openxmlformats.org/presentationml/2006/main">
   <p:cSld>
